--- a/alliances/alliance_interface.pptx
+++ b/alliances/alliance_interface.pptx
@@ -247,7 +247,7 @@
           <a:p>
             <a:fld id="{B0EC7D9C-C39F-4904-9B8C-0ED70A370381}" type="datetimeFigureOut">
               <a:rPr lang="en-US" smtClean="0"/>
-              <a:t>2/22/2017</a:t>
+              <a:t>3/13/2017</a:t>
             </a:fld>
             <a:endParaRPr lang="en-US"/>
           </a:p>
@@ -415,7 +415,7 @@
           <a:p>
             <a:fld id="{B0EC7D9C-C39F-4904-9B8C-0ED70A370381}" type="datetimeFigureOut">
               <a:rPr lang="en-US" smtClean="0"/>
-              <a:t>2/22/2017</a:t>
+              <a:t>3/13/2017</a:t>
             </a:fld>
             <a:endParaRPr lang="en-US"/>
           </a:p>
@@ -593,7 +593,7 @@
           <a:p>
             <a:fld id="{B0EC7D9C-C39F-4904-9B8C-0ED70A370381}" type="datetimeFigureOut">
               <a:rPr lang="en-US" smtClean="0"/>
-              <a:t>2/22/2017</a:t>
+              <a:t>3/13/2017</a:t>
             </a:fld>
             <a:endParaRPr lang="en-US"/>
           </a:p>
@@ -761,7 +761,7 @@
           <a:p>
             <a:fld id="{B0EC7D9C-C39F-4904-9B8C-0ED70A370381}" type="datetimeFigureOut">
               <a:rPr lang="en-US" smtClean="0"/>
-              <a:t>2/22/2017</a:t>
+              <a:t>3/13/2017</a:t>
             </a:fld>
             <a:endParaRPr lang="en-US"/>
           </a:p>
@@ -1006,7 +1006,7 @@
           <a:p>
             <a:fld id="{B0EC7D9C-C39F-4904-9B8C-0ED70A370381}" type="datetimeFigureOut">
               <a:rPr lang="en-US" smtClean="0"/>
-              <a:t>2/22/2017</a:t>
+              <a:t>3/13/2017</a:t>
             </a:fld>
             <a:endParaRPr lang="en-US"/>
           </a:p>
@@ -1235,7 +1235,7 @@
           <a:p>
             <a:fld id="{B0EC7D9C-C39F-4904-9B8C-0ED70A370381}" type="datetimeFigureOut">
               <a:rPr lang="en-US" smtClean="0"/>
-              <a:t>2/22/2017</a:t>
+              <a:t>3/13/2017</a:t>
             </a:fld>
             <a:endParaRPr lang="en-US"/>
           </a:p>
@@ -1599,7 +1599,7 @@
           <a:p>
             <a:fld id="{B0EC7D9C-C39F-4904-9B8C-0ED70A370381}" type="datetimeFigureOut">
               <a:rPr lang="en-US" smtClean="0"/>
-              <a:t>2/22/2017</a:t>
+              <a:t>3/13/2017</a:t>
             </a:fld>
             <a:endParaRPr lang="en-US"/>
           </a:p>
@@ -1716,7 +1716,7 @@
           <a:p>
             <a:fld id="{B0EC7D9C-C39F-4904-9B8C-0ED70A370381}" type="datetimeFigureOut">
               <a:rPr lang="en-US" smtClean="0"/>
-              <a:t>2/22/2017</a:t>
+              <a:t>3/13/2017</a:t>
             </a:fld>
             <a:endParaRPr lang="en-US"/>
           </a:p>
@@ -1811,7 +1811,7 @@
           <a:p>
             <a:fld id="{B0EC7D9C-C39F-4904-9B8C-0ED70A370381}" type="datetimeFigureOut">
               <a:rPr lang="en-US" smtClean="0"/>
-              <a:t>2/22/2017</a:t>
+              <a:t>3/13/2017</a:t>
             </a:fld>
             <a:endParaRPr lang="en-US"/>
           </a:p>
@@ -2086,7 +2086,7 @@
           <a:p>
             <a:fld id="{B0EC7D9C-C39F-4904-9B8C-0ED70A370381}" type="datetimeFigureOut">
               <a:rPr lang="en-US" smtClean="0"/>
-              <a:t>2/22/2017</a:t>
+              <a:t>3/13/2017</a:t>
             </a:fld>
             <a:endParaRPr lang="en-US"/>
           </a:p>
@@ -2338,7 +2338,7 @@
           <a:p>
             <a:fld id="{B0EC7D9C-C39F-4904-9B8C-0ED70A370381}" type="datetimeFigureOut">
               <a:rPr lang="en-US" smtClean="0"/>
-              <a:t>2/22/2017</a:t>
+              <a:t>3/13/2017</a:t>
             </a:fld>
             <a:endParaRPr lang="en-US"/>
           </a:p>
@@ -2549,7 +2549,7 @@
           <a:p>
             <a:fld id="{B0EC7D9C-C39F-4904-9B8C-0ED70A370381}" type="datetimeFigureOut">
               <a:rPr lang="en-US" smtClean="0"/>
-              <a:t>2/22/2017</a:t>
+              <a:t>3/13/2017</a:t>
             </a:fld>
             <a:endParaRPr lang="en-US"/>
           </a:p>
@@ -6554,947 +6554,3399 @@
           <a:chExt cx="0" cy="0"/>
         </a:xfrm>
       </p:grpSpPr>
+      <p:sp>
+        <p:nvSpPr>
+          <p:cNvPr id="2" name="Rectangle 1">
+            <a:hlinkClick r:id="rId2" action="ppaction://hlinksldjump"/>
+          </p:cNvPr>
+          <p:cNvSpPr/>
+          <p:nvPr/>
+        </p:nvSpPr>
+        <p:spPr>
+          <a:xfrm>
+            <a:off x="11175979" y="6473546"/>
+            <a:ext cx="973008" cy="360608"/>
+          </a:xfrm>
+          <a:prstGeom prst="rect">
+            <a:avLst/>
+          </a:prstGeom>
+        </p:spPr>
+        <p:style>
+          <a:lnRef idx="2">
+            <a:schemeClr val="accent1">
+              <a:shade val="50000"/>
+            </a:schemeClr>
+          </a:lnRef>
+          <a:fillRef idx="1">
+            <a:schemeClr val="accent1"/>
+          </a:fillRef>
+          <a:effectRef idx="0">
+            <a:schemeClr val="accent1"/>
+          </a:effectRef>
+          <a:fontRef idx="minor">
+            <a:schemeClr val="lt1"/>
+          </a:fontRef>
+        </p:style>
+        <p:txBody>
+          <a:bodyPr rtlCol="0" anchor="ctr"/>
+          <a:lstStyle/>
+          <a:p>
+            <a:pPr algn="ctr"/>
+            <a:r>
+              <a:rPr lang="en-US" b="1" dirty="0"/>
+              <a:t>Menu</a:t>
+            </a:r>
+          </a:p>
+        </p:txBody>
+      </p:sp>
       <p:grpSp>
         <p:nvGrpSpPr>
-          <p:cNvPr id="43" name="Group 42"/>
+          <p:cNvPr id="3" name="Group 2"/>
           <p:cNvGrpSpPr/>
           <p:nvPr/>
         </p:nvGrpSpPr>
         <p:grpSpPr>
           <a:xfrm>
-            <a:off x="0" y="0"/>
-            <a:ext cx="12192002" cy="6858000"/>
-            <a:chOff x="0" y="5034983"/>
-            <a:chExt cx="7791101" cy="5041558"/>
+            <a:off x="-3467" y="0"/>
+            <a:ext cx="12184978" cy="6858000"/>
+            <a:chOff x="-3467" y="0"/>
+            <a:chExt cx="12184978" cy="6858000"/>
           </a:xfrm>
         </p:grpSpPr>
         <p:grpSp>
           <p:nvGrpSpPr>
-            <p:cNvPr id="44" name="Group 43"/>
+            <p:cNvPr id="43" name="Group 42"/>
             <p:cNvGrpSpPr/>
             <p:nvPr/>
           </p:nvGrpSpPr>
           <p:grpSpPr>
             <a:xfrm>
-              <a:off x="0" y="5034983"/>
-              <a:ext cx="7791101" cy="5041558"/>
-              <a:chOff x="0" y="-6641"/>
-              <a:chExt cx="7791101" cy="5041558"/>
+              <a:off x="-3467" y="0"/>
+              <a:ext cx="12181698" cy="6858000"/>
+              <a:chOff x="-2215" y="5034983"/>
+              <a:chExt cx="7784516" cy="5041558"/>
             </a:xfrm>
           </p:grpSpPr>
+          <p:grpSp>
+            <p:nvGrpSpPr>
+              <p:cNvPr id="44" name="Group 43"/>
+              <p:cNvGrpSpPr/>
+              <p:nvPr/>
+            </p:nvGrpSpPr>
+            <p:grpSpPr>
+              <a:xfrm>
+                <a:off x="-2215" y="5034983"/>
+                <a:ext cx="7784516" cy="5041558"/>
+                <a:chOff x="-2215" y="-6641"/>
+                <a:chExt cx="7784516" cy="5041558"/>
+              </a:xfrm>
+            </p:grpSpPr>
+            <p:sp>
+              <p:nvSpPr>
+                <p:cNvPr id="46" name="Rectangle 45"/>
+                <p:cNvSpPr/>
+                <p:nvPr/>
+              </p:nvSpPr>
+              <p:spPr>
+                <a:xfrm>
+                  <a:off x="0" y="0"/>
+                  <a:ext cx="7778997" cy="5034917"/>
+                </a:xfrm>
+                <a:prstGeom prst="rect">
+                  <a:avLst/>
+                </a:prstGeom>
+                <a:solidFill>
+                  <a:schemeClr val="bg1"/>
+                </a:solidFill>
+                <a:ln w="38100">
+                  <a:solidFill>
+                    <a:schemeClr val="tx1"/>
+                  </a:solidFill>
+                </a:ln>
+              </p:spPr>
+              <p:style>
+                <a:lnRef idx="2">
+                  <a:schemeClr val="accent1">
+                    <a:shade val="50000"/>
+                  </a:schemeClr>
+                </a:lnRef>
+                <a:fillRef idx="1">
+                  <a:schemeClr val="accent1"/>
+                </a:fillRef>
+                <a:effectRef idx="0">
+                  <a:schemeClr val="accent1"/>
+                </a:effectRef>
+                <a:fontRef idx="minor">
+                  <a:schemeClr val="lt1"/>
+                </a:fontRef>
+              </p:style>
+              <p:txBody>
+                <a:bodyPr rot="0" spcFirstLastPara="0" vertOverflow="overflow" horzOverflow="overflow" vert="horz" wrap="square" lIns="91440" tIns="45720" rIns="91440" bIns="45720" numCol="1" spcCol="0" rtlCol="0" fromWordArt="0" anchor="ctr" anchorCtr="0" forceAA="0" compatLnSpc="1">
+                  <a:prstTxWarp prst="textNoShape">
+                    <a:avLst/>
+                  </a:prstTxWarp>
+                  <a:noAutofit/>
+                </a:bodyPr>
+                <a:lstStyle/>
+                <a:p>
+                  <a:endParaRPr lang="en-US" sz="700" b="1" dirty="0">
+                    <a:solidFill>
+                      <a:schemeClr val="tx1"/>
+                    </a:solidFill>
+                  </a:endParaRPr>
+                </a:p>
+              </p:txBody>
+            </p:sp>
+            <p:sp>
+              <p:nvSpPr>
+                <p:cNvPr id="47" name="Rectangle 46"/>
+                <p:cNvSpPr/>
+                <p:nvPr/>
+              </p:nvSpPr>
+              <p:spPr>
+                <a:xfrm>
+                  <a:off x="13195" y="1577633"/>
+                  <a:ext cx="1269745" cy="1149475"/>
+                </a:xfrm>
+                <a:prstGeom prst="rect">
+                  <a:avLst/>
+                </a:prstGeom>
+                <a:solidFill>
+                  <a:schemeClr val="bg1"/>
+                </a:solidFill>
+                <a:ln w="15875">
+                  <a:solidFill>
+                    <a:schemeClr val="tx1"/>
+                  </a:solidFill>
+                </a:ln>
+              </p:spPr>
+              <p:style>
+                <a:lnRef idx="2">
+                  <a:schemeClr val="accent1">
+                    <a:shade val="50000"/>
+                  </a:schemeClr>
+                </a:lnRef>
+                <a:fillRef idx="1">
+                  <a:schemeClr val="accent1"/>
+                </a:fillRef>
+                <a:effectRef idx="0">
+                  <a:schemeClr val="accent1"/>
+                </a:effectRef>
+                <a:fontRef idx="minor">
+                  <a:schemeClr val="lt1"/>
+                </a:fontRef>
+              </p:style>
+              <p:txBody>
+                <a:bodyPr rot="0" spcFirstLastPara="0" vertOverflow="overflow" horzOverflow="overflow" vert="horz" wrap="square" lIns="91440" tIns="45720" rIns="91440" bIns="45720" numCol="1" spcCol="0" rtlCol="0" fromWordArt="0" anchor="ctr" anchorCtr="0" forceAA="0" compatLnSpc="1">
+                  <a:prstTxWarp prst="textNoShape">
+                    <a:avLst/>
+                  </a:prstTxWarp>
+                  <a:noAutofit/>
+                </a:bodyPr>
+                <a:lstStyle/>
+                <a:p>
+                  <a:r>
+                    <a:rPr lang="en-US" sz="1200" b="1" dirty="0">
+                      <a:solidFill>
+                        <a:schemeClr val="tx1"/>
+                      </a:solidFill>
+                    </a:rPr>
+                    <a:t>Baseline: tot_baseline_cross_1</a:t>
+                  </a:r>
+                </a:p>
+                <a:p>
+                  <a:r>
+                    <a:rPr lang="en-US" sz="1200" b="1" dirty="0">
+                      <a:solidFill>
+                        <a:schemeClr val="tx1"/>
+                      </a:solidFill>
+                    </a:rPr>
+                    <a:t>High Goals: avg_auto_high_made_1/avg_auto_high_attempts_1/max_auto_high_made_1</a:t>
+                  </a:r>
+                </a:p>
+                <a:p>
+                  <a:r>
+                    <a:rPr lang="en-US" sz="1200" b="1" dirty="0">
+                      <a:solidFill>
+                        <a:schemeClr val="tx1"/>
+                      </a:solidFill>
+                    </a:rPr>
+                    <a:t>Low Goals: avg_auto_low_made_1/avg_auto_low_attempts_1/max_auto_low_made_1</a:t>
+                  </a:r>
+                </a:p>
+                <a:p>
+                  <a:r>
+                    <a:rPr lang="en-US" sz="1200" b="1" dirty="0">
+                      <a:solidFill>
+                        <a:schemeClr val="tx1"/>
+                      </a:solidFill>
+                    </a:rPr>
+                    <a:t>Hopper Intake: avg_auto_hopper_intake_1</a:t>
+                  </a:r>
+                </a:p>
+                <a:p>
+                  <a:r>
+                    <a:rPr lang="en-US" sz="1200" b="1" dirty="0">
+                      <a:solidFill>
+                        <a:schemeClr val="tx1"/>
+                      </a:solidFill>
+                    </a:rPr>
+                    <a:t>Floor Ball intake: avg_auto_floor_ball_intake_1</a:t>
+                  </a:r>
+                </a:p>
+                <a:p>
+                  <a:r>
+                    <a:rPr lang="en-US" sz="1200" b="1" dirty="0">
+                      <a:solidFill>
+                        <a:schemeClr val="tx1"/>
+                      </a:solidFill>
+                    </a:rPr>
+                    <a:t>Gears Scored LMR: tot_auto_gears_scored_top_1/tot_auto_gears_scored_mid_1/tot_auto_gears_scored_bot_1</a:t>
+                  </a:r>
+                </a:p>
+                <a:p>
+                  <a:r>
+                    <a:rPr lang="en-US" sz="1200" b="1" dirty="0">
+                      <a:solidFill>
+                        <a:schemeClr val="tx1"/>
+                      </a:solidFill>
+                    </a:rPr>
+                    <a:t>Gears Scored Tot: tot_auto_gears_scored_1/tot_auto_gears_attempts_1/max_auto_gears_scored_1</a:t>
+                  </a:r>
+                </a:p>
+              </p:txBody>
+            </p:sp>
+            <p:sp>
+              <p:nvSpPr>
+                <p:cNvPr id="48" name="Rectangle 47"/>
+                <p:cNvSpPr/>
+                <p:nvPr/>
+              </p:nvSpPr>
+              <p:spPr>
+                <a:xfrm>
+                  <a:off x="6598" y="12424"/>
+                  <a:ext cx="7772400" cy="578069"/>
+                </a:xfrm>
+                <a:prstGeom prst="rect">
+                  <a:avLst/>
+                </a:prstGeom>
+                <a:solidFill>
+                  <a:schemeClr val="bg1"/>
+                </a:solidFill>
+                <a:ln w="38100">
+                  <a:solidFill>
+                    <a:schemeClr val="tx1"/>
+                  </a:solidFill>
+                </a:ln>
+              </p:spPr>
+              <p:style>
+                <a:lnRef idx="2">
+                  <a:schemeClr val="accent1">
+                    <a:shade val="50000"/>
+                  </a:schemeClr>
+                </a:lnRef>
+                <a:fillRef idx="1">
+                  <a:schemeClr val="accent1"/>
+                </a:fillRef>
+                <a:effectRef idx="0">
+                  <a:schemeClr val="accent1"/>
+                </a:effectRef>
+                <a:fontRef idx="minor">
+                  <a:schemeClr val="lt1"/>
+                </a:fontRef>
+              </p:style>
+              <p:txBody>
+                <a:bodyPr rot="0" spcFirstLastPara="0" vertOverflow="overflow" horzOverflow="overflow" vert="horz" wrap="square" lIns="91440" tIns="45720" rIns="91440" bIns="45720" numCol="1" spcCol="0" rtlCol="0" fromWordArt="0" anchor="ctr" anchorCtr="0" forceAA="0" compatLnSpc="1">
+                  <a:prstTxWarp prst="textNoShape">
+                    <a:avLst/>
+                  </a:prstTxWarp>
+                  <a:noAutofit/>
+                </a:bodyPr>
+                <a:lstStyle/>
+                <a:p>
+                  <a:pPr algn="ctr"/>
+                  <a:endParaRPr lang="en-US" dirty="0"/>
+                </a:p>
+              </p:txBody>
+            </p:sp>
+            <p:sp>
+              <p:nvSpPr>
+                <p:cNvPr id="49" name="TextBox 48"/>
+                <p:cNvSpPr txBox="1"/>
+                <p:nvPr/>
+              </p:nvSpPr>
+              <p:spPr>
+                <a:xfrm>
+                  <a:off x="6598" y="5717"/>
+                  <a:ext cx="2280176" cy="584775"/>
+                </a:xfrm>
+                <a:prstGeom prst="rect">
+                  <a:avLst/>
+                </a:prstGeom>
+                <a:noFill/>
+              </p:spPr>
+              <p:txBody>
+                <a:bodyPr wrap="none" rtlCol="0">
+                  <a:spAutoFit/>
+                </a:bodyPr>
+                <a:lstStyle/>
+                <a:p>
+                  <a:r>
+                    <a:rPr lang="en-US" sz="3200" b="1" dirty="0">
+                      <a:solidFill>
+                        <a:srgbClr val="FF0000"/>
+                      </a:solidFill>
+                    </a:rPr>
+                    <a:t>Red Alliance</a:t>
+                  </a:r>
+                </a:p>
+              </p:txBody>
+            </p:sp>
+            <p:sp>
+              <p:nvSpPr>
+                <p:cNvPr id="50" name="TextBox 49"/>
+                <p:cNvSpPr txBox="1"/>
+                <p:nvPr/>
+              </p:nvSpPr>
+              <p:spPr>
+                <a:xfrm>
+                  <a:off x="4754636" y="-6641"/>
+                  <a:ext cx="2387192" cy="584775"/>
+                </a:xfrm>
+                <a:prstGeom prst="rect">
+                  <a:avLst/>
+                </a:prstGeom>
+                <a:noFill/>
+              </p:spPr>
+              <p:txBody>
+                <a:bodyPr wrap="none" rtlCol="0">
+                  <a:spAutoFit/>
+                </a:bodyPr>
+                <a:lstStyle/>
+                <a:p>
+                  <a:r>
+                    <a:rPr lang="en-US" sz="3200" b="1" dirty="0">
+                      <a:solidFill>
+                        <a:srgbClr val="00B0F0"/>
+                      </a:solidFill>
+                    </a:rPr>
+                    <a:t>Blue Alliance</a:t>
+                  </a:r>
+                </a:p>
+              </p:txBody>
+            </p:sp>
+            <p:cxnSp>
+              <p:nvCxnSpPr>
+                <p:cNvPr id="51" name="Straight Connector 50"/>
+                <p:cNvCxnSpPr/>
+                <p:nvPr/>
+              </p:nvCxnSpPr>
+              <p:spPr>
+                <a:xfrm>
+                  <a:off x="3885105" y="590492"/>
+                  <a:ext cx="6598" cy="4444425"/>
+                </a:xfrm>
+                <a:prstGeom prst="line">
+                  <a:avLst/>
+                </a:prstGeom>
+                <a:ln w="38100">
+                  <a:solidFill>
+                    <a:schemeClr val="tx1"/>
+                  </a:solidFill>
+                </a:ln>
+              </p:spPr>
+              <p:style>
+                <a:lnRef idx="1">
+                  <a:schemeClr val="accent1"/>
+                </a:lnRef>
+                <a:fillRef idx="0">
+                  <a:schemeClr val="accent1"/>
+                </a:fillRef>
+                <a:effectRef idx="0">
+                  <a:schemeClr val="accent1"/>
+                </a:effectRef>
+                <a:fontRef idx="minor">
+                  <a:schemeClr val="tx1"/>
+                </a:fontRef>
+              </p:style>
+            </p:cxnSp>
+            <p:sp>
+              <p:nvSpPr>
+                <p:cNvPr id="52" name="Rectangle 51"/>
+                <p:cNvSpPr/>
+                <p:nvPr/>
+              </p:nvSpPr>
+              <p:spPr>
+                <a:xfrm>
+                  <a:off x="6598" y="592197"/>
+                  <a:ext cx="1298331" cy="268883"/>
+                </a:xfrm>
+                <a:prstGeom prst="rect">
+                  <a:avLst/>
+                </a:prstGeom>
+                <a:solidFill>
+                  <a:schemeClr val="bg1"/>
+                </a:solidFill>
+                <a:ln w="38100">
+                  <a:solidFill>
+                    <a:schemeClr val="tx1"/>
+                  </a:solidFill>
+                </a:ln>
+              </p:spPr>
+              <p:style>
+                <a:lnRef idx="2">
+                  <a:schemeClr val="accent1">
+                    <a:shade val="50000"/>
+                  </a:schemeClr>
+                </a:lnRef>
+                <a:fillRef idx="1">
+                  <a:schemeClr val="accent1"/>
+                </a:fillRef>
+                <a:effectRef idx="0">
+                  <a:schemeClr val="accent1"/>
+                </a:effectRef>
+                <a:fontRef idx="minor">
+                  <a:schemeClr val="lt1"/>
+                </a:fontRef>
+              </p:style>
+              <p:txBody>
+                <a:bodyPr rot="0" spcFirstLastPara="0" vertOverflow="overflow" horzOverflow="overflow" vert="horz" wrap="square" lIns="91440" tIns="45720" rIns="91440" bIns="45720" numCol="1" spcCol="0" rtlCol="0" fromWordArt="0" anchor="ctr" anchorCtr="0" forceAA="0" compatLnSpc="1">
+                  <a:prstTxWarp prst="textNoShape">
+                    <a:avLst/>
+                  </a:prstTxWarp>
+                  <a:noAutofit/>
+                </a:bodyPr>
+                <a:lstStyle/>
+                <a:p>
+                  <a:pPr algn="ctr"/>
+                  <a:r>
+                    <a:rPr lang="en-US" sz="1200" b="1" dirty="0">
+                      <a:solidFill>
+                        <a:schemeClr val="tx1"/>
+                      </a:solidFill>
+                    </a:rPr>
+                    <a:t>Team #: team_num_1</a:t>
+                  </a:r>
+                </a:p>
+              </p:txBody>
+            </p:sp>
+            <p:sp>
+              <p:nvSpPr>
+                <p:cNvPr id="53" name="Rectangle 52"/>
+                <p:cNvSpPr/>
+                <p:nvPr/>
+              </p:nvSpPr>
+              <p:spPr>
+                <a:xfrm>
+                  <a:off x="-2215" y="867486"/>
+                  <a:ext cx="1285140" cy="268883"/>
+                </a:xfrm>
+                <a:prstGeom prst="rect">
+                  <a:avLst/>
+                </a:prstGeom>
+                <a:solidFill>
+                  <a:schemeClr val="bg1"/>
+                </a:solidFill>
+                <a:ln w="38100">
+                  <a:solidFill>
+                    <a:schemeClr val="tx1"/>
+                  </a:solidFill>
+                </a:ln>
+              </p:spPr>
+              <p:style>
+                <a:lnRef idx="2">
+                  <a:schemeClr val="accent1">
+                    <a:shade val="50000"/>
+                  </a:schemeClr>
+                </a:lnRef>
+                <a:fillRef idx="1">
+                  <a:schemeClr val="accent1"/>
+                </a:fillRef>
+                <a:effectRef idx="0">
+                  <a:schemeClr val="accent1"/>
+                </a:effectRef>
+                <a:fontRef idx="minor">
+                  <a:schemeClr val="lt1"/>
+                </a:fontRef>
+              </p:style>
+              <p:txBody>
+                <a:bodyPr rot="0" spcFirstLastPara="0" vertOverflow="overflow" horzOverflow="overflow" vert="horz" wrap="square" lIns="91440" tIns="45720" rIns="91440" bIns="45720" numCol="1" spcCol="0" rtlCol="0" fromWordArt="0" anchor="ctr" anchorCtr="0" forceAA="0" compatLnSpc="1">
+                  <a:prstTxWarp prst="textNoShape">
+                    <a:avLst/>
+                  </a:prstTxWarp>
+                  <a:noAutofit/>
+                </a:bodyPr>
+                <a:lstStyle/>
+                <a:p>
+                  <a:pPr algn="ctr"/>
+                  <a:r>
+                    <a:rPr lang="en-US" sz="1200" b="1" dirty="0">
+                      <a:solidFill>
+                        <a:schemeClr val="tx1"/>
+                      </a:solidFill>
+                    </a:rPr>
+                    <a:t>Avg. </a:t>
+                  </a:r>
+                  <a:r>
+                    <a:rPr lang="en-US" sz="1200" b="1" dirty="0" err="1">
+                      <a:solidFill>
+                        <a:schemeClr val="tx1"/>
+                      </a:solidFill>
+                    </a:rPr>
+                    <a:t>kPa</a:t>
+                  </a:r>
+                  <a:r>
+                    <a:rPr lang="en-US" sz="1200" b="1" dirty="0">
+                      <a:solidFill>
+                        <a:schemeClr val="tx1"/>
+                      </a:solidFill>
+                    </a:rPr>
+                    <a:t>: avg_auto_contrib_kpa_1/avg_contrib_kpa_1/max_contrib_kpa_1</a:t>
+                  </a:r>
+                </a:p>
+              </p:txBody>
+            </p:sp>
+            <p:sp>
+              <p:nvSpPr>
+                <p:cNvPr id="56" name="Rectangle 55"/>
+                <p:cNvSpPr/>
+                <p:nvPr/>
+              </p:nvSpPr>
+              <p:spPr>
+                <a:xfrm>
+                  <a:off x="13195" y="2897291"/>
+                  <a:ext cx="1271943" cy="2137621"/>
+                </a:xfrm>
+                <a:prstGeom prst="rect">
+                  <a:avLst/>
+                </a:prstGeom>
+                <a:solidFill>
+                  <a:schemeClr val="bg1"/>
+                </a:solidFill>
+                <a:ln w="15875">
+                  <a:solidFill>
+                    <a:schemeClr val="tx1"/>
+                  </a:solidFill>
+                </a:ln>
+              </p:spPr>
+              <p:style>
+                <a:lnRef idx="2">
+                  <a:schemeClr val="accent1">
+                    <a:shade val="50000"/>
+                  </a:schemeClr>
+                </a:lnRef>
+                <a:fillRef idx="1">
+                  <a:schemeClr val="accent1"/>
+                </a:fillRef>
+                <a:effectRef idx="0">
+                  <a:schemeClr val="accent1"/>
+                </a:effectRef>
+                <a:fontRef idx="minor">
+                  <a:schemeClr val="lt1"/>
+                </a:fontRef>
+              </p:style>
+              <p:txBody>
+                <a:bodyPr rot="0" spcFirstLastPara="0" vertOverflow="overflow" horzOverflow="overflow" vert="horz" wrap="square" lIns="91440" tIns="45720" rIns="91440" bIns="45720" numCol="1" spcCol="0" rtlCol="0" fromWordArt="0" anchor="ctr" anchorCtr="0" forceAA="0" compatLnSpc="1">
+                  <a:prstTxWarp prst="textNoShape">
+                    <a:avLst/>
+                  </a:prstTxWarp>
+                  <a:noAutofit/>
+                </a:bodyPr>
+                <a:lstStyle/>
+                <a:p>
+                  <a:pPr>
+                    <a:spcBef>
+                      <a:spcPts val="10"/>
+                    </a:spcBef>
+                  </a:pPr>
+                  <a:r>
+                    <a:rPr lang="en-US" sz="1200" b="1" dirty="0">
+                      <a:solidFill>
+                        <a:schemeClr val="tx1"/>
+                      </a:solidFill>
+                    </a:rPr>
+                    <a:t>High Goals: avg_tele_high_made_1/avg_tele_high_attempts_1/max_tele_high_made_1</a:t>
+                  </a:r>
+                </a:p>
+                <a:p>
+                  <a:pPr>
+                    <a:spcBef>
+                      <a:spcPts val="10"/>
+                    </a:spcBef>
+                  </a:pPr>
+                  <a:r>
+                    <a:rPr lang="en-US" sz="1200" b="1" dirty="0">
+                      <a:solidFill>
+                        <a:schemeClr val="tx1"/>
+                      </a:solidFill>
+                    </a:rPr>
+                    <a:t>Low Goals: avg_tele_low_made_1/avg_tele_low_attempts_1/max_tele_low_made_1</a:t>
+                  </a:r>
+                </a:p>
+                <a:p>
+                  <a:pPr>
+                    <a:spcBef>
+                      <a:spcPts val="10"/>
+                    </a:spcBef>
+                  </a:pPr>
+                  <a:r>
+                    <a:rPr lang="en-US" sz="1200" b="1" dirty="0">
+                      <a:solidFill>
+                        <a:schemeClr val="tx1"/>
+                      </a:solidFill>
+                    </a:rPr>
+                    <a:t>Gears Scored: avg_tele_gears_scored_1/avg_tele_gears_attempts_1/max_tele_gears_scored_1</a:t>
+                  </a:r>
+                </a:p>
+                <a:p>
+                  <a:pPr>
+                    <a:spcBef>
+                      <a:spcPts val="10"/>
+                    </a:spcBef>
+                  </a:pPr>
+                  <a:r>
+                    <a:rPr lang="en-US" sz="1200" b="1" dirty="0">
+                      <a:solidFill>
+                        <a:schemeClr val="tx1"/>
+                      </a:solidFill>
+                    </a:rPr>
+                    <a:t>Gears KO: tot_tele_gear_knockouts_1</a:t>
+                  </a:r>
+                </a:p>
+                <a:p>
+                  <a:pPr>
+                    <a:spcBef>
+                      <a:spcPts val="10"/>
+                    </a:spcBef>
+                  </a:pPr>
+                  <a:endParaRPr lang="en-US" sz="1200" b="1" dirty="0">
+                    <a:solidFill>
+                      <a:schemeClr val="tx1"/>
+                    </a:solidFill>
+                  </a:endParaRPr>
+                </a:p>
+                <a:p>
+                  <a:pPr>
+                    <a:spcBef>
+                      <a:spcPts val="10"/>
+                    </a:spcBef>
+                  </a:pPr>
+                  <a:r>
+                    <a:rPr lang="en-US" sz="1200" b="1" dirty="0">
+                      <a:solidFill>
+                        <a:schemeClr val="tx1"/>
+                      </a:solidFill>
+                    </a:rPr>
+                    <a:t>Floor Ball Intake: avg_tele_floor_ball_intake_1</a:t>
+                  </a:r>
+                </a:p>
+                <a:p>
+                  <a:pPr>
+                    <a:spcBef>
+                      <a:spcPts val="10"/>
+                    </a:spcBef>
+                  </a:pPr>
+                  <a:r>
+                    <a:rPr lang="en-US" sz="1200" b="1" dirty="0">
+                      <a:solidFill>
+                        <a:schemeClr val="tx1"/>
+                      </a:solidFill>
+                    </a:rPr>
+                    <a:t>Hopper Ball Intake: avg_tele_hopper_intake_1</a:t>
+                  </a:r>
+                </a:p>
+                <a:p>
+                  <a:pPr>
+                    <a:spcBef>
+                      <a:spcPts val="10"/>
+                    </a:spcBef>
+                  </a:pPr>
+                  <a:r>
+                    <a:rPr lang="en-US" sz="1200" b="1" dirty="0">
+                      <a:solidFill>
+                        <a:schemeClr val="tx1"/>
+                      </a:solidFill>
+                    </a:rPr>
+                    <a:t>HP Ball Intake: avg_hp_ball_intake_1</a:t>
+                  </a:r>
+                </a:p>
+                <a:p>
+                  <a:pPr>
+                    <a:spcBef>
+                      <a:spcPts val="10"/>
+                    </a:spcBef>
+                  </a:pPr>
+                  <a:r>
+                    <a:rPr lang="en-US" sz="1200" b="1" dirty="0">
+                      <a:solidFill>
+                        <a:schemeClr val="tx1"/>
+                      </a:solidFill>
+                    </a:rPr>
+                    <a:t>Floor Gear Intake: avg_tele_floor_gear_intake_1</a:t>
+                  </a:r>
+                </a:p>
+                <a:p>
+                  <a:pPr>
+                    <a:spcBef>
+                      <a:spcPts val="10"/>
+                    </a:spcBef>
+                  </a:pPr>
+                  <a:r>
+                    <a:rPr lang="en-US" sz="1200" b="1" dirty="0">
+                      <a:solidFill>
+                        <a:schemeClr val="tx1"/>
+                      </a:solidFill>
+                    </a:rPr>
+                    <a:t>HP Gear Intake: avg_hp_gear_intake_1/avg_hp_gear_intake_miss_1</a:t>
+                  </a:r>
+                </a:p>
+                <a:p>
+                  <a:pPr>
+                    <a:spcBef>
+                      <a:spcPts val="10"/>
+                    </a:spcBef>
+                  </a:pPr>
+                  <a:endParaRPr lang="en-US" sz="1200" b="1" dirty="0">
+                    <a:solidFill>
+                      <a:schemeClr val="tx1"/>
+                    </a:solidFill>
+                  </a:endParaRPr>
+                </a:p>
+                <a:p>
+                  <a:pPr>
+                    <a:spcBef>
+                      <a:spcPts val="10"/>
+                    </a:spcBef>
+                  </a:pPr>
+                  <a:r>
+                    <a:rPr lang="en-US" sz="1200" b="1" dirty="0">
+                      <a:solidFill>
+                        <a:schemeClr val="tx1"/>
+                      </a:solidFill>
+                    </a:rPr>
+                    <a:t>Climb: tot_climb_1/tot_climb_attempts_1</a:t>
+                  </a:r>
+                </a:p>
+                <a:p>
+                  <a:pPr>
+                    <a:spcBef>
+                      <a:spcPts val="10"/>
+                    </a:spcBef>
+                  </a:pPr>
+                  <a:r>
+                    <a:rPr lang="en-US" sz="1200" b="1" dirty="0">
+                      <a:solidFill>
+                        <a:schemeClr val="tx1"/>
+                      </a:solidFill>
+                    </a:rPr>
+                    <a:t>Defense: avg_defense_rating_1</a:t>
+                  </a:r>
+                </a:p>
+                <a:p>
+                  <a:pPr>
+                    <a:spcBef>
+                      <a:spcPts val="10"/>
+                    </a:spcBef>
+                  </a:pPr>
+                  <a:r>
+                    <a:rPr lang="en-US" sz="1200" b="1" dirty="0">
+                      <a:solidFill>
+                        <a:schemeClr val="tx1"/>
+                      </a:solidFill>
+                    </a:rPr>
+                    <a:t>Mobility: avg_mobility_rating_1</a:t>
+                  </a:r>
+                </a:p>
+                <a:p>
+                  <a:pPr>
+                    <a:spcBef>
+                      <a:spcPts val="10"/>
+                    </a:spcBef>
+                  </a:pPr>
+                  <a:r>
+                    <a:rPr lang="en-US" sz="1200" b="1" dirty="0">
+                      <a:solidFill>
+                        <a:schemeClr val="tx1"/>
+                      </a:solidFill>
+                    </a:rPr>
+                    <a:t>Fouls: tot_fouls_1</a:t>
+                  </a:r>
+                </a:p>
+              </p:txBody>
+            </p:sp>
+            <p:sp>
+              <p:nvSpPr>
+                <p:cNvPr id="57" name="Rectangle 56"/>
+                <p:cNvSpPr/>
+                <p:nvPr/>
+              </p:nvSpPr>
+              <p:spPr>
+                <a:xfrm>
+                  <a:off x="1287340" y="590491"/>
+                  <a:ext cx="1298331" cy="268883"/>
+                </a:xfrm>
+                <a:prstGeom prst="rect">
+                  <a:avLst/>
+                </a:prstGeom>
+                <a:solidFill>
+                  <a:schemeClr val="bg1"/>
+                </a:solidFill>
+                <a:ln w="38100">
+                  <a:solidFill>
+                    <a:schemeClr val="tx1"/>
+                  </a:solidFill>
+                </a:ln>
+              </p:spPr>
+              <p:style>
+                <a:lnRef idx="2">
+                  <a:schemeClr val="accent1">
+                    <a:shade val="50000"/>
+                  </a:schemeClr>
+                </a:lnRef>
+                <a:fillRef idx="1">
+                  <a:schemeClr val="accent1"/>
+                </a:fillRef>
+                <a:effectRef idx="0">
+                  <a:schemeClr val="accent1"/>
+                </a:effectRef>
+                <a:fontRef idx="minor">
+                  <a:schemeClr val="lt1"/>
+                </a:fontRef>
+              </p:style>
+              <p:txBody>
+                <a:bodyPr rot="0" spcFirstLastPara="0" vertOverflow="overflow" horzOverflow="overflow" vert="horz" wrap="square" lIns="91440" tIns="45720" rIns="91440" bIns="45720" numCol="1" spcCol="0" rtlCol="0" fromWordArt="0" anchor="ctr" anchorCtr="0" forceAA="0" compatLnSpc="1">
+                  <a:prstTxWarp prst="textNoShape">
+                    <a:avLst/>
+                  </a:prstTxWarp>
+                  <a:noAutofit/>
+                </a:bodyPr>
+                <a:lstStyle/>
+                <a:p>
+                  <a:pPr algn="ctr"/>
+                  <a:r>
+                    <a:rPr lang="en-US" sz="1200" b="1" dirty="0">
+                      <a:solidFill>
+                        <a:schemeClr val="tx1"/>
+                      </a:solidFill>
+                    </a:rPr>
+                    <a:t>Team #: team_num_2</a:t>
+                  </a:r>
+                </a:p>
+              </p:txBody>
+            </p:sp>
+            <p:sp>
+              <p:nvSpPr>
+                <p:cNvPr id="58" name="Rectangle 57"/>
+                <p:cNvSpPr/>
+                <p:nvPr/>
+              </p:nvSpPr>
+              <p:spPr>
+                <a:xfrm>
+                  <a:off x="2585671" y="590491"/>
+                  <a:ext cx="1307129" cy="268883"/>
+                </a:xfrm>
+                <a:prstGeom prst="rect">
+                  <a:avLst/>
+                </a:prstGeom>
+                <a:solidFill>
+                  <a:schemeClr val="bg1"/>
+                </a:solidFill>
+                <a:ln w="38100">
+                  <a:solidFill>
+                    <a:schemeClr val="tx1"/>
+                  </a:solidFill>
+                </a:ln>
+              </p:spPr>
+              <p:style>
+                <a:lnRef idx="2">
+                  <a:schemeClr val="accent1">
+                    <a:shade val="50000"/>
+                  </a:schemeClr>
+                </a:lnRef>
+                <a:fillRef idx="1">
+                  <a:schemeClr val="accent1"/>
+                </a:fillRef>
+                <a:effectRef idx="0">
+                  <a:schemeClr val="accent1"/>
+                </a:effectRef>
+                <a:fontRef idx="minor">
+                  <a:schemeClr val="lt1"/>
+                </a:fontRef>
+              </p:style>
+              <p:txBody>
+                <a:bodyPr rot="0" spcFirstLastPara="0" vertOverflow="overflow" horzOverflow="overflow" vert="horz" wrap="square" lIns="91440" tIns="45720" rIns="91440" bIns="45720" numCol="1" spcCol="0" rtlCol="0" fromWordArt="0" anchor="ctr" anchorCtr="0" forceAA="0" compatLnSpc="1">
+                  <a:prstTxWarp prst="textNoShape">
+                    <a:avLst/>
+                  </a:prstTxWarp>
+                  <a:noAutofit/>
+                </a:bodyPr>
+                <a:lstStyle/>
+                <a:p>
+                  <a:pPr algn="ctr"/>
+                  <a:r>
+                    <a:rPr lang="en-US" sz="1200" b="1" dirty="0">
+                      <a:solidFill>
+                        <a:schemeClr val="tx1"/>
+                      </a:solidFill>
+                    </a:rPr>
+                    <a:t>Team #: team_num_3</a:t>
+                  </a:r>
+                </a:p>
+              </p:txBody>
+            </p:sp>
+            <p:sp>
+              <p:nvSpPr>
+                <p:cNvPr id="59" name="Rectangle 58"/>
+                <p:cNvSpPr/>
+                <p:nvPr/>
+              </p:nvSpPr>
+              <p:spPr>
+                <a:xfrm>
+                  <a:off x="13195" y="1431634"/>
+                  <a:ext cx="3870807" cy="144651"/>
+                </a:xfrm>
+                <a:prstGeom prst="rect">
+                  <a:avLst/>
+                </a:prstGeom>
+                <a:solidFill>
+                  <a:schemeClr val="bg1">
+                    <a:lumMod val="85000"/>
+                  </a:schemeClr>
+                </a:solidFill>
+                <a:ln w="15875">
+                  <a:solidFill>
+                    <a:schemeClr val="tx1"/>
+                  </a:solidFill>
+                </a:ln>
+              </p:spPr>
+              <p:style>
+                <a:lnRef idx="2">
+                  <a:schemeClr val="accent1">
+                    <a:shade val="50000"/>
+                  </a:schemeClr>
+                </a:lnRef>
+                <a:fillRef idx="1">
+                  <a:schemeClr val="accent1"/>
+                </a:fillRef>
+                <a:effectRef idx="0">
+                  <a:schemeClr val="accent1"/>
+                </a:effectRef>
+                <a:fontRef idx="minor">
+                  <a:schemeClr val="lt1"/>
+                </a:fontRef>
+              </p:style>
+              <p:txBody>
+                <a:bodyPr rot="0" spcFirstLastPara="0" vertOverflow="overflow" horzOverflow="overflow" vert="horz" wrap="square" lIns="91440" tIns="45720" rIns="91440" bIns="45720" numCol="1" spcCol="0" rtlCol="0" fromWordArt="0" anchor="ctr" anchorCtr="0" forceAA="0" compatLnSpc="1">
+                  <a:prstTxWarp prst="textNoShape">
+                    <a:avLst/>
+                  </a:prstTxWarp>
+                  <a:noAutofit/>
+                </a:bodyPr>
+                <a:lstStyle/>
+                <a:p>
+                  <a:pPr algn="ctr"/>
+                  <a:r>
+                    <a:rPr lang="en-US" sz="1000" b="1" dirty="0">
+                      <a:solidFill>
+                        <a:schemeClr val="tx1"/>
+                      </a:solidFill>
+                    </a:rPr>
+                    <a:t>Autonomous Data</a:t>
+                  </a:r>
+                </a:p>
+              </p:txBody>
+            </p:sp>
+            <p:sp>
+              <p:nvSpPr>
+                <p:cNvPr id="60" name="Rectangle 59"/>
+                <p:cNvSpPr/>
+                <p:nvPr/>
+              </p:nvSpPr>
+              <p:spPr>
+                <a:xfrm>
+                  <a:off x="1282940" y="1574577"/>
+                  <a:ext cx="1269745" cy="1149475"/>
+                </a:xfrm>
+                <a:prstGeom prst="rect">
+                  <a:avLst/>
+                </a:prstGeom>
+                <a:solidFill>
+                  <a:schemeClr val="bg1"/>
+                </a:solidFill>
+                <a:ln w="15875">
+                  <a:solidFill>
+                    <a:schemeClr val="tx1"/>
+                  </a:solidFill>
+                </a:ln>
+              </p:spPr>
+              <p:style>
+                <a:lnRef idx="2">
+                  <a:schemeClr val="accent1">
+                    <a:shade val="50000"/>
+                  </a:schemeClr>
+                </a:lnRef>
+                <a:fillRef idx="1">
+                  <a:schemeClr val="accent1"/>
+                </a:fillRef>
+                <a:effectRef idx="0">
+                  <a:schemeClr val="accent1"/>
+                </a:effectRef>
+                <a:fontRef idx="minor">
+                  <a:schemeClr val="lt1"/>
+                </a:fontRef>
+              </p:style>
+              <p:txBody>
+                <a:bodyPr rot="0" spcFirstLastPara="0" vertOverflow="overflow" horzOverflow="overflow" vert="horz" wrap="square" lIns="91440" tIns="45720" rIns="91440" bIns="45720" numCol="1" spcCol="0" rtlCol="0" fromWordArt="0" anchor="ctr" anchorCtr="0" forceAA="0" compatLnSpc="1">
+                  <a:prstTxWarp prst="textNoShape">
+                    <a:avLst/>
+                  </a:prstTxWarp>
+                  <a:noAutofit/>
+                </a:bodyPr>
+                <a:lstStyle/>
+                <a:p>
+                  <a:r>
+                    <a:rPr lang="en-US" sz="1200" b="1" dirty="0">
+                      <a:solidFill>
+                        <a:schemeClr val="tx1"/>
+                      </a:solidFill>
+                    </a:rPr>
+                    <a:t>Baseline: tot_baseline_cross_2</a:t>
+                  </a:r>
+                </a:p>
+                <a:p>
+                  <a:r>
+                    <a:rPr lang="en-US" sz="1200" b="1" dirty="0">
+                      <a:solidFill>
+                        <a:schemeClr val="tx1"/>
+                      </a:solidFill>
+                    </a:rPr>
+                    <a:t>High Goals: avg_auto_high_made_2/avg_auto_high_attempts_2/max_auto_high_made_2</a:t>
+                  </a:r>
+                </a:p>
+                <a:p>
+                  <a:r>
+                    <a:rPr lang="en-US" sz="1200" b="1" dirty="0">
+                      <a:solidFill>
+                        <a:schemeClr val="tx1"/>
+                      </a:solidFill>
+                    </a:rPr>
+                    <a:t>Low Goals: avg_auto_low_made_2/avg_auto_low_attempts_2/max_auto_low_made_2</a:t>
+                  </a:r>
+                </a:p>
+                <a:p>
+                  <a:r>
+                    <a:rPr lang="en-US" sz="1200" b="1" dirty="0">
+                      <a:solidFill>
+                        <a:schemeClr val="tx1"/>
+                      </a:solidFill>
+                    </a:rPr>
+                    <a:t>Hopper Intake: avg_auto_hopper_intake_2</a:t>
+                  </a:r>
+                </a:p>
+                <a:p>
+                  <a:r>
+                    <a:rPr lang="en-US" sz="1200" b="1" dirty="0">
+                      <a:solidFill>
+                        <a:schemeClr val="tx1"/>
+                      </a:solidFill>
+                    </a:rPr>
+                    <a:t>Floor Ball intake: avg_auto_floor_ball_intake_2</a:t>
+                  </a:r>
+                </a:p>
+                <a:p>
+                  <a:r>
+                    <a:rPr lang="en-US" sz="1200" b="1" dirty="0">
+                      <a:solidFill>
+                        <a:schemeClr val="tx1"/>
+                      </a:solidFill>
+                    </a:rPr>
+                    <a:t>Gears Scored LMR: tot_auto_gears_scored_top_2/tot_auto_gears_scored_mid_2/tot_auto_gears_scored_bot_2</a:t>
+                  </a:r>
+                </a:p>
+                <a:p>
+                  <a:r>
+                    <a:rPr lang="en-US" sz="1200" b="1" dirty="0">
+                      <a:solidFill>
+                        <a:schemeClr val="tx1"/>
+                      </a:solidFill>
+                    </a:rPr>
+                    <a:t>Gears Scored Tot: tot_auto_gears_scored_2/tot_auto_gears_attempts_2/max_auto_gears_scored_2</a:t>
+                  </a:r>
+                </a:p>
+              </p:txBody>
+            </p:sp>
+            <p:sp>
+              <p:nvSpPr>
+                <p:cNvPr id="61" name="Rectangle 60"/>
+                <p:cNvSpPr/>
+                <p:nvPr/>
+              </p:nvSpPr>
+              <p:spPr>
+                <a:xfrm>
+                  <a:off x="1287340" y="2897291"/>
+                  <a:ext cx="1271943" cy="2137621"/>
+                </a:xfrm>
+                <a:prstGeom prst="rect">
+                  <a:avLst/>
+                </a:prstGeom>
+                <a:solidFill>
+                  <a:schemeClr val="bg1"/>
+                </a:solidFill>
+                <a:ln w="15875">
+                  <a:solidFill>
+                    <a:schemeClr val="tx1"/>
+                  </a:solidFill>
+                </a:ln>
+              </p:spPr>
+              <p:style>
+                <a:lnRef idx="2">
+                  <a:schemeClr val="accent1">
+                    <a:shade val="50000"/>
+                  </a:schemeClr>
+                </a:lnRef>
+                <a:fillRef idx="1">
+                  <a:schemeClr val="accent1"/>
+                </a:fillRef>
+                <a:effectRef idx="0">
+                  <a:schemeClr val="accent1"/>
+                </a:effectRef>
+                <a:fontRef idx="minor">
+                  <a:schemeClr val="lt1"/>
+                </a:fontRef>
+              </p:style>
+              <p:txBody>
+                <a:bodyPr rot="0" spcFirstLastPara="0" vertOverflow="overflow" horzOverflow="overflow" vert="horz" wrap="square" lIns="91440" tIns="45720" rIns="91440" bIns="45720" numCol="1" spcCol="0" rtlCol="0" fromWordArt="0" anchor="ctr" anchorCtr="0" forceAA="0" compatLnSpc="1">
+                  <a:prstTxWarp prst="textNoShape">
+                    <a:avLst/>
+                  </a:prstTxWarp>
+                  <a:noAutofit/>
+                </a:bodyPr>
+                <a:lstStyle/>
+                <a:p>
+                  <a:r>
+                    <a:rPr lang="en-US" sz="1200" b="1" dirty="0">
+                      <a:solidFill>
+                        <a:schemeClr val="tx1"/>
+                      </a:solidFill>
+                    </a:rPr>
+                    <a:t>High Goals: avg_tele_high_made_2/avg_tele_high_attempts_2/max_tele_high_made_2</a:t>
+                  </a:r>
+                </a:p>
+                <a:p>
+                  <a:r>
+                    <a:rPr lang="en-US" sz="1200" b="1" dirty="0">
+                      <a:solidFill>
+                        <a:schemeClr val="tx1"/>
+                      </a:solidFill>
+                    </a:rPr>
+                    <a:t>Low Goals: avg_tele_low_made_2/avg_tele_low_attempts_2/max_tele_low_made_2</a:t>
+                  </a:r>
+                </a:p>
+                <a:p>
+                  <a:r>
+                    <a:rPr lang="en-US" sz="1200" b="1" dirty="0">
+                      <a:solidFill>
+                        <a:schemeClr val="tx1"/>
+                      </a:solidFill>
+                    </a:rPr>
+                    <a:t>Gears Scored: avg_tele_gears_scored_2/avg_tele_gears_attempts_2/max_tele_gears_scored_2</a:t>
+                  </a:r>
+                </a:p>
+                <a:p>
+                  <a:r>
+                    <a:rPr lang="en-US" sz="1200" b="1" dirty="0">
+                      <a:solidFill>
+                        <a:schemeClr val="tx1"/>
+                      </a:solidFill>
+                    </a:rPr>
+                    <a:t>Gears KO: tot_tele_gear_knockouts_2</a:t>
+                  </a:r>
+                </a:p>
+                <a:p>
+                  <a:endParaRPr lang="en-US" sz="1200" b="1" dirty="0">
+                    <a:solidFill>
+                      <a:schemeClr val="tx1"/>
+                    </a:solidFill>
+                  </a:endParaRPr>
+                </a:p>
+                <a:p>
+                  <a:r>
+                    <a:rPr lang="en-US" sz="1200" b="1" dirty="0">
+                      <a:solidFill>
+                        <a:schemeClr val="tx1"/>
+                      </a:solidFill>
+                    </a:rPr>
+                    <a:t>Floor Ball Intake: avg_tele_floor_ball_intake_2</a:t>
+                  </a:r>
+                </a:p>
+                <a:p>
+                  <a:r>
+                    <a:rPr lang="en-US" sz="1200" b="1" dirty="0">
+                      <a:solidFill>
+                        <a:schemeClr val="tx1"/>
+                      </a:solidFill>
+                    </a:rPr>
+                    <a:t>Hopper Ball Intake: avg_tele_hopper_intake_2</a:t>
+                  </a:r>
+                </a:p>
+                <a:p>
+                  <a:r>
+                    <a:rPr lang="en-US" sz="1200" b="1" dirty="0">
+                      <a:solidFill>
+                        <a:schemeClr val="tx1"/>
+                      </a:solidFill>
+                    </a:rPr>
+                    <a:t>HP Ball Intake: avg_hp_ball_intake_2</a:t>
+                  </a:r>
+                </a:p>
+                <a:p>
+                  <a:r>
+                    <a:rPr lang="en-US" sz="1200" b="1" dirty="0">
+                      <a:solidFill>
+                        <a:schemeClr val="tx1"/>
+                      </a:solidFill>
+                    </a:rPr>
+                    <a:t>Floor Gear Intake: avg_tele_floor_gear_intake_2</a:t>
+                  </a:r>
+                </a:p>
+                <a:p>
+                  <a:r>
+                    <a:rPr lang="en-US" sz="1200" b="1" dirty="0">
+                      <a:solidFill>
+                        <a:schemeClr val="tx1"/>
+                      </a:solidFill>
+                    </a:rPr>
+                    <a:t>HP Gear Intake: avg_hp_gear_intake_2/avg_hp_gear_intake_miss_2</a:t>
+                  </a:r>
+                </a:p>
+                <a:p>
+                  <a:endParaRPr lang="en-US" sz="1200" b="1" dirty="0">
+                    <a:solidFill>
+                      <a:schemeClr val="tx1"/>
+                    </a:solidFill>
+                  </a:endParaRPr>
+                </a:p>
+                <a:p>
+                  <a:r>
+                    <a:rPr lang="en-US" sz="1200" b="1" dirty="0">
+                      <a:solidFill>
+                        <a:schemeClr val="tx1"/>
+                      </a:solidFill>
+                    </a:rPr>
+                    <a:t>Climb: tot_climb_2/tot_climb_attempts_2</a:t>
+                  </a:r>
+                </a:p>
+                <a:p>
+                  <a:r>
+                    <a:rPr lang="en-US" sz="1200" b="1" dirty="0">
+                      <a:solidFill>
+                        <a:schemeClr val="tx1"/>
+                      </a:solidFill>
+                    </a:rPr>
+                    <a:t>Defense: avg_defense_rating_2</a:t>
+                  </a:r>
+                </a:p>
+                <a:p>
+                  <a:r>
+                    <a:rPr lang="en-US" sz="1200" b="1" dirty="0">
+                      <a:solidFill>
+                        <a:schemeClr val="tx1"/>
+                      </a:solidFill>
+                    </a:rPr>
+                    <a:t>Mobility: avg_mobility_rating_2</a:t>
+                  </a:r>
+                </a:p>
+                <a:p>
+                  <a:r>
+                    <a:rPr lang="en-US" sz="1200" b="1" dirty="0">
+                      <a:solidFill>
+                        <a:schemeClr val="tx1"/>
+                      </a:solidFill>
+                    </a:rPr>
+                    <a:t>Fouls: tot_fouls_2</a:t>
+                  </a:r>
+                </a:p>
+              </p:txBody>
+            </p:sp>
+            <p:sp>
+              <p:nvSpPr>
+                <p:cNvPr id="62" name="Rectangle 61"/>
+                <p:cNvSpPr/>
+                <p:nvPr/>
+              </p:nvSpPr>
+              <p:spPr>
+                <a:xfrm>
+                  <a:off x="2552660" y="1577633"/>
+                  <a:ext cx="1328019" cy="1149475"/>
+                </a:xfrm>
+                <a:prstGeom prst="rect">
+                  <a:avLst/>
+                </a:prstGeom>
+                <a:solidFill>
+                  <a:schemeClr val="bg1"/>
+                </a:solidFill>
+                <a:ln w="15875">
+                  <a:solidFill>
+                    <a:schemeClr val="tx1"/>
+                  </a:solidFill>
+                </a:ln>
+              </p:spPr>
+              <p:style>
+                <a:lnRef idx="2">
+                  <a:schemeClr val="accent1">
+                    <a:shade val="50000"/>
+                  </a:schemeClr>
+                </a:lnRef>
+                <a:fillRef idx="1">
+                  <a:schemeClr val="accent1"/>
+                </a:fillRef>
+                <a:effectRef idx="0">
+                  <a:schemeClr val="accent1"/>
+                </a:effectRef>
+                <a:fontRef idx="minor">
+                  <a:schemeClr val="lt1"/>
+                </a:fontRef>
+              </p:style>
+              <p:txBody>
+                <a:bodyPr rot="0" spcFirstLastPara="0" vertOverflow="overflow" horzOverflow="overflow" vert="horz" wrap="square" lIns="91440" tIns="45720" rIns="91440" bIns="45720" numCol="1" spcCol="0" rtlCol="0" fromWordArt="0" anchor="ctr" anchorCtr="0" forceAA="0" compatLnSpc="1">
+                  <a:prstTxWarp prst="textNoShape">
+                    <a:avLst/>
+                  </a:prstTxWarp>
+                  <a:noAutofit/>
+                </a:bodyPr>
+                <a:lstStyle/>
+                <a:p>
+                  <a:r>
+                    <a:rPr lang="en-US" sz="1200" b="1" dirty="0">
+                      <a:solidFill>
+                        <a:schemeClr val="tx1"/>
+                      </a:solidFill>
+                    </a:rPr>
+                    <a:t>Baseline: tot_baseline_cross_3</a:t>
+                  </a:r>
+                </a:p>
+                <a:p>
+                  <a:r>
+                    <a:rPr lang="en-US" sz="1200" b="1" dirty="0">
+                      <a:solidFill>
+                        <a:schemeClr val="tx1"/>
+                      </a:solidFill>
+                    </a:rPr>
+                    <a:t>High Goals: avg_auto_high_made_3/avg_auto_high_attempts_3/max_auto_high_made_3</a:t>
+                  </a:r>
+                </a:p>
+                <a:p>
+                  <a:r>
+                    <a:rPr lang="en-US" sz="1200" b="1" dirty="0">
+                      <a:solidFill>
+                        <a:schemeClr val="tx1"/>
+                      </a:solidFill>
+                    </a:rPr>
+                    <a:t>Low Goals: avg_auto_low_made_3/avg_auto_low_attempts_3/max_auto_low_made_3</a:t>
+                  </a:r>
+                </a:p>
+                <a:p>
+                  <a:r>
+                    <a:rPr lang="en-US" sz="1200" b="1" dirty="0">
+                      <a:solidFill>
+                        <a:schemeClr val="tx1"/>
+                      </a:solidFill>
+                    </a:rPr>
+                    <a:t>Hopper Intake: avg_auto_hopper_intake_3</a:t>
+                  </a:r>
+                </a:p>
+                <a:p>
+                  <a:r>
+                    <a:rPr lang="en-US" sz="1200" b="1" dirty="0">
+                      <a:solidFill>
+                        <a:schemeClr val="tx1"/>
+                      </a:solidFill>
+                    </a:rPr>
+                    <a:t>Floor Ball intake: avg_auto_floor_ball_intake_3</a:t>
+                  </a:r>
+                </a:p>
+                <a:p>
+                  <a:r>
+                    <a:rPr lang="en-US" sz="1200" b="1" dirty="0">
+                      <a:solidFill>
+                        <a:schemeClr val="tx1"/>
+                      </a:solidFill>
+                    </a:rPr>
+                    <a:t>Gears Scored LMR: tot_auto_gears_scored_top_3/tot_auto_gears_scored_mid_3/tot_auto_gears_scored_bot_3</a:t>
+                  </a:r>
+                </a:p>
+                <a:p>
+                  <a:r>
+                    <a:rPr lang="en-US" sz="1200" b="1" dirty="0">
+                      <a:solidFill>
+                        <a:schemeClr val="tx1"/>
+                      </a:solidFill>
+                    </a:rPr>
+                    <a:t>Gears Scored Tot: tot_auto_gears_scored_3/tot_auto_gears_attempts_3/max_auto_gears_scored_3</a:t>
+                  </a:r>
+                </a:p>
+              </p:txBody>
+            </p:sp>
+            <p:sp>
+              <p:nvSpPr>
+                <p:cNvPr id="63" name="Rectangle 62"/>
+                <p:cNvSpPr/>
+                <p:nvPr/>
+              </p:nvSpPr>
+              <p:spPr>
+                <a:xfrm>
+                  <a:off x="2561166" y="2897287"/>
+                  <a:ext cx="1328019" cy="2137621"/>
+                </a:xfrm>
+                <a:prstGeom prst="rect">
+                  <a:avLst/>
+                </a:prstGeom>
+                <a:solidFill>
+                  <a:schemeClr val="bg1"/>
+                </a:solidFill>
+                <a:ln w="15875">
+                  <a:solidFill>
+                    <a:schemeClr val="tx1"/>
+                  </a:solidFill>
+                </a:ln>
+              </p:spPr>
+              <p:style>
+                <a:lnRef idx="2">
+                  <a:schemeClr val="accent1">
+                    <a:shade val="50000"/>
+                  </a:schemeClr>
+                </a:lnRef>
+                <a:fillRef idx="1">
+                  <a:schemeClr val="accent1"/>
+                </a:fillRef>
+                <a:effectRef idx="0">
+                  <a:schemeClr val="accent1"/>
+                </a:effectRef>
+                <a:fontRef idx="minor">
+                  <a:schemeClr val="lt1"/>
+                </a:fontRef>
+              </p:style>
+              <p:txBody>
+                <a:bodyPr rot="0" spcFirstLastPara="0" vertOverflow="overflow" horzOverflow="overflow" vert="horz" wrap="square" lIns="91440" tIns="45720" rIns="91440" bIns="45720" numCol="1" spcCol="0" rtlCol="0" fromWordArt="0" anchor="ctr" anchorCtr="0" forceAA="0" compatLnSpc="1">
+                  <a:prstTxWarp prst="textNoShape">
+                    <a:avLst/>
+                  </a:prstTxWarp>
+                  <a:noAutofit/>
+                </a:bodyPr>
+                <a:lstStyle/>
+                <a:p>
+                  <a:r>
+                    <a:rPr lang="en-US" sz="1200" b="1" dirty="0">
+                      <a:solidFill>
+                        <a:schemeClr val="tx1"/>
+                      </a:solidFill>
+                    </a:rPr>
+                    <a:t>High Goals: avg_tele_high_made_3/avg_tele_high_attempts_3/max_tele_high_made_3</a:t>
+                  </a:r>
+                </a:p>
+                <a:p>
+                  <a:r>
+                    <a:rPr lang="en-US" sz="1200" b="1" dirty="0">
+                      <a:solidFill>
+                        <a:schemeClr val="tx1"/>
+                      </a:solidFill>
+                    </a:rPr>
+                    <a:t>Low Goals: avg_tele_low_made_3/avg_tele_low_attempts_3/max_tele_low_made_3</a:t>
+                  </a:r>
+                </a:p>
+                <a:p>
+                  <a:r>
+                    <a:rPr lang="en-US" sz="1200" b="1" dirty="0">
+                      <a:solidFill>
+                        <a:schemeClr val="tx1"/>
+                      </a:solidFill>
+                    </a:rPr>
+                    <a:t>Gears Scored: avg_tele_gears_scored_3/avg_tele_gears_attempts_3/max_tele_gears_scored_3</a:t>
+                  </a:r>
+                </a:p>
+                <a:p>
+                  <a:r>
+                    <a:rPr lang="en-US" sz="1200" b="1" dirty="0">
+                      <a:solidFill>
+                        <a:schemeClr val="tx1"/>
+                      </a:solidFill>
+                    </a:rPr>
+                    <a:t>Gears KO: tot_tele_gear_knockouts_3</a:t>
+                  </a:r>
+                </a:p>
+                <a:p>
+                  <a:endParaRPr lang="en-US" sz="1200" b="1" dirty="0">
+                    <a:solidFill>
+                      <a:schemeClr val="tx1"/>
+                    </a:solidFill>
+                  </a:endParaRPr>
+                </a:p>
+                <a:p>
+                  <a:r>
+                    <a:rPr lang="en-US" sz="1200" b="1" dirty="0">
+                      <a:solidFill>
+                        <a:schemeClr val="tx1"/>
+                      </a:solidFill>
+                    </a:rPr>
+                    <a:t>Floor Ball Intake: avg_tele_floor_ball_intake_3</a:t>
+                  </a:r>
+                </a:p>
+                <a:p>
+                  <a:r>
+                    <a:rPr lang="en-US" sz="1200" b="1" dirty="0">
+                      <a:solidFill>
+                        <a:schemeClr val="tx1"/>
+                      </a:solidFill>
+                    </a:rPr>
+                    <a:t>Hopper Ball Intake: avg_tele_hopper_intake_3</a:t>
+                  </a:r>
+                </a:p>
+                <a:p>
+                  <a:r>
+                    <a:rPr lang="en-US" sz="1200" b="1" dirty="0">
+                      <a:solidFill>
+                        <a:schemeClr val="tx1"/>
+                      </a:solidFill>
+                    </a:rPr>
+                    <a:t>HP Ball Intake: avg_hp_ball_intake_3</a:t>
+                  </a:r>
+                </a:p>
+                <a:p>
+                  <a:r>
+                    <a:rPr lang="en-US" sz="1200" b="1" dirty="0">
+                      <a:solidFill>
+                        <a:schemeClr val="tx1"/>
+                      </a:solidFill>
+                    </a:rPr>
+                    <a:t>Floor Gear Intake: avg_tele_floor_gear_intake_3</a:t>
+                  </a:r>
+                </a:p>
+                <a:p>
+                  <a:r>
+                    <a:rPr lang="en-US" sz="1200" b="1" dirty="0">
+                      <a:solidFill>
+                        <a:schemeClr val="tx1"/>
+                      </a:solidFill>
+                    </a:rPr>
+                    <a:t>HP Gear Intake: avg_hp_gear_intake_3/avg_hp_gear_intake_miss_3</a:t>
+                  </a:r>
+                </a:p>
+                <a:p>
+                  <a:endParaRPr lang="en-US" sz="1200" b="1" dirty="0">
+                    <a:solidFill>
+                      <a:schemeClr val="tx1"/>
+                    </a:solidFill>
+                  </a:endParaRPr>
+                </a:p>
+                <a:p>
+                  <a:r>
+                    <a:rPr lang="en-US" sz="1200" b="1" dirty="0">
+                      <a:solidFill>
+                        <a:schemeClr val="tx1"/>
+                      </a:solidFill>
+                    </a:rPr>
+                    <a:t>Climb: tot_climb_3/tot_climb_attempts_3</a:t>
+                  </a:r>
+                </a:p>
+                <a:p>
+                  <a:r>
+                    <a:rPr lang="en-US" sz="1200" b="1" dirty="0">
+                      <a:solidFill>
+                        <a:schemeClr val="tx1"/>
+                      </a:solidFill>
+                    </a:rPr>
+                    <a:t>Defense: avg_defense_rating_3</a:t>
+                  </a:r>
+                </a:p>
+                <a:p>
+                  <a:r>
+                    <a:rPr lang="en-US" sz="1200" b="1" dirty="0">
+                      <a:solidFill>
+                        <a:schemeClr val="tx1"/>
+                      </a:solidFill>
+                    </a:rPr>
+                    <a:t>Mobility: avg_mobility_rating_3</a:t>
+                  </a:r>
+                </a:p>
+                <a:p>
+                  <a:r>
+                    <a:rPr lang="en-US" sz="1200" b="1" dirty="0">
+                      <a:solidFill>
+                        <a:schemeClr val="tx1"/>
+                      </a:solidFill>
+                    </a:rPr>
+                    <a:t>Fouls: tot_fouls_3</a:t>
+                  </a:r>
+                </a:p>
+              </p:txBody>
+            </p:sp>
+            <p:sp>
+              <p:nvSpPr>
+                <p:cNvPr id="64" name="Rectangle 63"/>
+                <p:cNvSpPr/>
+                <p:nvPr/>
+              </p:nvSpPr>
+              <p:spPr>
+                <a:xfrm>
+                  <a:off x="3887918" y="1578200"/>
+                  <a:ext cx="1286208" cy="1149475"/>
+                </a:xfrm>
+                <a:prstGeom prst="rect">
+                  <a:avLst/>
+                </a:prstGeom>
+                <a:solidFill>
+                  <a:schemeClr val="bg1"/>
+                </a:solidFill>
+                <a:ln w="15875">
+                  <a:solidFill>
+                    <a:schemeClr val="tx1"/>
+                  </a:solidFill>
+                </a:ln>
+              </p:spPr>
+              <p:style>
+                <a:lnRef idx="2">
+                  <a:schemeClr val="accent1">
+                    <a:shade val="50000"/>
+                  </a:schemeClr>
+                </a:lnRef>
+                <a:fillRef idx="1">
+                  <a:schemeClr val="accent1"/>
+                </a:fillRef>
+                <a:effectRef idx="0">
+                  <a:schemeClr val="accent1"/>
+                </a:effectRef>
+                <a:fontRef idx="minor">
+                  <a:schemeClr val="lt1"/>
+                </a:fontRef>
+              </p:style>
+              <p:txBody>
+                <a:bodyPr rot="0" spcFirstLastPara="0" vertOverflow="overflow" horzOverflow="overflow" vert="horz" wrap="square" lIns="91440" tIns="45720" rIns="91440" bIns="45720" numCol="1" spcCol="0" rtlCol="0" fromWordArt="0" anchor="ctr" anchorCtr="0" forceAA="0" compatLnSpc="1">
+                  <a:prstTxWarp prst="textNoShape">
+                    <a:avLst/>
+                  </a:prstTxWarp>
+                  <a:noAutofit/>
+                </a:bodyPr>
+                <a:lstStyle/>
+                <a:p>
+                  <a:r>
+                    <a:rPr lang="en-US" sz="1200" b="1" dirty="0">
+                      <a:solidFill>
+                        <a:schemeClr val="tx1"/>
+                      </a:solidFill>
+                    </a:rPr>
+                    <a:t>Baseline: tot_baseline_cross_4</a:t>
+                  </a:r>
+                </a:p>
+                <a:p>
+                  <a:r>
+                    <a:rPr lang="en-US" sz="1200" b="1" dirty="0">
+                      <a:solidFill>
+                        <a:schemeClr val="tx1"/>
+                      </a:solidFill>
+                    </a:rPr>
+                    <a:t>High Goals: avg_auto_high_made_4/avg_auto_high_attempts_4/max_auto_high_made_4</a:t>
+                  </a:r>
+                </a:p>
+                <a:p>
+                  <a:r>
+                    <a:rPr lang="en-US" sz="1200" b="1" dirty="0">
+                      <a:solidFill>
+                        <a:schemeClr val="tx1"/>
+                      </a:solidFill>
+                    </a:rPr>
+                    <a:t>Low Goals: avg_auto_low_made_4/avg_auto_low_attempts_4/max_auto_low_made_4</a:t>
+                  </a:r>
+                </a:p>
+                <a:p>
+                  <a:r>
+                    <a:rPr lang="en-US" sz="1200" b="1" dirty="0">
+                      <a:solidFill>
+                        <a:schemeClr val="tx1"/>
+                      </a:solidFill>
+                    </a:rPr>
+                    <a:t>Hopper Intake: avg_auto_hopper_intake_4</a:t>
+                  </a:r>
+                </a:p>
+                <a:p>
+                  <a:r>
+                    <a:rPr lang="en-US" sz="1200" b="1" dirty="0">
+                      <a:solidFill>
+                        <a:schemeClr val="tx1"/>
+                      </a:solidFill>
+                    </a:rPr>
+                    <a:t>Floor Ball intake: avg_auto_floor_ball_intake_4</a:t>
+                  </a:r>
+                </a:p>
+                <a:p>
+                  <a:r>
+                    <a:rPr lang="en-US" sz="1200" b="1" dirty="0">
+                      <a:solidFill>
+                        <a:schemeClr val="tx1"/>
+                      </a:solidFill>
+                    </a:rPr>
+                    <a:t>Gears Scored LMR: tot_auto_gears_scored_top_4/tot_auto_gears_scored_mid_4/tot_auto_gears_scored_bot_4</a:t>
+                  </a:r>
+                </a:p>
+                <a:p>
+                  <a:r>
+                    <a:rPr lang="en-US" sz="1200" b="1" dirty="0">
+                      <a:solidFill>
+                        <a:schemeClr val="tx1"/>
+                      </a:solidFill>
+                    </a:rPr>
+                    <a:t>Gears Scored Tot: tot_auto_gears_scored_4/tot_auto_gears_attempts_4/max_auto_gears_scored_4</a:t>
+                  </a:r>
+                </a:p>
+              </p:txBody>
+            </p:sp>
+            <p:sp>
+              <p:nvSpPr>
+                <p:cNvPr id="65" name="Rectangle 64"/>
+                <p:cNvSpPr/>
+                <p:nvPr/>
+              </p:nvSpPr>
+              <p:spPr>
+                <a:xfrm>
+                  <a:off x="3905996" y="592194"/>
+                  <a:ext cx="1298331" cy="268883"/>
+                </a:xfrm>
+                <a:prstGeom prst="rect">
+                  <a:avLst/>
+                </a:prstGeom>
+                <a:solidFill>
+                  <a:schemeClr val="bg1"/>
+                </a:solidFill>
+                <a:ln w="38100">
+                  <a:solidFill>
+                    <a:schemeClr val="tx1"/>
+                  </a:solidFill>
+                </a:ln>
+              </p:spPr>
+              <p:style>
+                <a:lnRef idx="2">
+                  <a:schemeClr val="accent1">
+                    <a:shade val="50000"/>
+                  </a:schemeClr>
+                </a:lnRef>
+                <a:fillRef idx="1">
+                  <a:schemeClr val="accent1"/>
+                </a:fillRef>
+                <a:effectRef idx="0">
+                  <a:schemeClr val="accent1"/>
+                </a:effectRef>
+                <a:fontRef idx="minor">
+                  <a:schemeClr val="lt1"/>
+                </a:fontRef>
+              </p:style>
+              <p:txBody>
+                <a:bodyPr rot="0" spcFirstLastPara="0" vertOverflow="overflow" horzOverflow="overflow" vert="horz" wrap="square" lIns="91440" tIns="45720" rIns="91440" bIns="45720" numCol="1" spcCol="0" rtlCol="0" fromWordArt="0" anchor="ctr" anchorCtr="0" forceAA="0" compatLnSpc="1">
+                  <a:prstTxWarp prst="textNoShape">
+                    <a:avLst/>
+                  </a:prstTxWarp>
+                  <a:noAutofit/>
+                </a:bodyPr>
+                <a:lstStyle/>
+                <a:p>
+                  <a:pPr algn="ctr"/>
+                  <a:r>
+                    <a:rPr lang="en-US" sz="1200" b="1" dirty="0">
+                      <a:solidFill>
+                        <a:schemeClr val="tx1"/>
+                      </a:solidFill>
+                    </a:rPr>
+                    <a:t>Team #: team_num_4</a:t>
+                  </a:r>
+                </a:p>
+              </p:txBody>
+            </p:sp>
+            <p:sp>
+              <p:nvSpPr>
+                <p:cNvPr id="66" name="Rectangle 65"/>
+                <p:cNvSpPr/>
+                <p:nvPr/>
+              </p:nvSpPr>
+              <p:spPr>
+                <a:xfrm>
+                  <a:off x="3905997" y="867008"/>
+                  <a:ext cx="1285140" cy="268883"/>
+                </a:xfrm>
+                <a:prstGeom prst="rect">
+                  <a:avLst/>
+                </a:prstGeom>
+                <a:solidFill>
+                  <a:schemeClr val="bg1"/>
+                </a:solidFill>
+                <a:ln w="38100">
+                  <a:solidFill>
+                    <a:schemeClr val="tx1"/>
+                  </a:solidFill>
+                </a:ln>
+              </p:spPr>
+              <p:style>
+                <a:lnRef idx="2">
+                  <a:schemeClr val="accent1">
+                    <a:shade val="50000"/>
+                  </a:schemeClr>
+                </a:lnRef>
+                <a:fillRef idx="1">
+                  <a:schemeClr val="accent1"/>
+                </a:fillRef>
+                <a:effectRef idx="0">
+                  <a:schemeClr val="accent1"/>
+                </a:effectRef>
+                <a:fontRef idx="minor">
+                  <a:schemeClr val="lt1"/>
+                </a:fontRef>
+              </p:style>
+              <p:txBody>
+                <a:bodyPr rot="0" spcFirstLastPara="0" vertOverflow="overflow" horzOverflow="overflow" vert="horz" wrap="square" lIns="91440" tIns="45720" rIns="91440" bIns="45720" numCol="1" spcCol="0" rtlCol="0" fromWordArt="0" anchor="ctr" anchorCtr="0" forceAA="0" compatLnSpc="1">
+                  <a:prstTxWarp prst="textNoShape">
+                    <a:avLst/>
+                  </a:prstTxWarp>
+                  <a:noAutofit/>
+                </a:bodyPr>
+                <a:lstStyle/>
+                <a:p>
+                  <a:pPr algn="ctr"/>
+                  <a:r>
+                    <a:rPr lang="en-US" sz="1200" b="1" dirty="0">
+                      <a:solidFill>
+                        <a:schemeClr val="tx1"/>
+                      </a:solidFill>
+                    </a:rPr>
+                    <a:t>Avg. </a:t>
+                  </a:r>
+                  <a:r>
+                    <a:rPr lang="en-US" sz="1200" b="1" dirty="0" err="1">
+                      <a:solidFill>
+                        <a:schemeClr val="tx1"/>
+                      </a:solidFill>
+                    </a:rPr>
+                    <a:t>kPa</a:t>
+                  </a:r>
+                  <a:r>
+                    <a:rPr lang="en-US" sz="1200" b="1" dirty="0">
+                      <a:solidFill>
+                        <a:schemeClr val="tx1"/>
+                      </a:solidFill>
+                    </a:rPr>
+                    <a:t>: avg_auto_contrib_kpa_4/avg_contrib_kpa_4/max_contrib_kpa_4</a:t>
+                  </a:r>
+                </a:p>
+              </p:txBody>
+            </p:sp>
+            <p:sp>
+              <p:nvSpPr>
+                <p:cNvPr id="67" name="Rectangle 66"/>
+                <p:cNvSpPr/>
+                <p:nvPr/>
+              </p:nvSpPr>
+              <p:spPr>
+                <a:xfrm>
+                  <a:off x="5184539" y="867008"/>
+                  <a:ext cx="1300532" cy="268883"/>
+                </a:xfrm>
+                <a:prstGeom prst="rect">
+                  <a:avLst/>
+                </a:prstGeom>
+                <a:solidFill>
+                  <a:schemeClr val="bg1"/>
+                </a:solidFill>
+                <a:ln w="38100">
+                  <a:solidFill>
+                    <a:schemeClr val="tx1"/>
+                  </a:solidFill>
+                </a:ln>
+              </p:spPr>
+              <p:style>
+                <a:lnRef idx="2">
+                  <a:schemeClr val="accent1">
+                    <a:shade val="50000"/>
+                  </a:schemeClr>
+                </a:lnRef>
+                <a:fillRef idx="1">
+                  <a:schemeClr val="accent1"/>
+                </a:fillRef>
+                <a:effectRef idx="0">
+                  <a:schemeClr val="accent1"/>
+                </a:effectRef>
+                <a:fontRef idx="minor">
+                  <a:schemeClr val="lt1"/>
+                </a:fontRef>
+              </p:style>
+              <p:txBody>
+                <a:bodyPr rot="0" spcFirstLastPara="0" vertOverflow="overflow" horzOverflow="overflow" vert="horz" wrap="square" lIns="91440" tIns="45720" rIns="91440" bIns="45720" numCol="1" spcCol="0" rtlCol="0" fromWordArt="0" anchor="ctr" anchorCtr="0" forceAA="0" compatLnSpc="1">
+                  <a:prstTxWarp prst="textNoShape">
+                    <a:avLst/>
+                  </a:prstTxWarp>
+                  <a:noAutofit/>
+                </a:bodyPr>
+                <a:lstStyle/>
+                <a:p>
+                  <a:pPr algn="ctr"/>
+                  <a:r>
+                    <a:rPr lang="en-US" sz="1200" b="1" dirty="0">
+                      <a:solidFill>
+                        <a:schemeClr val="tx1"/>
+                      </a:solidFill>
+                    </a:rPr>
+                    <a:t>Avg. </a:t>
+                  </a:r>
+                  <a:r>
+                    <a:rPr lang="en-US" sz="1200" b="1" dirty="0" err="1">
+                      <a:solidFill>
+                        <a:schemeClr val="tx1"/>
+                      </a:solidFill>
+                    </a:rPr>
+                    <a:t>kPa</a:t>
+                  </a:r>
+                  <a:r>
+                    <a:rPr lang="en-US" sz="1200" b="1" dirty="0">
+                      <a:solidFill>
+                        <a:schemeClr val="tx1"/>
+                      </a:solidFill>
+                    </a:rPr>
+                    <a:t>: avg_auto_contrib_kpa_5/avg_contrib_kpa_5/max_contrib_kpa_5</a:t>
+                  </a:r>
+                </a:p>
+              </p:txBody>
+            </p:sp>
+            <p:sp>
+              <p:nvSpPr>
+                <p:cNvPr id="68" name="Rectangle 67"/>
+                <p:cNvSpPr/>
+                <p:nvPr/>
+              </p:nvSpPr>
+              <p:spPr>
+                <a:xfrm>
+                  <a:off x="6485069" y="867008"/>
+                  <a:ext cx="1293932" cy="268883"/>
+                </a:xfrm>
+                <a:prstGeom prst="rect">
+                  <a:avLst/>
+                </a:prstGeom>
+                <a:solidFill>
+                  <a:schemeClr val="bg1"/>
+                </a:solidFill>
+                <a:ln w="38100">
+                  <a:solidFill>
+                    <a:schemeClr val="tx1"/>
+                  </a:solidFill>
+                </a:ln>
+              </p:spPr>
+              <p:style>
+                <a:lnRef idx="2">
+                  <a:schemeClr val="accent1">
+                    <a:shade val="50000"/>
+                  </a:schemeClr>
+                </a:lnRef>
+                <a:fillRef idx="1">
+                  <a:schemeClr val="accent1"/>
+                </a:fillRef>
+                <a:effectRef idx="0">
+                  <a:schemeClr val="accent1"/>
+                </a:effectRef>
+                <a:fontRef idx="minor">
+                  <a:schemeClr val="lt1"/>
+                </a:fontRef>
+              </p:style>
+              <p:txBody>
+                <a:bodyPr rot="0" spcFirstLastPara="0" vertOverflow="overflow" horzOverflow="overflow" vert="horz" wrap="square" lIns="91440" tIns="45720" rIns="91440" bIns="45720" numCol="1" spcCol="0" rtlCol="0" fromWordArt="0" anchor="ctr" anchorCtr="0" forceAA="0" compatLnSpc="1">
+                  <a:prstTxWarp prst="textNoShape">
+                    <a:avLst/>
+                  </a:prstTxWarp>
+                  <a:noAutofit/>
+                </a:bodyPr>
+                <a:lstStyle/>
+                <a:p>
+                  <a:pPr algn="ctr"/>
+                  <a:r>
+                    <a:rPr lang="en-US" sz="1200" b="1" dirty="0">
+                      <a:solidFill>
+                        <a:schemeClr val="tx1"/>
+                      </a:solidFill>
+                    </a:rPr>
+                    <a:t>Avg. </a:t>
+                  </a:r>
+                  <a:r>
+                    <a:rPr lang="en-US" sz="1200" b="1" dirty="0" err="1">
+                      <a:solidFill>
+                        <a:schemeClr val="tx1"/>
+                      </a:solidFill>
+                    </a:rPr>
+                    <a:t>kPa</a:t>
+                  </a:r>
+                  <a:r>
+                    <a:rPr lang="en-US" sz="1200" b="1" dirty="0">
+                      <a:solidFill>
+                        <a:schemeClr val="tx1"/>
+                      </a:solidFill>
+                    </a:rPr>
+                    <a:t>: avg_auto_contrib_kpa_6/avg_contrib_kpa_6/max_contrib_kpa_6</a:t>
+                  </a:r>
+                </a:p>
+              </p:txBody>
+            </p:sp>
+            <p:sp>
+              <p:nvSpPr>
+                <p:cNvPr id="69" name="Rectangle 68"/>
+                <p:cNvSpPr/>
+                <p:nvPr/>
+              </p:nvSpPr>
+              <p:spPr>
+                <a:xfrm>
+                  <a:off x="3887891" y="2897287"/>
+                  <a:ext cx="1288435" cy="2137621"/>
+                </a:xfrm>
+                <a:prstGeom prst="rect">
+                  <a:avLst/>
+                </a:prstGeom>
+                <a:solidFill>
+                  <a:schemeClr val="bg1"/>
+                </a:solidFill>
+                <a:ln w="15875">
+                  <a:solidFill>
+                    <a:schemeClr val="tx1"/>
+                  </a:solidFill>
+                </a:ln>
+              </p:spPr>
+              <p:style>
+                <a:lnRef idx="2">
+                  <a:schemeClr val="accent1">
+                    <a:shade val="50000"/>
+                  </a:schemeClr>
+                </a:lnRef>
+                <a:fillRef idx="1">
+                  <a:schemeClr val="accent1"/>
+                </a:fillRef>
+                <a:effectRef idx="0">
+                  <a:schemeClr val="accent1"/>
+                </a:effectRef>
+                <a:fontRef idx="minor">
+                  <a:schemeClr val="lt1"/>
+                </a:fontRef>
+              </p:style>
+              <p:txBody>
+                <a:bodyPr rot="0" spcFirstLastPara="0" vertOverflow="overflow" horzOverflow="overflow" vert="horz" wrap="square" lIns="91440" tIns="45720" rIns="91440" bIns="45720" numCol="1" spcCol="0" rtlCol="0" fromWordArt="0" anchor="ctr" anchorCtr="0" forceAA="0" compatLnSpc="1">
+                  <a:prstTxWarp prst="textNoShape">
+                    <a:avLst/>
+                  </a:prstTxWarp>
+                  <a:noAutofit/>
+                </a:bodyPr>
+                <a:lstStyle/>
+                <a:p>
+                  <a:pPr>
+                    <a:spcBef>
+                      <a:spcPts val="10"/>
+                    </a:spcBef>
+                  </a:pPr>
+                  <a:r>
+                    <a:rPr lang="en-US" sz="1200" b="1" dirty="0">
+                      <a:solidFill>
+                        <a:schemeClr val="tx1"/>
+                      </a:solidFill>
+                    </a:rPr>
+                    <a:t>High Goals: avg_tele_high_made_4/avg_tele_high_attempts_4/max_tele_high_made_4</a:t>
+                  </a:r>
+                </a:p>
+                <a:p>
+                  <a:pPr>
+                    <a:spcBef>
+                      <a:spcPts val="10"/>
+                    </a:spcBef>
+                  </a:pPr>
+                  <a:r>
+                    <a:rPr lang="en-US" sz="1200" b="1" dirty="0">
+                      <a:solidFill>
+                        <a:schemeClr val="tx1"/>
+                      </a:solidFill>
+                    </a:rPr>
+                    <a:t>Low Goals: avg_tele_low_made_4/avg_tele_low_attempts_4/max_tele_low_made_4</a:t>
+                  </a:r>
+                </a:p>
+                <a:p>
+                  <a:pPr>
+                    <a:spcBef>
+                      <a:spcPts val="10"/>
+                    </a:spcBef>
+                  </a:pPr>
+                  <a:r>
+                    <a:rPr lang="en-US" sz="1200" b="1" dirty="0">
+                      <a:solidFill>
+                        <a:schemeClr val="tx1"/>
+                      </a:solidFill>
+                    </a:rPr>
+                    <a:t>Gears Scored: avg_tele_gears_scored_4/avg_tele_gears_attempts_4/max_tele_gears_scored_4</a:t>
+                  </a:r>
+                </a:p>
+                <a:p>
+                  <a:pPr>
+                    <a:spcBef>
+                      <a:spcPts val="10"/>
+                    </a:spcBef>
+                  </a:pPr>
+                  <a:r>
+                    <a:rPr lang="en-US" sz="1200" b="1" dirty="0">
+                      <a:solidFill>
+                        <a:schemeClr val="tx1"/>
+                      </a:solidFill>
+                    </a:rPr>
+                    <a:t>Gears KO: tot_tele_gear_knockouts_4</a:t>
+                  </a:r>
+                </a:p>
+                <a:p>
+                  <a:pPr>
+                    <a:spcBef>
+                      <a:spcPts val="10"/>
+                    </a:spcBef>
+                  </a:pPr>
+                  <a:endParaRPr lang="en-US" sz="1200" b="1" dirty="0">
+                    <a:solidFill>
+                      <a:schemeClr val="tx1"/>
+                    </a:solidFill>
+                  </a:endParaRPr>
+                </a:p>
+                <a:p>
+                  <a:pPr>
+                    <a:spcBef>
+                      <a:spcPts val="10"/>
+                    </a:spcBef>
+                  </a:pPr>
+                  <a:r>
+                    <a:rPr lang="en-US" sz="1200" b="1" dirty="0">
+                      <a:solidFill>
+                        <a:schemeClr val="tx1"/>
+                      </a:solidFill>
+                    </a:rPr>
+                    <a:t>Floor Ball Intake: avg_tele_floor_ball_intake_4</a:t>
+                  </a:r>
+                </a:p>
+                <a:p>
+                  <a:pPr>
+                    <a:spcBef>
+                      <a:spcPts val="10"/>
+                    </a:spcBef>
+                  </a:pPr>
+                  <a:r>
+                    <a:rPr lang="en-US" sz="1200" b="1" dirty="0">
+                      <a:solidFill>
+                        <a:schemeClr val="tx1"/>
+                      </a:solidFill>
+                    </a:rPr>
+                    <a:t>Hopper Ball Intake: avg_tele_hopper_intake_4</a:t>
+                  </a:r>
+                </a:p>
+                <a:p>
+                  <a:pPr>
+                    <a:spcBef>
+                      <a:spcPts val="10"/>
+                    </a:spcBef>
+                  </a:pPr>
+                  <a:r>
+                    <a:rPr lang="en-US" sz="1200" b="1" dirty="0">
+                      <a:solidFill>
+                        <a:schemeClr val="tx1"/>
+                      </a:solidFill>
+                    </a:rPr>
+                    <a:t>HP Ball Intake: avg_hp_ball_intake_4</a:t>
+                  </a:r>
+                </a:p>
+                <a:p>
+                  <a:pPr>
+                    <a:spcBef>
+                      <a:spcPts val="10"/>
+                    </a:spcBef>
+                  </a:pPr>
+                  <a:r>
+                    <a:rPr lang="en-US" sz="1200" b="1" dirty="0">
+                      <a:solidFill>
+                        <a:schemeClr val="tx1"/>
+                      </a:solidFill>
+                    </a:rPr>
+                    <a:t>Floor Gear Intake: avg_tele_floor_gear_intake_4</a:t>
+                  </a:r>
+                </a:p>
+                <a:p>
+                  <a:pPr>
+                    <a:spcBef>
+                      <a:spcPts val="10"/>
+                    </a:spcBef>
+                  </a:pPr>
+                  <a:r>
+                    <a:rPr lang="en-US" sz="1200" b="1" dirty="0">
+                      <a:solidFill>
+                        <a:schemeClr val="tx1"/>
+                      </a:solidFill>
+                    </a:rPr>
+                    <a:t>HP Gear Intake: avg_hp_gear_intake_4/avg_hp_gear_intake_miss_4</a:t>
+                  </a:r>
+                </a:p>
+                <a:p>
+                  <a:pPr>
+                    <a:spcBef>
+                      <a:spcPts val="10"/>
+                    </a:spcBef>
+                  </a:pPr>
+                  <a:endParaRPr lang="en-US" sz="1200" b="1" dirty="0">
+                    <a:solidFill>
+                      <a:schemeClr val="tx1"/>
+                    </a:solidFill>
+                  </a:endParaRPr>
+                </a:p>
+                <a:p>
+                  <a:pPr>
+                    <a:spcBef>
+                      <a:spcPts val="10"/>
+                    </a:spcBef>
+                  </a:pPr>
+                  <a:r>
+                    <a:rPr lang="en-US" sz="1200" b="1" dirty="0">
+                      <a:solidFill>
+                        <a:schemeClr val="tx1"/>
+                      </a:solidFill>
+                    </a:rPr>
+                    <a:t>Climb: tot_climb_4/tot_climb_attempts_4</a:t>
+                  </a:r>
+                </a:p>
+                <a:p>
+                  <a:pPr>
+                    <a:spcBef>
+                      <a:spcPts val="10"/>
+                    </a:spcBef>
+                  </a:pPr>
+                  <a:r>
+                    <a:rPr lang="en-US" sz="1200" b="1" dirty="0">
+                      <a:solidFill>
+                        <a:schemeClr val="tx1"/>
+                      </a:solidFill>
+                    </a:rPr>
+                    <a:t>Defense: avg_defense_rating_4</a:t>
+                  </a:r>
+                </a:p>
+                <a:p>
+                  <a:pPr>
+                    <a:spcBef>
+                      <a:spcPts val="10"/>
+                    </a:spcBef>
+                  </a:pPr>
+                  <a:r>
+                    <a:rPr lang="en-US" sz="1200" b="1" dirty="0">
+                      <a:solidFill>
+                        <a:schemeClr val="tx1"/>
+                      </a:solidFill>
+                    </a:rPr>
+                    <a:t>Mobility: avg_mobility_rating_4</a:t>
+                  </a:r>
+                </a:p>
+                <a:p>
+                  <a:pPr>
+                    <a:spcBef>
+                      <a:spcPts val="10"/>
+                    </a:spcBef>
+                  </a:pPr>
+                  <a:r>
+                    <a:rPr lang="en-US" sz="1200" b="1" dirty="0">
+                      <a:solidFill>
+                        <a:schemeClr val="tx1"/>
+                      </a:solidFill>
+                    </a:rPr>
+                    <a:t>Fouls: tot_fouls_4</a:t>
+                  </a:r>
+                </a:p>
+              </p:txBody>
+            </p:sp>
+            <p:sp>
+              <p:nvSpPr>
+                <p:cNvPr id="70" name="Rectangle 69"/>
+                <p:cNvSpPr/>
+                <p:nvPr/>
+              </p:nvSpPr>
+              <p:spPr>
+                <a:xfrm>
+                  <a:off x="5186738" y="590488"/>
+                  <a:ext cx="1298331" cy="268883"/>
+                </a:xfrm>
+                <a:prstGeom prst="rect">
+                  <a:avLst/>
+                </a:prstGeom>
+                <a:solidFill>
+                  <a:schemeClr val="bg1"/>
+                </a:solidFill>
+                <a:ln w="38100">
+                  <a:solidFill>
+                    <a:schemeClr val="tx1"/>
+                  </a:solidFill>
+                </a:ln>
+              </p:spPr>
+              <p:style>
+                <a:lnRef idx="2">
+                  <a:schemeClr val="accent1">
+                    <a:shade val="50000"/>
+                  </a:schemeClr>
+                </a:lnRef>
+                <a:fillRef idx="1">
+                  <a:schemeClr val="accent1"/>
+                </a:fillRef>
+                <a:effectRef idx="0">
+                  <a:schemeClr val="accent1"/>
+                </a:effectRef>
+                <a:fontRef idx="minor">
+                  <a:schemeClr val="lt1"/>
+                </a:fontRef>
+              </p:style>
+              <p:txBody>
+                <a:bodyPr rot="0" spcFirstLastPara="0" vertOverflow="overflow" horzOverflow="overflow" vert="horz" wrap="square" lIns="91440" tIns="45720" rIns="91440" bIns="45720" numCol="1" spcCol="0" rtlCol="0" fromWordArt="0" anchor="ctr" anchorCtr="0" forceAA="0" compatLnSpc="1">
+                  <a:prstTxWarp prst="textNoShape">
+                    <a:avLst/>
+                  </a:prstTxWarp>
+                  <a:noAutofit/>
+                </a:bodyPr>
+                <a:lstStyle/>
+                <a:p>
+                  <a:pPr algn="ctr"/>
+                  <a:r>
+                    <a:rPr lang="en-US" sz="1200" b="1" dirty="0">
+                      <a:solidFill>
+                        <a:schemeClr val="tx1"/>
+                      </a:solidFill>
+                    </a:rPr>
+                    <a:t>Team #: team_num_5</a:t>
+                  </a:r>
+                </a:p>
+              </p:txBody>
+            </p:sp>
+            <p:sp>
+              <p:nvSpPr>
+                <p:cNvPr id="71" name="Rectangle 70"/>
+                <p:cNvSpPr/>
+                <p:nvPr/>
+              </p:nvSpPr>
+              <p:spPr>
+                <a:xfrm>
+                  <a:off x="6485067" y="590488"/>
+                  <a:ext cx="1293931" cy="268883"/>
+                </a:xfrm>
+                <a:prstGeom prst="rect">
+                  <a:avLst/>
+                </a:prstGeom>
+                <a:solidFill>
+                  <a:schemeClr val="bg1"/>
+                </a:solidFill>
+                <a:ln w="38100">
+                  <a:solidFill>
+                    <a:schemeClr val="tx1"/>
+                  </a:solidFill>
+                </a:ln>
+              </p:spPr>
+              <p:style>
+                <a:lnRef idx="2">
+                  <a:schemeClr val="accent1">
+                    <a:shade val="50000"/>
+                  </a:schemeClr>
+                </a:lnRef>
+                <a:fillRef idx="1">
+                  <a:schemeClr val="accent1"/>
+                </a:fillRef>
+                <a:effectRef idx="0">
+                  <a:schemeClr val="accent1"/>
+                </a:effectRef>
+                <a:fontRef idx="minor">
+                  <a:schemeClr val="lt1"/>
+                </a:fontRef>
+              </p:style>
+              <p:txBody>
+                <a:bodyPr rot="0" spcFirstLastPara="0" vertOverflow="overflow" horzOverflow="overflow" vert="horz" wrap="square" lIns="91440" tIns="45720" rIns="91440" bIns="45720" numCol="1" spcCol="0" rtlCol="0" fromWordArt="0" anchor="ctr" anchorCtr="0" forceAA="0" compatLnSpc="1">
+                  <a:prstTxWarp prst="textNoShape">
+                    <a:avLst/>
+                  </a:prstTxWarp>
+                  <a:noAutofit/>
+                </a:bodyPr>
+                <a:lstStyle/>
+                <a:p>
+                  <a:pPr algn="ctr"/>
+                  <a:r>
+                    <a:rPr lang="en-US" sz="1200" b="1" dirty="0">
+                      <a:solidFill>
+                        <a:schemeClr val="tx1"/>
+                      </a:solidFill>
+                    </a:rPr>
+                    <a:t>Team #: team_num_6</a:t>
+                  </a:r>
+                </a:p>
+              </p:txBody>
+            </p:sp>
+            <p:sp>
+              <p:nvSpPr>
+                <p:cNvPr id="72" name="Rectangle 71"/>
+                <p:cNvSpPr/>
+                <p:nvPr/>
+              </p:nvSpPr>
+              <p:spPr>
+                <a:xfrm>
+                  <a:off x="3880679" y="1433344"/>
+                  <a:ext cx="3891698" cy="142941"/>
+                </a:xfrm>
+                <a:prstGeom prst="rect">
+                  <a:avLst/>
+                </a:prstGeom>
+                <a:solidFill>
+                  <a:schemeClr val="bg1">
+                    <a:lumMod val="85000"/>
+                  </a:schemeClr>
+                </a:solidFill>
+                <a:ln w="15875">
+                  <a:solidFill>
+                    <a:schemeClr val="tx1"/>
+                  </a:solidFill>
+                </a:ln>
+              </p:spPr>
+              <p:style>
+                <a:lnRef idx="2">
+                  <a:schemeClr val="accent1">
+                    <a:shade val="50000"/>
+                  </a:schemeClr>
+                </a:lnRef>
+                <a:fillRef idx="1">
+                  <a:schemeClr val="accent1"/>
+                </a:fillRef>
+                <a:effectRef idx="0">
+                  <a:schemeClr val="accent1"/>
+                </a:effectRef>
+                <a:fontRef idx="minor">
+                  <a:schemeClr val="lt1"/>
+                </a:fontRef>
+              </p:style>
+              <p:txBody>
+                <a:bodyPr rot="0" spcFirstLastPara="0" vertOverflow="overflow" horzOverflow="overflow" vert="horz" wrap="square" lIns="91440" tIns="45720" rIns="91440" bIns="45720" numCol="1" spcCol="0" rtlCol="0" fromWordArt="0" anchor="ctr" anchorCtr="0" forceAA="0" compatLnSpc="1">
+                  <a:prstTxWarp prst="textNoShape">
+                    <a:avLst/>
+                  </a:prstTxWarp>
+                  <a:noAutofit/>
+                </a:bodyPr>
+                <a:lstStyle/>
+                <a:p>
+                  <a:pPr algn="ctr"/>
+                  <a:r>
+                    <a:rPr lang="en-US" sz="1000" b="1" dirty="0">
+                      <a:solidFill>
+                        <a:schemeClr val="tx1"/>
+                      </a:solidFill>
+                    </a:rPr>
+                    <a:t>Autonomous Data</a:t>
+                  </a:r>
+                </a:p>
+              </p:txBody>
+            </p:sp>
+            <p:sp>
+              <p:nvSpPr>
+                <p:cNvPr id="73" name="Rectangle 72"/>
+                <p:cNvSpPr/>
+                <p:nvPr/>
+              </p:nvSpPr>
+              <p:spPr>
+                <a:xfrm>
+                  <a:off x="5174127" y="1578196"/>
+                  <a:ext cx="1269745" cy="1149475"/>
+                </a:xfrm>
+                <a:prstGeom prst="rect">
+                  <a:avLst/>
+                </a:prstGeom>
+                <a:solidFill>
+                  <a:schemeClr val="bg1"/>
+                </a:solidFill>
+                <a:ln w="15875">
+                  <a:solidFill>
+                    <a:schemeClr val="tx1"/>
+                  </a:solidFill>
+                </a:ln>
+              </p:spPr>
+              <p:style>
+                <a:lnRef idx="2">
+                  <a:schemeClr val="accent1">
+                    <a:shade val="50000"/>
+                  </a:schemeClr>
+                </a:lnRef>
+                <a:fillRef idx="1">
+                  <a:schemeClr val="accent1"/>
+                </a:fillRef>
+                <a:effectRef idx="0">
+                  <a:schemeClr val="accent1"/>
+                </a:effectRef>
+                <a:fontRef idx="minor">
+                  <a:schemeClr val="lt1"/>
+                </a:fontRef>
+              </p:style>
+              <p:txBody>
+                <a:bodyPr rot="0" spcFirstLastPara="0" vertOverflow="overflow" horzOverflow="overflow" vert="horz" wrap="square" lIns="91440" tIns="45720" rIns="91440" bIns="45720" numCol="1" spcCol="0" rtlCol="0" fromWordArt="0" anchor="ctr" anchorCtr="0" forceAA="0" compatLnSpc="1">
+                  <a:prstTxWarp prst="textNoShape">
+                    <a:avLst/>
+                  </a:prstTxWarp>
+                  <a:noAutofit/>
+                </a:bodyPr>
+                <a:lstStyle/>
+                <a:p>
+                  <a:r>
+                    <a:rPr lang="en-US" sz="1200" b="1" dirty="0">
+                      <a:solidFill>
+                        <a:schemeClr val="tx1"/>
+                      </a:solidFill>
+                    </a:rPr>
+                    <a:t>Baseline: tot_baseline_cross_5</a:t>
+                  </a:r>
+                </a:p>
+                <a:p>
+                  <a:r>
+                    <a:rPr lang="en-US" sz="1200" b="1" dirty="0">
+                      <a:solidFill>
+                        <a:schemeClr val="tx1"/>
+                      </a:solidFill>
+                    </a:rPr>
+                    <a:t>High Goals: avg_auto_high_made_5/avg_auto_high_attempts_5/max_auto_high_made_5</a:t>
+                  </a:r>
+                </a:p>
+                <a:p>
+                  <a:r>
+                    <a:rPr lang="en-US" sz="1200" b="1" dirty="0">
+                      <a:solidFill>
+                        <a:schemeClr val="tx1"/>
+                      </a:solidFill>
+                    </a:rPr>
+                    <a:t>Low Goals: avg_auto_low_made_5/avg_auto_low_attempts_5/max_auto_low_made_5</a:t>
+                  </a:r>
+                </a:p>
+                <a:p>
+                  <a:r>
+                    <a:rPr lang="en-US" sz="1200" b="1" dirty="0">
+                      <a:solidFill>
+                        <a:schemeClr val="tx1"/>
+                      </a:solidFill>
+                    </a:rPr>
+                    <a:t>Hopper Intake: avg_auto_hopper_intake_5</a:t>
+                  </a:r>
+                </a:p>
+                <a:p>
+                  <a:r>
+                    <a:rPr lang="en-US" sz="1200" b="1" dirty="0">
+                      <a:solidFill>
+                        <a:schemeClr val="tx1"/>
+                      </a:solidFill>
+                    </a:rPr>
+                    <a:t>Floor Ball intake: avg_auto_floor_ball_intake_5</a:t>
+                  </a:r>
+                </a:p>
+                <a:p>
+                  <a:r>
+                    <a:rPr lang="en-US" sz="1200" b="1" dirty="0">
+                      <a:solidFill>
+                        <a:schemeClr val="tx1"/>
+                      </a:solidFill>
+                    </a:rPr>
+                    <a:t>Gears Scored LMR: tot_auto_gears_scored_top_5/tot_auto_gears_scored_mid_5/tot_auto_gears_scored_bot_5</a:t>
+                  </a:r>
+                </a:p>
+                <a:p>
+                  <a:r>
+                    <a:rPr lang="en-US" sz="1200" b="1" dirty="0">
+                      <a:solidFill>
+                        <a:schemeClr val="tx1"/>
+                      </a:solidFill>
+                    </a:rPr>
+                    <a:t>Gears Scored Tot: tot_auto_gears_scored_5/tot_auto_gears_attempts_5/max_auto_gears_scored_5</a:t>
+                  </a:r>
+                </a:p>
+              </p:txBody>
+            </p:sp>
+            <p:sp>
+              <p:nvSpPr>
+                <p:cNvPr id="74" name="Rectangle 73"/>
+                <p:cNvSpPr/>
+                <p:nvPr/>
+              </p:nvSpPr>
+              <p:spPr>
+                <a:xfrm>
+                  <a:off x="5177604" y="2897287"/>
+                  <a:ext cx="1271943" cy="2137621"/>
+                </a:xfrm>
+                <a:prstGeom prst="rect">
+                  <a:avLst/>
+                </a:prstGeom>
+                <a:solidFill>
+                  <a:schemeClr val="bg1"/>
+                </a:solidFill>
+                <a:ln w="15875">
+                  <a:solidFill>
+                    <a:schemeClr val="tx1"/>
+                  </a:solidFill>
+                </a:ln>
+              </p:spPr>
+              <p:style>
+                <a:lnRef idx="2">
+                  <a:schemeClr val="accent1">
+                    <a:shade val="50000"/>
+                  </a:schemeClr>
+                </a:lnRef>
+                <a:fillRef idx="1">
+                  <a:schemeClr val="accent1"/>
+                </a:fillRef>
+                <a:effectRef idx="0">
+                  <a:schemeClr val="accent1"/>
+                </a:effectRef>
+                <a:fontRef idx="minor">
+                  <a:schemeClr val="lt1"/>
+                </a:fontRef>
+              </p:style>
+              <p:txBody>
+                <a:bodyPr rot="0" spcFirstLastPara="0" vertOverflow="overflow" horzOverflow="overflow" vert="horz" wrap="square" lIns="91440" tIns="45720" rIns="91440" bIns="45720" numCol="1" spcCol="0" rtlCol="0" fromWordArt="0" anchor="ctr" anchorCtr="0" forceAA="0" compatLnSpc="1">
+                  <a:prstTxWarp prst="textNoShape">
+                    <a:avLst/>
+                  </a:prstTxWarp>
+                  <a:noAutofit/>
+                </a:bodyPr>
+                <a:lstStyle/>
+                <a:p>
+                  <a:r>
+                    <a:rPr lang="en-US" sz="1200" b="1" dirty="0">
+                      <a:solidFill>
+                        <a:schemeClr val="tx1"/>
+                      </a:solidFill>
+                    </a:rPr>
+                    <a:t>High Goals: avg_tele_high_made_5/avg_tele_high_attempts_5/max_tele_high_made_5</a:t>
+                  </a:r>
+                </a:p>
+                <a:p>
+                  <a:r>
+                    <a:rPr lang="en-US" sz="1200" b="1" dirty="0">
+                      <a:solidFill>
+                        <a:schemeClr val="tx1"/>
+                      </a:solidFill>
+                    </a:rPr>
+                    <a:t>Low Goals: avg_tele_low_made_5/avg_tele_low_attempts_5/max_tele_low_made_5</a:t>
+                  </a:r>
+                </a:p>
+                <a:p>
+                  <a:r>
+                    <a:rPr lang="en-US" sz="1200" b="1" dirty="0">
+                      <a:solidFill>
+                        <a:schemeClr val="tx1"/>
+                      </a:solidFill>
+                    </a:rPr>
+                    <a:t>Gears Scored: avg_tele_gears_scored_5/avg_tele_gears_attempts_5/max_tele_gears_scored_5</a:t>
+                  </a:r>
+                </a:p>
+                <a:p>
+                  <a:r>
+                    <a:rPr lang="en-US" sz="1200" b="1" dirty="0">
+                      <a:solidFill>
+                        <a:schemeClr val="tx1"/>
+                      </a:solidFill>
+                    </a:rPr>
+                    <a:t>Gears KO: tot_tele_gear_knockouts_5</a:t>
+                  </a:r>
+                </a:p>
+                <a:p>
+                  <a:endParaRPr lang="en-US" sz="1200" b="1" dirty="0">
+                    <a:solidFill>
+                      <a:schemeClr val="tx1"/>
+                    </a:solidFill>
+                  </a:endParaRPr>
+                </a:p>
+                <a:p>
+                  <a:r>
+                    <a:rPr lang="en-US" sz="1200" b="1" dirty="0">
+                      <a:solidFill>
+                        <a:schemeClr val="tx1"/>
+                      </a:solidFill>
+                    </a:rPr>
+                    <a:t>Floor Ball Intake: avg_tele_floor_ball_intake_5</a:t>
+                  </a:r>
+                </a:p>
+                <a:p>
+                  <a:r>
+                    <a:rPr lang="en-US" sz="1200" b="1" dirty="0">
+                      <a:solidFill>
+                        <a:schemeClr val="tx1"/>
+                      </a:solidFill>
+                    </a:rPr>
+                    <a:t>Hopper Ball Intake: avg_tele_hopper_intake_5</a:t>
+                  </a:r>
+                </a:p>
+                <a:p>
+                  <a:r>
+                    <a:rPr lang="en-US" sz="1200" b="1" dirty="0">
+                      <a:solidFill>
+                        <a:schemeClr val="tx1"/>
+                      </a:solidFill>
+                    </a:rPr>
+                    <a:t>HP Ball Intake: avg_hp_ball_intake_5</a:t>
+                  </a:r>
+                </a:p>
+                <a:p>
+                  <a:r>
+                    <a:rPr lang="en-US" sz="1200" b="1" dirty="0">
+                      <a:solidFill>
+                        <a:schemeClr val="tx1"/>
+                      </a:solidFill>
+                    </a:rPr>
+                    <a:t>Floor Gear Intake: avg_tele_floor_gear_intake_5</a:t>
+                  </a:r>
+                </a:p>
+                <a:p>
+                  <a:r>
+                    <a:rPr lang="en-US" sz="1200" b="1" dirty="0">
+                      <a:solidFill>
+                        <a:schemeClr val="tx1"/>
+                      </a:solidFill>
+                    </a:rPr>
+                    <a:t>HP Gear Intake: avg_hp_gear_intake_5/avg_hp_gear_intake_miss_5</a:t>
+                  </a:r>
+                </a:p>
+                <a:p>
+                  <a:endParaRPr lang="en-US" sz="1200" b="1" dirty="0">
+                    <a:solidFill>
+                      <a:schemeClr val="tx1"/>
+                    </a:solidFill>
+                  </a:endParaRPr>
+                </a:p>
+                <a:p>
+                  <a:r>
+                    <a:rPr lang="en-US" sz="1200" b="1" dirty="0">
+                      <a:solidFill>
+                        <a:schemeClr val="tx1"/>
+                      </a:solidFill>
+                    </a:rPr>
+                    <a:t>Climb: tot_climb_5/tot_climb_attempts_5</a:t>
+                  </a:r>
+                </a:p>
+                <a:p>
+                  <a:r>
+                    <a:rPr lang="en-US" sz="1200" b="1" dirty="0">
+                      <a:solidFill>
+                        <a:schemeClr val="tx1"/>
+                      </a:solidFill>
+                    </a:rPr>
+                    <a:t>Defense: avg_defense_rating_5</a:t>
+                  </a:r>
+                </a:p>
+                <a:p>
+                  <a:r>
+                    <a:rPr lang="en-US" sz="1200" b="1" dirty="0">
+                      <a:solidFill>
+                        <a:schemeClr val="tx1"/>
+                      </a:solidFill>
+                    </a:rPr>
+                    <a:t>Mobility: avg_mobility_rating_5</a:t>
+                  </a:r>
+                </a:p>
+                <a:p>
+                  <a:r>
+                    <a:rPr lang="en-US" sz="1200" b="1" dirty="0">
+                      <a:solidFill>
+                        <a:schemeClr val="tx1"/>
+                      </a:solidFill>
+                    </a:rPr>
+                    <a:t>Fouls: tot_fouls_5</a:t>
+                  </a:r>
+                </a:p>
+              </p:txBody>
+            </p:sp>
+            <p:sp>
+              <p:nvSpPr>
+                <p:cNvPr id="75" name="Rectangle 74"/>
+                <p:cNvSpPr/>
+                <p:nvPr/>
+              </p:nvSpPr>
+              <p:spPr>
+                <a:xfrm>
+                  <a:off x="6443870" y="1578472"/>
+                  <a:ext cx="1328019" cy="1149475"/>
+                </a:xfrm>
+                <a:prstGeom prst="rect">
+                  <a:avLst/>
+                </a:prstGeom>
+                <a:solidFill>
+                  <a:schemeClr val="bg1"/>
+                </a:solidFill>
+                <a:ln w="15875">
+                  <a:solidFill>
+                    <a:schemeClr val="tx1"/>
+                  </a:solidFill>
+                </a:ln>
+              </p:spPr>
+              <p:style>
+                <a:lnRef idx="2">
+                  <a:schemeClr val="accent1">
+                    <a:shade val="50000"/>
+                  </a:schemeClr>
+                </a:lnRef>
+                <a:fillRef idx="1">
+                  <a:schemeClr val="accent1"/>
+                </a:fillRef>
+                <a:effectRef idx="0">
+                  <a:schemeClr val="accent1"/>
+                </a:effectRef>
+                <a:fontRef idx="minor">
+                  <a:schemeClr val="lt1"/>
+                </a:fontRef>
+              </p:style>
+              <p:txBody>
+                <a:bodyPr rot="0" spcFirstLastPara="0" vertOverflow="overflow" horzOverflow="overflow" vert="horz" wrap="square" lIns="91440" tIns="45720" rIns="91440" bIns="45720" numCol="1" spcCol="0" rtlCol="0" fromWordArt="0" anchor="ctr" anchorCtr="0" forceAA="0" compatLnSpc="1">
+                  <a:prstTxWarp prst="textNoShape">
+                    <a:avLst/>
+                  </a:prstTxWarp>
+                  <a:noAutofit/>
+                </a:bodyPr>
+                <a:lstStyle/>
+                <a:p>
+                  <a:r>
+                    <a:rPr lang="en-US" sz="1200" b="1" dirty="0">
+                      <a:solidFill>
+                        <a:schemeClr val="tx1"/>
+                      </a:solidFill>
+                    </a:rPr>
+                    <a:t>Baseline: tot_baseline_cross_6</a:t>
+                  </a:r>
+                </a:p>
+                <a:p>
+                  <a:r>
+                    <a:rPr lang="en-US" sz="1200" b="1" dirty="0">
+                      <a:solidFill>
+                        <a:schemeClr val="tx1"/>
+                      </a:solidFill>
+                    </a:rPr>
+                    <a:t>High Goals: avg_auto_high_made_6/avg_auto_high_attempts_6/max_auto_high_made_6</a:t>
+                  </a:r>
+                </a:p>
+                <a:p>
+                  <a:r>
+                    <a:rPr lang="en-US" sz="1200" b="1" dirty="0">
+                      <a:solidFill>
+                        <a:schemeClr val="tx1"/>
+                      </a:solidFill>
+                    </a:rPr>
+                    <a:t>Low Goals: avg_auto_low_made_6/avg_auto_low_attempts_6/max_auto_low_made_6</a:t>
+                  </a:r>
+                </a:p>
+                <a:p>
+                  <a:r>
+                    <a:rPr lang="en-US" sz="1200" b="1" dirty="0">
+                      <a:solidFill>
+                        <a:schemeClr val="tx1"/>
+                      </a:solidFill>
+                    </a:rPr>
+                    <a:t>Hopper Intake: avg_auto_hopper_intake_6</a:t>
+                  </a:r>
+                </a:p>
+                <a:p>
+                  <a:r>
+                    <a:rPr lang="en-US" sz="1200" b="1" dirty="0">
+                      <a:solidFill>
+                        <a:schemeClr val="tx1"/>
+                      </a:solidFill>
+                    </a:rPr>
+                    <a:t>Floor Ball intake: avg_auto_floor_ball_intake_6</a:t>
+                  </a:r>
+                </a:p>
+                <a:p>
+                  <a:r>
+                    <a:rPr lang="en-US" sz="1200" b="1" dirty="0">
+                      <a:solidFill>
+                        <a:schemeClr val="tx1"/>
+                      </a:solidFill>
+                    </a:rPr>
+                    <a:t>Gears Scored LMR: tot_auto_gears_scored_top_6/tot_auto_gears_scored_mid_6/tot_auto_gears_scored_bot_6</a:t>
+                  </a:r>
+                </a:p>
+                <a:p>
+                  <a:r>
+                    <a:rPr lang="en-US" sz="1200" b="1" dirty="0">
+                      <a:solidFill>
+                        <a:schemeClr val="tx1"/>
+                      </a:solidFill>
+                    </a:rPr>
+                    <a:t>Gears Scored Tot: tot_auto_gears_scored_6/tot_auto_gears_attempts_6/max_auto_gears_scored_6</a:t>
+                  </a:r>
+                </a:p>
+              </p:txBody>
+            </p:sp>
+            <p:sp>
+              <p:nvSpPr>
+                <p:cNvPr id="76" name="Rectangle 75"/>
+                <p:cNvSpPr/>
+                <p:nvPr/>
+              </p:nvSpPr>
+              <p:spPr>
+                <a:xfrm>
+                  <a:off x="6443870" y="2897285"/>
+                  <a:ext cx="1328019" cy="2137621"/>
+                </a:xfrm>
+                <a:prstGeom prst="rect">
+                  <a:avLst/>
+                </a:prstGeom>
+                <a:solidFill>
+                  <a:schemeClr val="bg1"/>
+                </a:solidFill>
+                <a:ln w="15875">
+                  <a:solidFill>
+                    <a:schemeClr val="tx1"/>
+                  </a:solidFill>
+                </a:ln>
+              </p:spPr>
+              <p:style>
+                <a:lnRef idx="2">
+                  <a:schemeClr val="accent1">
+                    <a:shade val="50000"/>
+                  </a:schemeClr>
+                </a:lnRef>
+                <a:fillRef idx="1">
+                  <a:schemeClr val="accent1"/>
+                </a:fillRef>
+                <a:effectRef idx="0">
+                  <a:schemeClr val="accent1"/>
+                </a:effectRef>
+                <a:fontRef idx="minor">
+                  <a:schemeClr val="lt1"/>
+                </a:fontRef>
+              </p:style>
+              <p:txBody>
+                <a:bodyPr rot="0" spcFirstLastPara="0" vertOverflow="overflow" horzOverflow="overflow" vert="horz" wrap="square" lIns="91440" tIns="45720" rIns="91440" bIns="45720" numCol="1" spcCol="0" rtlCol="0" fromWordArt="0" anchor="ctr" anchorCtr="0" forceAA="0" compatLnSpc="1">
+                  <a:prstTxWarp prst="textNoShape">
+                    <a:avLst/>
+                  </a:prstTxWarp>
+                  <a:noAutofit/>
+                </a:bodyPr>
+                <a:lstStyle/>
+                <a:p>
+                  <a:r>
+                    <a:rPr lang="en-US" sz="1200" b="1" dirty="0">
+                      <a:solidFill>
+                        <a:schemeClr val="tx1"/>
+                      </a:solidFill>
+                    </a:rPr>
+                    <a:t>High Goals: avg_tele_high_made_6/avg_tele_high_attempts_6/max_tele_high_made_6</a:t>
+                  </a:r>
+                </a:p>
+                <a:p>
+                  <a:r>
+                    <a:rPr lang="en-US" sz="1200" b="1" dirty="0">
+                      <a:solidFill>
+                        <a:schemeClr val="tx1"/>
+                      </a:solidFill>
+                    </a:rPr>
+                    <a:t>Low Goals: avg_tele_low_made_6/avg_tele_low_attempts_6/max_tele_low_made_6</a:t>
+                  </a:r>
+                </a:p>
+                <a:p>
+                  <a:r>
+                    <a:rPr lang="en-US" sz="1200" b="1" dirty="0">
+                      <a:solidFill>
+                        <a:schemeClr val="tx1"/>
+                      </a:solidFill>
+                    </a:rPr>
+                    <a:t>Gears Scored: avg_tele_gears_scored_6/avg_tele_gears_attempts_6/max_tele_gears_scored_6</a:t>
+                  </a:r>
+                </a:p>
+                <a:p>
+                  <a:r>
+                    <a:rPr lang="en-US" sz="1200" b="1" dirty="0">
+                      <a:solidFill>
+                        <a:schemeClr val="tx1"/>
+                      </a:solidFill>
+                    </a:rPr>
+                    <a:t>Gears KO: tot_tele_gear_knockouts_6</a:t>
+                  </a:r>
+                </a:p>
+                <a:p>
+                  <a:endParaRPr lang="en-US" sz="1200" b="1" dirty="0">
+                    <a:solidFill>
+                      <a:schemeClr val="tx1"/>
+                    </a:solidFill>
+                  </a:endParaRPr>
+                </a:p>
+                <a:p>
+                  <a:r>
+                    <a:rPr lang="en-US" sz="1200" b="1" dirty="0">
+                      <a:solidFill>
+                        <a:schemeClr val="tx1"/>
+                      </a:solidFill>
+                    </a:rPr>
+                    <a:t>Floor Ball Intake: avg_tele_floor_ball_intake_6</a:t>
+                  </a:r>
+                </a:p>
+                <a:p>
+                  <a:r>
+                    <a:rPr lang="en-US" sz="1200" b="1" dirty="0">
+                      <a:solidFill>
+                        <a:schemeClr val="tx1"/>
+                      </a:solidFill>
+                    </a:rPr>
+                    <a:t>Hopper Ball Intake: avg_tele_hopper_intake_6</a:t>
+                  </a:r>
+                </a:p>
+                <a:p>
+                  <a:r>
+                    <a:rPr lang="en-US" sz="1200" b="1" dirty="0">
+                      <a:solidFill>
+                        <a:schemeClr val="tx1"/>
+                      </a:solidFill>
+                    </a:rPr>
+                    <a:t>HP Ball Intake: avg_hp_ball_intake_6</a:t>
+                  </a:r>
+                </a:p>
+                <a:p>
+                  <a:r>
+                    <a:rPr lang="en-US" sz="1200" b="1" dirty="0">
+                      <a:solidFill>
+                        <a:schemeClr val="tx1"/>
+                      </a:solidFill>
+                    </a:rPr>
+                    <a:t>Floor Gear Intake: avg_tele_floor_gear_intake_6</a:t>
+                  </a:r>
+                </a:p>
+                <a:p>
+                  <a:r>
+                    <a:rPr lang="en-US" sz="1200" b="1" dirty="0">
+                      <a:solidFill>
+                        <a:schemeClr val="tx1"/>
+                      </a:solidFill>
+                    </a:rPr>
+                    <a:t>HP Gear Intake: avg_hp_gear_intake_6/avg_hp_gear_intake_miss_6</a:t>
+                  </a:r>
+                </a:p>
+                <a:p>
+                  <a:endParaRPr lang="en-US" sz="1200" b="1" dirty="0">
+                    <a:solidFill>
+                      <a:schemeClr val="tx1"/>
+                    </a:solidFill>
+                  </a:endParaRPr>
+                </a:p>
+                <a:p>
+                  <a:r>
+                    <a:rPr lang="en-US" sz="1200" b="1" dirty="0">
+                      <a:solidFill>
+                        <a:schemeClr val="tx1"/>
+                      </a:solidFill>
+                    </a:rPr>
+                    <a:t>Climb: tot_climb_6/tot_climb_attempts_6</a:t>
+                  </a:r>
+                </a:p>
+                <a:p>
+                  <a:r>
+                    <a:rPr lang="en-US" sz="1200" b="1" dirty="0">
+                      <a:solidFill>
+                        <a:schemeClr val="tx1"/>
+                      </a:solidFill>
+                    </a:rPr>
+                    <a:t>Defense: avg_defense_rating_6</a:t>
+                  </a:r>
+                </a:p>
+                <a:p>
+                  <a:r>
+                    <a:rPr lang="en-US" sz="1200" b="1" dirty="0">
+                      <a:solidFill>
+                        <a:schemeClr val="tx1"/>
+                      </a:solidFill>
+                    </a:rPr>
+                    <a:t>Mobility: avg_mobility_rating_6</a:t>
+                  </a:r>
+                </a:p>
+                <a:p>
+                  <a:r>
+                    <a:rPr lang="en-US" sz="1200" b="1" dirty="0">
+                      <a:solidFill>
+                        <a:schemeClr val="tx1"/>
+                      </a:solidFill>
+                    </a:rPr>
+                    <a:t>Fouls: tot_fouls_6</a:t>
+                  </a:r>
+                </a:p>
+              </p:txBody>
+            </p:sp>
+            <p:sp>
+              <p:nvSpPr>
+                <p:cNvPr id="77" name="Rectangle 76"/>
+                <p:cNvSpPr/>
+                <p:nvPr/>
+              </p:nvSpPr>
+              <p:spPr>
+                <a:xfrm>
+                  <a:off x="4398" y="2727377"/>
+                  <a:ext cx="3878507" cy="166589"/>
+                </a:xfrm>
+                <a:prstGeom prst="rect">
+                  <a:avLst/>
+                </a:prstGeom>
+                <a:solidFill>
+                  <a:schemeClr val="bg1">
+                    <a:lumMod val="85000"/>
+                  </a:schemeClr>
+                </a:solidFill>
+                <a:ln w="15875">
+                  <a:solidFill>
+                    <a:schemeClr val="tx1"/>
+                  </a:solidFill>
+                </a:ln>
+              </p:spPr>
+              <p:style>
+                <a:lnRef idx="2">
+                  <a:schemeClr val="accent1">
+                    <a:shade val="50000"/>
+                  </a:schemeClr>
+                </a:lnRef>
+                <a:fillRef idx="1">
+                  <a:schemeClr val="accent1"/>
+                </a:fillRef>
+                <a:effectRef idx="0">
+                  <a:schemeClr val="accent1"/>
+                </a:effectRef>
+                <a:fontRef idx="minor">
+                  <a:schemeClr val="lt1"/>
+                </a:fontRef>
+              </p:style>
+              <p:txBody>
+                <a:bodyPr rot="0" spcFirstLastPara="0" vertOverflow="overflow" horzOverflow="overflow" vert="horz" wrap="square" lIns="91440" tIns="45720" rIns="91440" bIns="45720" numCol="1" spcCol="0" rtlCol="0" fromWordArt="0" anchor="ctr" anchorCtr="0" forceAA="0" compatLnSpc="1">
+                  <a:prstTxWarp prst="textNoShape">
+                    <a:avLst/>
+                  </a:prstTxWarp>
+                  <a:noAutofit/>
+                </a:bodyPr>
+                <a:lstStyle/>
+                <a:p>
+                  <a:pPr algn="ctr"/>
+                  <a:r>
+                    <a:rPr lang="en-US" sz="1000" b="1" dirty="0">
+                      <a:solidFill>
+                        <a:schemeClr val="tx1"/>
+                      </a:solidFill>
+                    </a:rPr>
+                    <a:t>Teleop Data</a:t>
+                  </a:r>
+                </a:p>
+              </p:txBody>
+            </p:sp>
+            <p:sp>
+              <p:nvSpPr>
+                <p:cNvPr id="78" name="Rectangle 77"/>
+                <p:cNvSpPr/>
+                <p:nvPr/>
+              </p:nvSpPr>
+              <p:spPr>
+                <a:xfrm>
+                  <a:off x="3887303" y="2724052"/>
+                  <a:ext cx="3894998" cy="166589"/>
+                </a:xfrm>
+                <a:prstGeom prst="rect">
+                  <a:avLst/>
+                </a:prstGeom>
+                <a:solidFill>
+                  <a:schemeClr val="bg1">
+                    <a:lumMod val="85000"/>
+                  </a:schemeClr>
+                </a:solidFill>
+                <a:ln w="15875">
+                  <a:solidFill>
+                    <a:schemeClr val="tx1"/>
+                  </a:solidFill>
+                </a:ln>
+              </p:spPr>
+              <p:style>
+                <a:lnRef idx="2">
+                  <a:schemeClr val="accent1">
+                    <a:shade val="50000"/>
+                  </a:schemeClr>
+                </a:lnRef>
+                <a:fillRef idx="1">
+                  <a:schemeClr val="accent1"/>
+                </a:fillRef>
+                <a:effectRef idx="0">
+                  <a:schemeClr val="accent1"/>
+                </a:effectRef>
+                <a:fontRef idx="minor">
+                  <a:schemeClr val="lt1"/>
+                </a:fontRef>
+              </p:style>
+              <p:txBody>
+                <a:bodyPr rot="0" spcFirstLastPara="0" vertOverflow="overflow" horzOverflow="overflow" vert="horz" wrap="square" lIns="91440" tIns="45720" rIns="91440" bIns="45720" numCol="1" spcCol="0" rtlCol="0" fromWordArt="0" anchor="ctr" anchorCtr="0" forceAA="0" compatLnSpc="1">
+                  <a:prstTxWarp prst="textNoShape">
+                    <a:avLst/>
+                  </a:prstTxWarp>
+                  <a:noAutofit/>
+                </a:bodyPr>
+                <a:lstStyle/>
+                <a:p>
+                  <a:pPr algn="ctr"/>
+                  <a:r>
+                    <a:rPr lang="en-US" sz="1000" b="1" dirty="0">
+                      <a:solidFill>
+                        <a:schemeClr val="tx1"/>
+                      </a:solidFill>
+                    </a:rPr>
+                    <a:t>Teleop Data</a:t>
+                  </a:r>
+                </a:p>
+              </p:txBody>
+            </p:sp>
+            <p:sp>
+              <p:nvSpPr>
+                <p:cNvPr id="55" name="Rectangle 54"/>
+                <p:cNvSpPr/>
+                <p:nvPr/>
+              </p:nvSpPr>
+              <p:spPr>
+                <a:xfrm>
+                  <a:off x="2585668" y="867326"/>
+                  <a:ext cx="1313728" cy="268883"/>
+                </a:xfrm>
+                <a:prstGeom prst="rect">
+                  <a:avLst/>
+                </a:prstGeom>
+                <a:solidFill>
+                  <a:schemeClr val="bg1"/>
+                </a:solidFill>
+                <a:ln w="38100">
+                  <a:solidFill>
+                    <a:schemeClr val="tx1"/>
+                  </a:solidFill>
+                </a:ln>
+              </p:spPr>
+              <p:style>
+                <a:lnRef idx="2">
+                  <a:schemeClr val="accent1">
+                    <a:shade val="50000"/>
+                  </a:schemeClr>
+                </a:lnRef>
+                <a:fillRef idx="1">
+                  <a:schemeClr val="accent1"/>
+                </a:fillRef>
+                <a:effectRef idx="0">
+                  <a:schemeClr val="accent1"/>
+                </a:effectRef>
+                <a:fontRef idx="minor">
+                  <a:schemeClr val="lt1"/>
+                </a:fontRef>
+              </p:style>
+              <p:txBody>
+                <a:bodyPr rot="0" spcFirstLastPara="0" vertOverflow="overflow" horzOverflow="overflow" vert="horz" wrap="square" lIns="91440" tIns="45720" rIns="91440" bIns="45720" numCol="1" spcCol="0" rtlCol="0" fromWordArt="0" anchor="ctr" anchorCtr="0" forceAA="0" compatLnSpc="1">
+                  <a:prstTxWarp prst="textNoShape">
+                    <a:avLst/>
+                  </a:prstTxWarp>
+                  <a:noAutofit/>
+                </a:bodyPr>
+                <a:lstStyle/>
+                <a:p>
+                  <a:pPr algn="ctr"/>
+                  <a:r>
+                    <a:rPr lang="en-US" sz="1200" b="1" dirty="0">
+                      <a:solidFill>
+                        <a:schemeClr val="tx1"/>
+                      </a:solidFill>
+                    </a:rPr>
+                    <a:t>Avg. </a:t>
+                  </a:r>
+                  <a:r>
+                    <a:rPr lang="en-US" sz="1200" b="1" dirty="0" err="1">
+                      <a:solidFill>
+                        <a:schemeClr val="tx1"/>
+                      </a:solidFill>
+                    </a:rPr>
+                    <a:t>kPa</a:t>
+                  </a:r>
+                  <a:r>
+                    <a:rPr lang="en-US" sz="1200" b="1" dirty="0">
+                      <a:solidFill>
+                        <a:schemeClr val="tx1"/>
+                      </a:solidFill>
+                    </a:rPr>
+                    <a:t>: avg_auto_contrib_kpa_3/avg_contrib_kpa_3/max_contrib_kpa_3</a:t>
+                  </a:r>
+                </a:p>
+              </p:txBody>
+            </p:sp>
+            <p:sp>
+              <p:nvSpPr>
+                <p:cNvPr id="54" name="Rectangle 53"/>
+                <p:cNvSpPr/>
+                <p:nvPr/>
+              </p:nvSpPr>
+              <p:spPr>
+                <a:xfrm>
+                  <a:off x="1284039" y="866840"/>
+                  <a:ext cx="1300532" cy="268883"/>
+                </a:xfrm>
+                <a:prstGeom prst="rect">
+                  <a:avLst/>
+                </a:prstGeom>
+                <a:solidFill>
+                  <a:schemeClr val="bg1"/>
+                </a:solidFill>
+                <a:ln w="38100">
+                  <a:solidFill>
+                    <a:schemeClr val="tx1"/>
+                  </a:solidFill>
+                </a:ln>
+              </p:spPr>
+              <p:style>
+                <a:lnRef idx="2">
+                  <a:schemeClr val="accent1">
+                    <a:shade val="50000"/>
+                  </a:schemeClr>
+                </a:lnRef>
+                <a:fillRef idx="1">
+                  <a:schemeClr val="accent1"/>
+                </a:fillRef>
+                <a:effectRef idx="0">
+                  <a:schemeClr val="accent1"/>
+                </a:effectRef>
+                <a:fontRef idx="minor">
+                  <a:schemeClr val="lt1"/>
+                </a:fontRef>
+              </p:style>
+              <p:txBody>
+                <a:bodyPr rot="0" spcFirstLastPara="0" vertOverflow="overflow" horzOverflow="overflow" vert="horz" wrap="square" lIns="91440" tIns="45720" rIns="91440" bIns="45720" numCol="1" spcCol="0" rtlCol="0" fromWordArt="0" anchor="ctr" anchorCtr="0" forceAA="0" compatLnSpc="1">
+                  <a:prstTxWarp prst="textNoShape">
+                    <a:avLst/>
+                  </a:prstTxWarp>
+                  <a:noAutofit/>
+                </a:bodyPr>
+                <a:lstStyle/>
+                <a:p>
+                  <a:pPr algn="ctr"/>
+                  <a:r>
+                    <a:rPr lang="en-US" sz="1200" b="1" dirty="0">
+                      <a:solidFill>
+                        <a:schemeClr val="tx1"/>
+                      </a:solidFill>
+                    </a:rPr>
+                    <a:t>Avg. </a:t>
+                  </a:r>
+                  <a:r>
+                    <a:rPr lang="en-US" sz="1200" b="1" dirty="0" err="1">
+                      <a:solidFill>
+                        <a:schemeClr val="tx1"/>
+                      </a:solidFill>
+                    </a:rPr>
+                    <a:t>kPa</a:t>
+                  </a:r>
+                  <a:r>
+                    <a:rPr lang="en-US" sz="1200" b="1" dirty="0">
+                      <a:solidFill>
+                        <a:schemeClr val="tx1"/>
+                      </a:solidFill>
+                    </a:rPr>
+                    <a:t>: avg_auto_contrib_kpa_2/avg_contrib_kpa_2/max_contrib_kpa_2</a:t>
+                  </a:r>
+                </a:p>
+              </p:txBody>
+            </p:sp>
+          </p:grpSp>
           <p:sp>
             <p:nvSpPr>
-              <p:cNvPr id="46" name="Rectangle 45"/>
+              <p:cNvPr id="45" name="Rectangle 44"/>
               <p:cNvSpPr/>
               <p:nvPr/>
             </p:nvSpPr>
             <p:spPr>
               <a:xfrm>
-                <a:off x="0" y="0"/>
-                <a:ext cx="7778997" cy="5034917"/>
-              </a:xfrm>
-              <a:prstGeom prst="rect">
-                <a:avLst/>
-              </a:prstGeom>
-              <a:solidFill>
-                <a:schemeClr val="bg1"/>
-              </a:solidFill>
-              <a:ln w="38100">
-                <a:solidFill>
-                  <a:schemeClr val="tx1"/>
-                </a:solidFill>
-              </a:ln>
-            </p:spPr>
-            <p:style>
-              <a:lnRef idx="2">
-                <a:schemeClr val="accent1">
-                  <a:shade val="50000"/>
-                </a:schemeClr>
-              </a:lnRef>
-              <a:fillRef idx="1">
-                <a:schemeClr val="accent1"/>
-              </a:fillRef>
-              <a:effectRef idx="0">
-                <a:schemeClr val="accent1"/>
-              </a:effectRef>
-              <a:fontRef idx="minor">
-                <a:schemeClr val="lt1"/>
-              </a:fontRef>
-            </p:style>
-            <p:txBody>
-              <a:bodyPr rot="0" spcFirstLastPara="0" vertOverflow="overflow" horzOverflow="overflow" vert="horz" wrap="square" lIns="91440" tIns="45720" rIns="91440" bIns="45720" numCol="1" spcCol="0" rtlCol="0" fromWordArt="0" anchor="ctr" anchorCtr="0" forceAA="0" compatLnSpc="1">
-                <a:prstTxWarp prst="textNoShape">
-                  <a:avLst/>
-                </a:prstTxWarp>
-                <a:noAutofit/>
-              </a:bodyPr>
-              <a:lstStyle/>
-              <a:p>
-                <a:endParaRPr lang="en-US" sz="700" b="1" dirty="0">
-                  <a:solidFill>
-                    <a:schemeClr val="tx1"/>
-                  </a:solidFill>
-                </a:endParaRPr>
-              </a:p>
-            </p:txBody>
-          </p:sp>
-          <p:sp>
-            <p:nvSpPr>
-              <p:cNvPr id="47" name="Rectangle 46"/>
-              <p:cNvSpPr/>
-              <p:nvPr/>
-            </p:nvSpPr>
-            <p:spPr>
-              <a:xfrm>
-                <a:off x="13195" y="1241270"/>
-                <a:ext cx="1269745" cy="985282"/>
-              </a:xfrm>
-              <a:prstGeom prst="rect">
-                <a:avLst/>
-              </a:prstGeom>
-              <a:solidFill>
-                <a:schemeClr val="bg1"/>
-              </a:solidFill>
-              <a:ln w="15875">
-                <a:solidFill>
-                  <a:schemeClr val="tx1"/>
-                </a:solidFill>
-              </a:ln>
-            </p:spPr>
-            <p:style>
-              <a:lnRef idx="2">
-                <a:schemeClr val="accent1">
-                  <a:shade val="50000"/>
-                </a:schemeClr>
-              </a:lnRef>
-              <a:fillRef idx="1">
-                <a:schemeClr val="accent1"/>
-              </a:fillRef>
-              <a:effectRef idx="0">
-                <a:schemeClr val="accent1"/>
-              </a:effectRef>
-              <a:fontRef idx="minor">
-                <a:schemeClr val="lt1"/>
-              </a:fontRef>
-            </p:style>
-            <p:txBody>
-              <a:bodyPr rot="0" spcFirstLastPara="0" vertOverflow="overflow" horzOverflow="overflow" vert="horz" wrap="square" lIns="91440" tIns="45720" rIns="91440" bIns="45720" numCol="1" spcCol="0" rtlCol="0" fromWordArt="0" anchor="ctr" anchorCtr="0" forceAA="0" compatLnSpc="1">
-                <a:prstTxWarp prst="textNoShape">
-                  <a:avLst/>
-                </a:prstTxWarp>
-                <a:noAutofit/>
-              </a:bodyPr>
-              <a:lstStyle/>
-              <a:p>
-                <a:r>
-                  <a:rPr lang="en-US" sz="1200" b="1" dirty="0">
-                    <a:solidFill>
-                      <a:schemeClr val="tx1"/>
-                    </a:solidFill>
-                  </a:rPr>
-                  <a:t>Baseline: tot_baseline_cross_1</a:t>
-                </a:r>
-              </a:p>
-              <a:p>
-                <a:r>
-                  <a:rPr lang="en-US" sz="1200" b="1" dirty="0">
-                    <a:solidFill>
-                      <a:schemeClr val="tx1"/>
-                    </a:solidFill>
-                  </a:rPr>
-                  <a:t>High Goals: avg_auto_high_made_1/avg_auto_high_attempts_1</a:t>
-                </a:r>
-              </a:p>
-              <a:p>
-                <a:r>
-                  <a:rPr lang="en-US" sz="1200" b="1" dirty="0">
-                    <a:solidFill>
-                      <a:schemeClr val="tx1"/>
-                    </a:solidFill>
-                  </a:rPr>
-                  <a:t>Low Goals: avg_auto_low_made_1/avg_auto_low_attempts_1</a:t>
-                </a:r>
-              </a:p>
-              <a:p>
-                <a:r>
-                  <a:rPr lang="en-US" sz="1200" b="1" dirty="0">
-                    <a:solidFill>
-                      <a:schemeClr val="tx1"/>
-                    </a:solidFill>
-                  </a:rPr>
-                  <a:t>Hopper Intake: avg_auto_hopper_intake_1</a:t>
-                </a:r>
-              </a:p>
-              <a:p>
-                <a:r>
-                  <a:rPr lang="en-US" sz="1200" b="1" dirty="0">
-                    <a:solidFill>
-                      <a:schemeClr val="tx1"/>
-                    </a:solidFill>
-                  </a:rPr>
-                  <a:t>Floor Gear Intake: avg_auto_floor_gear_intake_1</a:t>
-                </a:r>
-              </a:p>
-              <a:p>
-                <a:r>
-                  <a:rPr lang="en-US" sz="1200" b="1" dirty="0">
-                    <a:solidFill>
-                      <a:schemeClr val="tx1"/>
-                    </a:solidFill>
-                  </a:rPr>
-                  <a:t>Floor Ball intake: avg_auto_floor_ball_intake_1</a:t>
-                </a:r>
-              </a:p>
-              <a:p>
-                <a:r>
-                  <a:rPr lang="en-US" sz="1200" b="1" dirty="0">
-                    <a:solidFill>
-                      <a:schemeClr val="tx1"/>
-                    </a:solidFill>
-                  </a:rPr>
-                  <a:t>Gears Scored: avg_auto_gears_scored_1</a:t>
-                </a:r>
-              </a:p>
-            </p:txBody>
-          </p:sp>
-          <p:sp>
-            <p:nvSpPr>
-              <p:cNvPr id="48" name="Rectangle 47"/>
-              <p:cNvSpPr/>
-              <p:nvPr/>
-            </p:nvSpPr>
-            <p:spPr>
-              <a:xfrm>
-                <a:off x="6598" y="12424"/>
-                <a:ext cx="7772400" cy="578069"/>
-              </a:xfrm>
-              <a:prstGeom prst="rect">
-                <a:avLst/>
-              </a:prstGeom>
-              <a:solidFill>
-                <a:schemeClr val="bg1"/>
-              </a:solidFill>
-              <a:ln w="38100">
-                <a:solidFill>
-                  <a:schemeClr val="tx1"/>
-                </a:solidFill>
-              </a:ln>
-            </p:spPr>
-            <p:style>
-              <a:lnRef idx="2">
-                <a:schemeClr val="accent1">
-                  <a:shade val="50000"/>
-                </a:schemeClr>
-              </a:lnRef>
-              <a:fillRef idx="1">
-                <a:schemeClr val="accent1"/>
-              </a:fillRef>
-              <a:effectRef idx="0">
-                <a:schemeClr val="accent1"/>
-              </a:effectRef>
-              <a:fontRef idx="minor">
-                <a:schemeClr val="lt1"/>
-              </a:fontRef>
-            </p:style>
-            <p:txBody>
-              <a:bodyPr rot="0" spcFirstLastPara="0" vertOverflow="overflow" horzOverflow="overflow" vert="horz" wrap="square" lIns="91440" tIns="45720" rIns="91440" bIns="45720" numCol="1" spcCol="0" rtlCol="0" fromWordArt="0" anchor="ctr" anchorCtr="0" forceAA="0" compatLnSpc="1">
-                <a:prstTxWarp prst="textNoShape">
-                  <a:avLst/>
-                </a:prstTxWarp>
-                <a:noAutofit/>
-              </a:bodyPr>
-              <a:lstStyle/>
-              <a:p>
-                <a:pPr algn="ctr"/>
-                <a:endParaRPr lang="en-US" dirty="0"/>
-              </a:p>
-            </p:txBody>
-          </p:sp>
-          <p:sp>
-            <p:nvSpPr>
-              <p:cNvPr id="49" name="TextBox 48"/>
-              <p:cNvSpPr txBox="1"/>
-              <p:nvPr/>
-            </p:nvSpPr>
-            <p:spPr>
-              <a:xfrm>
-                <a:off x="6598" y="5717"/>
-                <a:ext cx="2280176" cy="584775"/>
-              </a:xfrm>
-              <a:prstGeom prst="rect">
-                <a:avLst/>
-              </a:prstGeom>
-              <a:noFill/>
-            </p:spPr>
-            <p:txBody>
-              <a:bodyPr wrap="none" rtlCol="0">
-                <a:spAutoFit/>
-              </a:bodyPr>
-              <a:lstStyle/>
-              <a:p>
-                <a:r>
-                  <a:rPr lang="en-US" sz="3200" b="1" dirty="0">
-                    <a:solidFill>
-                      <a:srgbClr val="FF0000"/>
-                    </a:solidFill>
-                  </a:rPr>
-                  <a:t>Red Alliance</a:t>
-                </a:r>
-              </a:p>
-            </p:txBody>
-          </p:sp>
-          <p:sp>
-            <p:nvSpPr>
-              <p:cNvPr id="50" name="TextBox 49"/>
-              <p:cNvSpPr txBox="1"/>
-              <p:nvPr/>
-            </p:nvSpPr>
-            <p:spPr>
-              <a:xfrm>
-                <a:off x="4754636" y="-6641"/>
-                <a:ext cx="2387192" cy="584775"/>
-              </a:xfrm>
-              <a:prstGeom prst="rect">
-                <a:avLst/>
-              </a:prstGeom>
-              <a:noFill/>
-            </p:spPr>
-            <p:txBody>
-              <a:bodyPr wrap="none" rtlCol="0">
-                <a:spAutoFit/>
-              </a:bodyPr>
-              <a:lstStyle/>
-              <a:p>
-                <a:r>
-                  <a:rPr lang="en-US" sz="3200" b="1" dirty="0">
-                    <a:solidFill>
-                      <a:srgbClr val="00B0F0"/>
-                    </a:solidFill>
-                  </a:rPr>
-                  <a:t>Blue Alliance</a:t>
-                </a:r>
-              </a:p>
-            </p:txBody>
-          </p:sp>
-          <p:cxnSp>
-            <p:nvCxnSpPr>
-              <p:cNvPr id="51" name="Straight Connector 50"/>
-              <p:cNvCxnSpPr/>
-              <p:nvPr/>
-            </p:nvCxnSpPr>
-            <p:spPr>
-              <a:xfrm>
-                <a:off x="3885105" y="590492"/>
-                <a:ext cx="6598" cy="4444425"/>
-              </a:xfrm>
-              <a:prstGeom prst="line">
-                <a:avLst/>
-              </a:prstGeom>
-              <a:ln w="38100">
-                <a:solidFill>
-                  <a:schemeClr val="tx1"/>
-                </a:solidFill>
-              </a:ln>
-            </p:spPr>
-            <p:style>
-              <a:lnRef idx="1">
-                <a:schemeClr val="accent1"/>
-              </a:lnRef>
-              <a:fillRef idx="0">
-                <a:schemeClr val="accent1"/>
-              </a:fillRef>
-              <a:effectRef idx="0">
-                <a:schemeClr val="accent1"/>
-              </a:effectRef>
-              <a:fontRef idx="minor">
-                <a:schemeClr val="tx1"/>
-              </a:fontRef>
-            </p:style>
-          </p:cxnSp>
-          <p:sp>
-            <p:nvSpPr>
-              <p:cNvPr id="52" name="Rectangle 51"/>
-              <p:cNvSpPr/>
-              <p:nvPr/>
-            </p:nvSpPr>
-            <p:spPr>
-              <a:xfrm>
-                <a:off x="6598" y="592197"/>
-                <a:ext cx="1298331" cy="246888"/>
-              </a:xfrm>
-              <a:prstGeom prst="rect">
-                <a:avLst/>
-              </a:prstGeom>
-              <a:solidFill>
-                <a:schemeClr val="bg1"/>
-              </a:solidFill>
-              <a:ln w="38100">
-                <a:solidFill>
-                  <a:schemeClr val="tx1"/>
-                </a:solidFill>
-              </a:ln>
-            </p:spPr>
-            <p:style>
-              <a:lnRef idx="2">
-                <a:schemeClr val="accent1">
-                  <a:shade val="50000"/>
-                </a:schemeClr>
-              </a:lnRef>
-              <a:fillRef idx="1">
-                <a:schemeClr val="accent1"/>
-              </a:fillRef>
-              <a:effectRef idx="0">
-                <a:schemeClr val="accent1"/>
-              </a:effectRef>
-              <a:fontRef idx="minor">
-                <a:schemeClr val="lt1"/>
-              </a:fontRef>
-            </p:style>
-            <p:txBody>
-              <a:bodyPr rot="0" spcFirstLastPara="0" vertOverflow="overflow" horzOverflow="overflow" vert="horz" wrap="square" lIns="91440" tIns="45720" rIns="91440" bIns="45720" numCol="1" spcCol="0" rtlCol="0" fromWordArt="0" anchor="ctr" anchorCtr="0" forceAA="0" compatLnSpc="1">
-                <a:prstTxWarp prst="textNoShape">
-                  <a:avLst/>
-                </a:prstTxWarp>
-                <a:noAutofit/>
-              </a:bodyPr>
-              <a:lstStyle/>
-              <a:p>
-                <a:pPr algn="ctr"/>
-                <a:r>
-                  <a:rPr lang="en-US" sz="1200" b="1" dirty="0">
-                    <a:solidFill>
-                      <a:schemeClr val="tx1"/>
-                    </a:solidFill>
-                  </a:rPr>
-                  <a:t>Team #: team_num_1</a:t>
-                </a:r>
-              </a:p>
-            </p:txBody>
-          </p:sp>
-          <p:sp>
-            <p:nvSpPr>
-              <p:cNvPr id="53" name="Rectangle 52"/>
-              <p:cNvSpPr/>
-              <p:nvPr/>
-            </p:nvSpPr>
-            <p:spPr>
-              <a:xfrm>
-                <a:off x="6597" y="837379"/>
-                <a:ext cx="1285140" cy="246888"/>
-              </a:xfrm>
-              <a:prstGeom prst="rect">
-                <a:avLst/>
-              </a:prstGeom>
-              <a:solidFill>
-                <a:schemeClr val="bg1"/>
-              </a:solidFill>
-              <a:ln w="38100">
-                <a:solidFill>
-                  <a:schemeClr val="tx1"/>
-                </a:solidFill>
-              </a:ln>
-            </p:spPr>
-            <p:style>
-              <a:lnRef idx="2">
-                <a:schemeClr val="accent1">
-                  <a:shade val="50000"/>
-                </a:schemeClr>
-              </a:lnRef>
-              <a:fillRef idx="1">
-                <a:schemeClr val="accent1"/>
-              </a:fillRef>
-              <a:effectRef idx="0">
-                <a:schemeClr val="accent1"/>
-              </a:effectRef>
-              <a:fontRef idx="minor">
-                <a:schemeClr val="lt1"/>
-              </a:fontRef>
-            </p:style>
-            <p:txBody>
-              <a:bodyPr rot="0" spcFirstLastPara="0" vertOverflow="overflow" horzOverflow="overflow" vert="horz" wrap="square" lIns="91440" tIns="45720" rIns="91440" bIns="45720" numCol="1" spcCol="0" rtlCol="0" fromWordArt="0" anchor="ctr" anchorCtr="0" forceAA="0" compatLnSpc="1">
-                <a:prstTxWarp prst="textNoShape">
-                  <a:avLst/>
-                </a:prstTxWarp>
-                <a:noAutofit/>
-              </a:bodyPr>
-              <a:lstStyle/>
-              <a:p>
-                <a:pPr algn="ctr"/>
-                <a:r>
-                  <a:rPr lang="en-US" sz="1200" b="1" dirty="0">
-                    <a:solidFill>
-                      <a:schemeClr val="tx1"/>
-                    </a:solidFill>
-                  </a:rPr>
-                  <a:t>Avg. Score: avg_contrib_kpa_1</a:t>
-                </a:r>
-              </a:p>
-            </p:txBody>
-          </p:sp>
-          <p:sp>
-            <p:nvSpPr>
-              <p:cNvPr id="54" name="Rectangle 53"/>
-              <p:cNvSpPr/>
-              <p:nvPr/>
-            </p:nvSpPr>
-            <p:spPr>
-              <a:xfrm>
-                <a:off x="1285139" y="837379"/>
-                <a:ext cx="1300532" cy="246888"/>
-              </a:xfrm>
-              <a:prstGeom prst="rect">
-                <a:avLst/>
-              </a:prstGeom>
-              <a:solidFill>
-                <a:schemeClr val="bg1"/>
-              </a:solidFill>
-              <a:ln w="38100">
-                <a:solidFill>
-                  <a:schemeClr val="tx1"/>
-                </a:solidFill>
-              </a:ln>
-            </p:spPr>
-            <p:style>
-              <a:lnRef idx="2">
-                <a:schemeClr val="accent1">
-                  <a:shade val="50000"/>
-                </a:schemeClr>
-              </a:lnRef>
-              <a:fillRef idx="1">
-                <a:schemeClr val="accent1"/>
-              </a:fillRef>
-              <a:effectRef idx="0">
-                <a:schemeClr val="accent1"/>
-              </a:effectRef>
-              <a:fontRef idx="minor">
-                <a:schemeClr val="lt1"/>
-              </a:fontRef>
-            </p:style>
-            <p:txBody>
-              <a:bodyPr rot="0" spcFirstLastPara="0" vertOverflow="overflow" horzOverflow="overflow" vert="horz" wrap="square" lIns="91440" tIns="45720" rIns="91440" bIns="45720" numCol="1" spcCol="0" rtlCol="0" fromWordArt="0" anchor="ctr" anchorCtr="0" forceAA="0" compatLnSpc="1">
-                <a:prstTxWarp prst="textNoShape">
-                  <a:avLst/>
-                </a:prstTxWarp>
-                <a:noAutofit/>
-              </a:bodyPr>
-              <a:lstStyle/>
-              <a:p>
-                <a:pPr algn="ctr"/>
-                <a:r>
-                  <a:rPr lang="en-US" sz="1200" b="1" dirty="0">
-                    <a:solidFill>
-                      <a:schemeClr val="tx1"/>
-                    </a:solidFill>
-                  </a:rPr>
-                  <a:t>Avg. Score: avg_contrib_kpa_2</a:t>
-                </a:r>
-                <a:endParaRPr lang="en-US" sz="1200" b="1" dirty="0">
-                  <a:solidFill>
-                    <a:schemeClr val="tx1"/>
-                  </a:solidFill>
-                </a:endParaRPr>
-              </a:p>
-            </p:txBody>
-          </p:sp>
-          <p:sp>
-            <p:nvSpPr>
-              <p:cNvPr id="55" name="Rectangle 54"/>
-              <p:cNvSpPr/>
-              <p:nvPr/>
-            </p:nvSpPr>
-            <p:spPr>
-              <a:xfrm>
-                <a:off x="2585668" y="837379"/>
-                <a:ext cx="1313728" cy="246888"/>
-              </a:xfrm>
-              <a:prstGeom prst="rect">
-                <a:avLst/>
-              </a:prstGeom>
-              <a:solidFill>
-                <a:schemeClr val="bg1"/>
-              </a:solidFill>
-              <a:ln w="38100">
-                <a:solidFill>
-                  <a:schemeClr val="tx1"/>
-                </a:solidFill>
-              </a:ln>
-            </p:spPr>
-            <p:style>
-              <a:lnRef idx="2">
-                <a:schemeClr val="accent1">
-                  <a:shade val="50000"/>
-                </a:schemeClr>
-              </a:lnRef>
-              <a:fillRef idx="1">
-                <a:schemeClr val="accent1"/>
-              </a:fillRef>
-              <a:effectRef idx="0">
-                <a:schemeClr val="accent1"/>
-              </a:effectRef>
-              <a:fontRef idx="minor">
-                <a:schemeClr val="lt1"/>
-              </a:fontRef>
-            </p:style>
-            <p:txBody>
-              <a:bodyPr rot="0" spcFirstLastPara="0" vertOverflow="overflow" horzOverflow="overflow" vert="horz" wrap="square" lIns="91440" tIns="45720" rIns="91440" bIns="45720" numCol="1" spcCol="0" rtlCol="0" fromWordArt="0" anchor="ctr" anchorCtr="0" forceAA="0" compatLnSpc="1">
-                <a:prstTxWarp prst="textNoShape">
-                  <a:avLst/>
-                </a:prstTxWarp>
-                <a:noAutofit/>
-              </a:bodyPr>
-              <a:lstStyle/>
-              <a:p>
-                <a:pPr algn="ctr"/>
-                <a:r>
-                  <a:rPr lang="en-US" sz="1200" b="1" dirty="0">
-                    <a:solidFill>
-                      <a:schemeClr val="tx1"/>
-                    </a:solidFill>
-                  </a:rPr>
-                  <a:t>Avg. Score: avg_contrib_kpa_3</a:t>
-                </a:r>
-                <a:endParaRPr lang="en-US" sz="1200" b="1" dirty="0">
-                  <a:solidFill>
-                    <a:schemeClr val="tx1"/>
-                  </a:solidFill>
-                </a:endParaRPr>
-              </a:p>
-            </p:txBody>
-          </p:sp>
-          <p:sp>
-            <p:nvSpPr>
-              <p:cNvPr id="56" name="Rectangle 55"/>
-              <p:cNvSpPr/>
-              <p:nvPr/>
-            </p:nvSpPr>
-            <p:spPr>
-              <a:xfrm>
-                <a:off x="13196" y="2254468"/>
-                <a:ext cx="1271943" cy="2780449"/>
-              </a:xfrm>
-              <a:prstGeom prst="rect">
-                <a:avLst/>
-              </a:prstGeom>
-              <a:solidFill>
-                <a:schemeClr val="bg1"/>
-              </a:solidFill>
-              <a:ln w="15875">
-                <a:solidFill>
-                  <a:schemeClr val="tx1"/>
-                </a:solidFill>
-              </a:ln>
-            </p:spPr>
-            <p:style>
-              <a:lnRef idx="2">
-                <a:schemeClr val="accent1">
-                  <a:shade val="50000"/>
-                </a:schemeClr>
-              </a:lnRef>
-              <a:fillRef idx="1">
-                <a:schemeClr val="accent1"/>
-              </a:fillRef>
-              <a:effectRef idx="0">
-                <a:schemeClr val="accent1"/>
-              </a:effectRef>
-              <a:fontRef idx="minor">
-                <a:schemeClr val="lt1"/>
-              </a:fontRef>
-            </p:style>
-            <p:txBody>
-              <a:bodyPr rot="0" spcFirstLastPara="0" vertOverflow="overflow" horzOverflow="overflow" vert="horz" wrap="square" lIns="91440" tIns="45720" rIns="91440" bIns="45720" numCol="1" spcCol="0" rtlCol="0" fromWordArt="0" anchor="ctr" anchorCtr="0" forceAA="0" compatLnSpc="1">
-                <a:prstTxWarp prst="textNoShape">
-                  <a:avLst/>
-                </a:prstTxWarp>
-                <a:noAutofit/>
-              </a:bodyPr>
-              <a:lstStyle/>
-              <a:p>
-                <a:pPr>
-                  <a:spcBef>
-                    <a:spcPts val="10"/>
-                  </a:spcBef>
-                </a:pPr>
-                <a:r>
-                  <a:rPr lang="en-US" sz="1200" b="1" dirty="0">
-                    <a:solidFill>
-                      <a:schemeClr val="tx1"/>
-                    </a:solidFill>
-                  </a:rPr>
-                  <a:t>Cycles: avg_num_cycles_1</a:t>
-                </a:r>
-              </a:p>
-              <a:p>
-                <a:pPr>
-                  <a:spcBef>
-                    <a:spcPts val="10"/>
-                  </a:spcBef>
-                </a:pPr>
-                <a:endParaRPr lang="en-US" sz="1200" b="1" dirty="0">
-                  <a:solidFill>
-                    <a:schemeClr val="tx1"/>
-                  </a:solidFill>
-                </a:endParaRPr>
-              </a:p>
-              <a:p>
-                <a:pPr>
-                  <a:spcBef>
-                    <a:spcPts val="10"/>
-                  </a:spcBef>
-                </a:pPr>
-                <a:r>
-                  <a:rPr lang="en-US" sz="1200" b="1" dirty="0">
-                    <a:solidFill>
-                      <a:schemeClr val="tx1"/>
-                    </a:solidFill>
-                  </a:rPr>
-                  <a:t>High Goals: avg_tele_high_made_1/avg_tele_high_attempts_1</a:t>
-                </a:r>
-              </a:p>
-              <a:p>
-                <a:pPr>
-                  <a:spcBef>
-                    <a:spcPts val="10"/>
-                  </a:spcBef>
-                </a:pPr>
-                <a:r>
-                  <a:rPr lang="en-US" sz="1200" b="1" dirty="0">
-                    <a:solidFill>
-                      <a:schemeClr val="tx1"/>
-                    </a:solidFill>
-                  </a:rPr>
-                  <a:t>Low Goals: avg_tele_low_made_1/avg_tele_low_attempts_1</a:t>
-                </a:r>
-              </a:p>
-              <a:p>
-                <a:pPr>
-                  <a:spcBef>
-                    <a:spcPts val="10"/>
-                  </a:spcBef>
-                </a:pPr>
-                <a:r>
-                  <a:rPr lang="en-US" sz="1200" b="1" dirty="0">
-                    <a:solidFill>
-                      <a:schemeClr val="tx1"/>
-                    </a:solidFill>
-                  </a:rPr>
-                  <a:t>Gears Scored: avg_tele_gears_scored_1/avg_tele_gears_attempts_1</a:t>
-                </a:r>
-              </a:p>
-              <a:p>
-                <a:pPr>
-                  <a:spcBef>
-                    <a:spcPts val="10"/>
-                  </a:spcBef>
-                </a:pPr>
-                <a:r>
-                  <a:rPr lang="en-US" sz="1200" b="1" dirty="0">
-                    <a:solidFill>
-                      <a:schemeClr val="tx1"/>
-                    </a:solidFill>
-                  </a:rPr>
-                  <a:t>Gears Dropped: avg_tele_gears_dropped_1</a:t>
-                </a:r>
-              </a:p>
-              <a:p>
-                <a:pPr>
-                  <a:spcBef>
-                    <a:spcPts val="10"/>
-                  </a:spcBef>
-                </a:pPr>
-                <a:endParaRPr lang="en-US" sz="1200" b="1" dirty="0">
-                  <a:solidFill>
-                    <a:schemeClr val="tx1"/>
-                  </a:solidFill>
-                </a:endParaRPr>
-              </a:p>
-              <a:p>
-                <a:pPr>
-                  <a:spcBef>
-                    <a:spcPts val="10"/>
-                  </a:spcBef>
-                </a:pPr>
-                <a:r>
-                  <a:rPr lang="en-US" sz="1200" b="1" dirty="0">
-                    <a:solidFill>
-                      <a:schemeClr val="tx1"/>
-                    </a:solidFill>
-                  </a:rPr>
-                  <a:t>Floor Ball Intake: avg_tele_floor_ball_intake_1</a:t>
-                </a:r>
-              </a:p>
-              <a:p>
-                <a:pPr>
-                  <a:spcBef>
-                    <a:spcPts val="10"/>
-                  </a:spcBef>
-                </a:pPr>
-                <a:r>
-                  <a:rPr lang="en-US" sz="1200" b="1" dirty="0">
-                    <a:solidFill>
-                      <a:schemeClr val="tx1"/>
-                    </a:solidFill>
-                  </a:rPr>
-                  <a:t>Hopper Ball Intake: avg_tele_hopper_intake_1</a:t>
-                </a:r>
-              </a:p>
-              <a:p>
-                <a:pPr>
-                  <a:spcBef>
-                    <a:spcPts val="10"/>
-                  </a:spcBef>
-                </a:pPr>
-                <a:r>
-                  <a:rPr lang="en-US" sz="1200" b="1" dirty="0">
-                    <a:solidFill>
-                      <a:schemeClr val="tx1"/>
-                    </a:solidFill>
-                  </a:rPr>
-                  <a:t>HP Ball Intake: avg_hp_ball_intake_1</a:t>
-                </a:r>
-              </a:p>
-              <a:p>
-                <a:pPr>
-                  <a:spcBef>
-                    <a:spcPts val="10"/>
-                  </a:spcBef>
-                </a:pPr>
-                <a:r>
-                  <a:rPr lang="en-US" sz="1200" b="1" dirty="0">
-                    <a:solidFill>
-                      <a:schemeClr val="tx1"/>
-                    </a:solidFill>
-                  </a:rPr>
-                  <a:t>Floor Gear Intake: avg_tele_floor_gear_intake_1</a:t>
-                </a:r>
-              </a:p>
-              <a:p>
-                <a:pPr>
-                  <a:spcBef>
-                    <a:spcPts val="10"/>
-                  </a:spcBef>
-                </a:pPr>
-                <a:r>
-                  <a:rPr lang="en-US" sz="1200" b="1" dirty="0">
-                    <a:solidFill>
-                      <a:schemeClr val="tx1"/>
-                    </a:solidFill>
-                  </a:rPr>
-                  <a:t>HP Gear Intake: avg_hp_gear_intake_1</a:t>
-                </a:r>
-              </a:p>
-              <a:p>
-                <a:pPr>
-                  <a:spcBef>
-                    <a:spcPts val="10"/>
-                  </a:spcBef>
-                </a:pPr>
-                <a:endParaRPr lang="en-US" sz="1200" b="1" dirty="0">
-                  <a:solidFill>
-                    <a:schemeClr val="tx1"/>
-                  </a:solidFill>
-                </a:endParaRPr>
-              </a:p>
-              <a:p>
-                <a:pPr>
-                  <a:spcBef>
-                    <a:spcPts val="10"/>
-                  </a:spcBef>
-                </a:pPr>
-                <a:r>
-                  <a:rPr lang="en-US" sz="1200" b="1" dirty="0">
-                    <a:solidFill>
-                      <a:schemeClr val="tx1"/>
-                    </a:solidFill>
-                  </a:rPr>
-                  <a:t>Climb: tot_climb_1/tot_climb_attempts_1</a:t>
-                </a:r>
-              </a:p>
-              <a:p>
-                <a:pPr>
-                  <a:spcBef>
-                    <a:spcPts val="10"/>
-                  </a:spcBef>
-                </a:pPr>
-                <a:r>
-                  <a:rPr lang="en-US" sz="1200" b="1" dirty="0">
-                    <a:solidFill>
-                      <a:schemeClr val="tx1"/>
-                    </a:solidFill>
-                  </a:rPr>
-                  <a:t>KO: avg_tele_gear_knockouts_1</a:t>
-                </a:r>
-              </a:p>
-            </p:txBody>
-          </p:sp>
-          <p:sp>
-            <p:nvSpPr>
-              <p:cNvPr id="57" name="Rectangle 56"/>
-              <p:cNvSpPr/>
-              <p:nvPr/>
-            </p:nvSpPr>
-            <p:spPr>
-              <a:xfrm>
-                <a:off x="1287340" y="590491"/>
-                <a:ext cx="1298331" cy="246888"/>
-              </a:xfrm>
-              <a:prstGeom prst="rect">
-                <a:avLst/>
-              </a:prstGeom>
-              <a:solidFill>
-                <a:schemeClr val="bg1"/>
-              </a:solidFill>
-              <a:ln w="38100">
-                <a:solidFill>
-                  <a:schemeClr val="tx1"/>
-                </a:solidFill>
-              </a:ln>
-            </p:spPr>
-            <p:style>
-              <a:lnRef idx="2">
-                <a:schemeClr val="accent1">
-                  <a:shade val="50000"/>
-                </a:schemeClr>
-              </a:lnRef>
-              <a:fillRef idx="1">
-                <a:schemeClr val="accent1"/>
-              </a:fillRef>
-              <a:effectRef idx="0">
-                <a:schemeClr val="accent1"/>
-              </a:effectRef>
-              <a:fontRef idx="minor">
-                <a:schemeClr val="lt1"/>
-              </a:fontRef>
-            </p:style>
-            <p:txBody>
-              <a:bodyPr rot="0" spcFirstLastPara="0" vertOverflow="overflow" horzOverflow="overflow" vert="horz" wrap="square" lIns="91440" tIns="45720" rIns="91440" bIns="45720" numCol="1" spcCol="0" rtlCol="0" fromWordArt="0" anchor="ctr" anchorCtr="0" forceAA="0" compatLnSpc="1">
-                <a:prstTxWarp prst="textNoShape">
-                  <a:avLst/>
-                </a:prstTxWarp>
-                <a:noAutofit/>
-              </a:bodyPr>
-              <a:lstStyle/>
-              <a:p>
-                <a:pPr algn="ctr"/>
-                <a:r>
-                  <a:rPr lang="en-US" sz="1200" b="1" dirty="0">
-                    <a:solidFill>
-                      <a:schemeClr val="tx1"/>
-                    </a:solidFill>
-                  </a:rPr>
-                  <a:t>Team #: team_num_2</a:t>
-                </a:r>
-              </a:p>
-            </p:txBody>
-          </p:sp>
-          <p:sp>
-            <p:nvSpPr>
-              <p:cNvPr id="58" name="Rectangle 57"/>
-              <p:cNvSpPr/>
-              <p:nvPr/>
-            </p:nvSpPr>
-            <p:spPr>
-              <a:xfrm>
-                <a:off x="2585671" y="590491"/>
+                <a:off x="3242532" y="5372872"/>
                 <a:ext cx="1307129" cy="246888"/>
               </a:xfrm>
               <a:prstGeom prst="rect">
@@ -7541,2250 +9993,35 @@
                       <a:schemeClr val="tx1"/>
                     </a:solidFill>
                   </a:rPr>
-                  <a:t>Team #: team_num_3</a:t>
-                </a:r>
-              </a:p>
-            </p:txBody>
-          </p:sp>
-          <p:sp>
-            <p:nvSpPr>
-              <p:cNvPr id="59" name="Rectangle 58"/>
-              <p:cNvSpPr/>
-              <p:nvPr/>
-            </p:nvSpPr>
-            <p:spPr>
-              <a:xfrm>
-                <a:off x="13195" y="1096621"/>
-                <a:ext cx="3870807" cy="144651"/>
-              </a:xfrm>
-              <a:prstGeom prst="rect">
-                <a:avLst/>
-              </a:prstGeom>
-              <a:solidFill>
-                <a:schemeClr val="bg1">
-                  <a:lumMod val="85000"/>
-                </a:schemeClr>
-              </a:solidFill>
-              <a:ln w="15875">
-                <a:solidFill>
-                  <a:schemeClr val="tx1"/>
-                </a:solidFill>
-              </a:ln>
-            </p:spPr>
-            <p:style>
-              <a:lnRef idx="2">
-                <a:schemeClr val="accent1">
-                  <a:shade val="50000"/>
-                </a:schemeClr>
-              </a:lnRef>
-              <a:fillRef idx="1">
-                <a:schemeClr val="accent1"/>
-              </a:fillRef>
-              <a:effectRef idx="0">
-                <a:schemeClr val="accent1"/>
-              </a:effectRef>
-              <a:fontRef idx="minor">
-                <a:schemeClr val="lt1"/>
-              </a:fontRef>
-            </p:style>
-            <p:txBody>
-              <a:bodyPr rot="0" spcFirstLastPara="0" vertOverflow="overflow" horzOverflow="overflow" vert="horz" wrap="square" lIns="91440" tIns="45720" rIns="91440" bIns="45720" numCol="1" spcCol="0" rtlCol="0" fromWordArt="0" anchor="ctr" anchorCtr="0" forceAA="0" compatLnSpc="1">
-                <a:prstTxWarp prst="textNoShape">
-                  <a:avLst/>
-                </a:prstTxWarp>
-                <a:noAutofit/>
-              </a:bodyPr>
-              <a:lstStyle/>
-              <a:p>
-                <a:pPr algn="ctr"/>
-                <a:r>
-                  <a:rPr lang="en-US" sz="1000" b="1" dirty="0">
-                    <a:solidFill>
-                      <a:schemeClr val="tx1"/>
-                    </a:solidFill>
-                  </a:rPr>
-                  <a:t>Autonomous Data</a:t>
-                </a:r>
-              </a:p>
-            </p:txBody>
-          </p:sp>
-          <p:sp>
-            <p:nvSpPr>
-              <p:cNvPr id="60" name="Rectangle 59"/>
-              <p:cNvSpPr/>
-              <p:nvPr/>
-            </p:nvSpPr>
-            <p:spPr>
-              <a:xfrm>
-                <a:off x="1282940" y="1241269"/>
-                <a:ext cx="1269745" cy="985282"/>
-              </a:xfrm>
-              <a:prstGeom prst="rect">
-                <a:avLst/>
-              </a:prstGeom>
-              <a:solidFill>
-                <a:schemeClr val="bg1"/>
-              </a:solidFill>
-              <a:ln w="15875">
-                <a:solidFill>
-                  <a:schemeClr val="tx1"/>
-                </a:solidFill>
-              </a:ln>
-            </p:spPr>
-            <p:style>
-              <a:lnRef idx="2">
-                <a:schemeClr val="accent1">
-                  <a:shade val="50000"/>
-                </a:schemeClr>
-              </a:lnRef>
-              <a:fillRef idx="1">
-                <a:schemeClr val="accent1"/>
-              </a:fillRef>
-              <a:effectRef idx="0">
-                <a:schemeClr val="accent1"/>
-              </a:effectRef>
-              <a:fontRef idx="minor">
-                <a:schemeClr val="lt1"/>
-              </a:fontRef>
-            </p:style>
-            <p:txBody>
-              <a:bodyPr rot="0" spcFirstLastPara="0" vertOverflow="overflow" horzOverflow="overflow" vert="horz" wrap="square" lIns="91440" tIns="45720" rIns="91440" bIns="45720" numCol="1" spcCol="0" rtlCol="0" fromWordArt="0" anchor="ctr" anchorCtr="0" forceAA="0" compatLnSpc="1">
-                <a:prstTxWarp prst="textNoShape">
-                  <a:avLst/>
-                </a:prstTxWarp>
-                <a:noAutofit/>
-              </a:bodyPr>
-              <a:lstStyle/>
-              <a:p>
-                <a:r>
-                  <a:rPr lang="en-US" sz="1200" b="1" dirty="0">
-                    <a:solidFill>
-                      <a:schemeClr val="tx1"/>
-                    </a:solidFill>
-                  </a:rPr>
-                  <a:t>Baseline: tot_baseline_cross_2</a:t>
-                </a:r>
-              </a:p>
-              <a:p>
-                <a:r>
-                  <a:rPr lang="en-US" sz="1200" b="1" dirty="0">
-                    <a:solidFill>
-                      <a:schemeClr val="tx1"/>
-                    </a:solidFill>
-                  </a:rPr>
-                  <a:t>High Goals: avg_auto_high_made_2/avg_auto_high_attempts_2</a:t>
-                </a:r>
-              </a:p>
-              <a:p>
-                <a:r>
-                  <a:rPr lang="en-US" sz="1200" b="1" dirty="0">
-                    <a:solidFill>
-                      <a:schemeClr val="tx1"/>
-                    </a:solidFill>
-                  </a:rPr>
-                  <a:t>Low Goals: avg_auto_low_made_2/avg_auto_low_attempts_2</a:t>
-                </a:r>
-              </a:p>
-              <a:p>
-                <a:r>
-                  <a:rPr lang="en-US" sz="1200" b="1" dirty="0">
-                    <a:solidFill>
-                      <a:schemeClr val="tx1"/>
-                    </a:solidFill>
-                  </a:rPr>
-                  <a:t>Hopper Intake: avg_auto_hopper_intake_2</a:t>
-                </a:r>
-              </a:p>
-              <a:p>
-                <a:r>
-                  <a:rPr lang="en-US" sz="1200" b="1" dirty="0">
-                    <a:solidFill>
-                      <a:schemeClr val="tx1"/>
-                    </a:solidFill>
-                  </a:rPr>
-                  <a:t>Floor Gear Intake: avg_auto_floor_gear_intake_2</a:t>
-                </a:r>
-              </a:p>
-              <a:p>
-                <a:r>
-                  <a:rPr lang="en-US" sz="1200" b="1" dirty="0">
-                    <a:solidFill>
-                      <a:schemeClr val="tx1"/>
-                    </a:solidFill>
-                  </a:rPr>
-                  <a:t>Floor Ball intake: avg_auto_floor_ball_intake_2</a:t>
-                </a:r>
-              </a:p>
-              <a:p>
-                <a:r>
-                  <a:rPr lang="en-US" sz="1200" b="1" dirty="0">
-                    <a:solidFill>
-                      <a:schemeClr val="tx1"/>
-                    </a:solidFill>
-                  </a:rPr>
-                  <a:t>Gears Scored: avg_auto_gears_scored_2</a:t>
-                </a:r>
-              </a:p>
-            </p:txBody>
-          </p:sp>
-          <p:sp>
-            <p:nvSpPr>
-              <p:cNvPr id="61" name="Rectangle 60"/>
-              <p:cNvSpPr/>
-              <p:nvPr/>
-            </p:nvSpPr>
-            <p:spPr>
-              <a:xfrm>
-                <a:off x="1286417" y="2254467"/>
-                <a:ext cx="1271943" cy="2780449"/>
-              </a:xfrm>
-              <a:prstGeom prst="rect">
-                <a:avLst/>
-              </a:prstGeom>
-              <a:solidFill>
-                <a:schemeClr val="bg1"/>
-              </a:solidFill>
-              <a:ln w="15875">
-                <a:solidFill>
-                  <a:schemeClr val="tx1"/>
-                </a:solidFill>
-              </a:ln>
-            </p:spPr>
-            <p:style>
-              <a:lnRef idx="2">
-                <a:schemeClr val="accent1">
-                  <a:shade val="50000"/>
-                </a:schemeClr>
-              </a:lnRef>
-              <a:fillRef idx="1">
-                <a:schemeClr val="accent1"/>
-              </a:fillRef>
-              <a:effectRef idx="0">
-                <a:schemeClr val="accent1"/>
-              </a:effectRef>
-              <a:fontRef idx="minor">
-                <a:schemeClr val="lt1"/>
-              </a:fontRef>
-            </p:style>
-            <p:txBody>
-              <a:bodyPr rot="0" spcFirstLastPara="0" vertOverflow="overflow" horzOverflow="overflow" vert="horz" wrap="square" lIns="91440" tIns="45720" rIns="91440" bIns="45720" numCol="1" spcCol="0" rtlCol="0" fromWordArt="0" anchor="ctr" anchorCtr="0" forceAA="0" compatLnSpc="1">
-                <a:prstTxWarp prst="textNoShape">
-                  <a:avLst/>
-                </a:prstTxWarp>
-                <a:noAutofit/>
-              </a:bodyPr>
-              <a:lstStyle/>
-              <a:p>
-                <a:r>
-                  <a:rPr lang="en-US" sz="1200" b="1" dirty="0">
-                    <a:solidFill>
-                      <a:schemeClr val="tx1"/>
-                    </a:solidFill>
-                  </a:rPr>
-                  <a:t>Cycles: avg_num_cycles_2</a:t>
-                </a:r>
-              </a:p>
-              <a:p>
+                  <a:t>Match #: </a:t>
+                </a:r>
+                <a:r>
+                  <a:rPr lang="en-US" sz="1200" b="1" dirty="0" err="1">
+                    <a:solidFill>
+                      <a:schemeClr val="tx1"/>
+                    </a:solidFill>
+                  </a:rPr>
+                  <a:t>match_num</a:t>
+                </a:r>
                 <a:endParaRPr lang="en-US" sz="1200" b="1" dirty="0">
                   <a:solidFill>
                     <a:schemeClr val="tx1"/>
                   </a:solidFill>
                 </a:endParaRPr>
               </a:p>
-              <a:p>
-                <a:r>
-                  <a:rPr lang="en-US" sz="1200" b="1" dirty="0">
-                    <a:solidFill>
-                      <a:schemeClr val="tx1"/>
-                    </a:solidFill>
-                  </a:rPr>
-                  <a:t>High Goals: avg_tele_high_made_2/avg_tele_high_attempts_2</a:t>
-                </a:r>
-              </a:p>
-              <a:p>
-                <a:r>
-                  <a:rPr lang="en-US" sz="1200" b="1" dirty="0">
-                    <a:solidFill>
-                      <a:schemeClr val="tx1"/>
-                    </a:solidFill>
-                  </a:rPr>
-                  <a:t>Low Goals: avg_tele_low_made_2/avg_tele_low_attempts_2</a:t>
-                </a:r>
-              </a:p>
-              <a:p>
-                <a:r>
-                  <a:rPr lang="en-US" sz="1200" b="1" dirty="0">
-                    <a:solidFill>
-                      <a:schemeClr val="tx1"/>
-                    </a:solidFill>
-                  </a:rPr>
-                  <a:t>Gears Scored: avg_tele_gears_scored_2/avg_tele_gears_attempts_2</a:t>
-                </a:r>
-              </a:p>
-              <a:p>
-                <a:r>
-                  <a:rPr lang="en-US" sz="1200" b="1" dirty="0">
-                    <a:solidFill>
-                      <a:schemeClr val="tx1"/>
-                    </a:solidFill>
-                  </a:rPr>
-                  <a:t>Gears Dropped: avg_tele_gears_dropped_2</a:t>
-                </a:r>
-              </a:p>
-              <a:p>
-                <a:endParaRPr lang="en-US" sz="1200" b="1" dirty="0">
-                  <a:solidFill>
-                    <a:schemeClr val="tx1"/>
-                  </a:solidFill>
-                </a:endParaRPr>
-              </a:p>
-              <a:p>
-                <a:r>
-                  <a:rPr lang="en-US" sz="1200" b="1" dirty="0">
-                    <a:solidFill>
-                      <a:schemeClr val="tx1"/>
-                    </a:solidFill>
-                  </a:rPr>
-                  <a:t>Floor Ball Intake: avg_tele_floor_ball_intake_2</a:t>
-                </a:r>
-              </a:p>
-              <a:p>
-                <a:r>
-                  <a:rPr lang="en-US" sz="1200" b="1" dirty="0">
-                    <a:solidFill>
-                      <a:schemeClr val="tx1"/>
-                    </a:solidFill>
-                  </a:rPr>
-                  <a:t>Hopper Ball Intake: avg_tele_hopper_intake_2</a:t>
-                </a:r>
-              </a:p>
-              <a:p>
-                <a:r>
-                  <a:rPr lang="en-US" sz="1200" b="1" dirty="0">
-                    <a:solidFill>
-                      <a:schemeClr val="tx1"/>
-                    </a:solidFill>
-                  </a:rPr>
-                  <a:t>HP Ball Intake: avg_hp_ball_intake_2</a:t>
-                </a:r>
-              </a:p>
-              <a:p>
-                <a:r>
-                  <a:rPr lang="en-US" sz="1200" b="1" dirty="0">
-                    <a:solidFill>
-                      <a:schemeClr val="tx1"/>
-                    </a:solidFill>
-                  </a:rPr>
-                  <a:t>Floor Gear Intake: avg_tele_floor_gear_intake_2</a:t>
-                </a:r>
-              </a:p>
-              <a:p>
-                <a:r>
-                  <a:rPr lang="en-US" sz="1200" b="1" dirty="0">
-                    <a:solidFill>
-                      <a:schemeClr val="tx1"/>
-                    </a:solidFill>
-                  </a:rPr>
-                  <a:t>HP Gear Intake: avg_hp_gear_intake_2</a:t>
-                </a:r>
-              </a:p>
-              <a:p>
-                <a:endParaRPr lang="en-US" sz="1200" b="1" dirty="0">
-                  <a:solidFill>
-                    <a:schemeClr val="tx1"/>
-                  </a:solidFill>
-                </a:endParaRPr>
-              </a:p>
-              <a:p>
-                <a:r>
-                  <a:rPr lang="en-US" sz="1200" b="1" dirty="0">
-                    <a:solidFill>
-                      <a:schemeClr val="tx1"/>
-                    </a:solidFill>
-                  </a:rPr>
-                  <a:t>Climb: tot_climb_2/tot_climb_attempts_2</a:t>
-                </a:r>
-              </a:p>
-              <a:p>
-                <a:r>
-                  <a:rPr lang="en-US" sz="1200" b="1" dirty="0">
-                    <a:solidFill>
-                      <a:schemeClr val="tx1"/>
-                    </a:solidFill>
-                  </a:rPr>
-                  <a:t>KO: avg_tele_gear_knockouts_2</a:t>
-                </a:r>
-              </a:p>
-            </p:txBody>
-          </p:sp>
-          <p:sp>
-            <p:nvSpPr>
-              <p:cNvPr id="62" name="Rectangle 61"/>
-              <p:cNvSpPr/>
-              <p:nvPr/>
-            </p:nvSpPr>
-            <p:spPr>
-              <a:xfrm>
-                <a:off x="2552685" y="1241541"/>
-                <a:ext cx="1328019" cy="984965"/>
-              </a:xfrm>
-              <a:prstGeom prst="rect">
-                <a:avLst/>
-              </a:prstGeom>
-              <a:solidFill>
-                <a:schemeClr val="bg1"/>
-              </a:solidFill>
-              <a:ln w="15875">
-                <a:solidFill>
-                  <a:schemeClr val="tx1"/>
-                </a:solidFill>
-              </a:ln>
-            </p:spPr>
-            <p:style>
-              <a:lnRef idx="2">
-                <a:schemeClr val="accent1">
-                  <a:shade val="50000"/>
-                </a:schemeClr>
-              </a:lnRef>
-              <a:fillRef idx="1">
-                <a:schemeClr val="accent1"/>
-              </a:fillRef>
-              <a:effectRef idx="0">
-                <a:schemeClr val="accent1"/>
-              </a:effectRef>
-              <a:fontRef idx="minor">
-                <a:schemeClr val="lt1"/>
-              </a:fontRef>
-            </p:style>
-            <p:txBody>
-              <a:bodyPr rot="0" spcFirstLastPara="0" vertOverflow="overflow" horzOverflow="overflow" vert="horz" wrap="square" lIns="91440" tIns="45720" rIns="91440" bIns="45720" numCol="1" spcCol="0" rtlCol="0" fromWordArt="0" anchor="ctr" anchorCtr="0" forceAA="0" compatLnSpc="1">
-                <a:prstTxWarp prst="textNoShape">
-                  <a:avLst/>
-                </a:prstTxWarp>
-                <a:noAutofit/>
-              </a:bodyPr>
-              <a:lstStyle/>
-              <a:p>
-                <a:r>
-                  <a:rPr lang="en-US" sz="1200" b="1" dirty="0">
-                    <a:solidFill>
-                      <a:schemeClr val="tx1"/>
-                    </a:solidFill>
-                  </a:rPr>
-                  <a:t>Baseline: tot_baseline_cross_3</a:t>
-                </a:r>
-              </a:p>
-              <a:p>
-                <a:r>
-                  <a:rPr lang="en-US" sz="1200" b="1" dirty="0">
-                    <a:solidFill>
-                      <a:schemeClr val="tx1"/>
-                    </a:solidFill>
-                  </a:rPr>
-                  <a:t>High Goals: avg_auto_high_made_3/avg_auto_high_attempts_3</a:t>
-                </a:r>
-              </a:p>
-              <a:p>
-                <a:r>
-                  <a:rPr lang="en-US" sz="1200" b="1" dirty="0">
-                    <a:solidFill>
-                      <a:schemeClr val="tx1"/>
-                    </a:solidFill>
-                  </a:rPr>
-                  <a:t>Low Goals: avg_auto_low_made_3/avg_auto_low_attempts_3</a:t>
-                </a:r>
-              </a:p>
-              <a:p>
-                <a:r>
-                  <a:rPr lang="en-US" sz="1200" b="1" dirty="0">
-                    <a:solidFill>
-                      <a:schemeClr val="tx1"/>
-                    </a:solidFill>
-                  </a:rPr>
-                  <a:t>Hopper Intake: avg_auto_hopper_intake_3</a:t>
-                </a:r>
-              </a:p>
-              <a:p>
-                <a:r>
-                  <a:rPr lang="en-US" sz="1200" b="1" dirty="0">
-                    <a:solidFill>
-                      <a:schemeClr val="tx1"/>
-                    </a:solidFill>
-                  </a:rPr>
-                  <a:t>Floor Gear Intake: avg_auto_floor_gear_intake_3</a:t>
-                </a:r>
-              </a:p>
-              <a:p>
-                <a:r>
-                  <a:rPr lang="en-US" sz="1200" b="1" dirty="0">
-                    <a:solidFill>
-                      <a:schemeClr val="tx1"/>
-                    </a:solidFill>
-                  </a:rPr>
-                  <a:t>Floor Ball intake: avg_auto_floor_ball_intake_3</a:t>
-                </a:r>
-              </a:p>
-              <a:p>
-                <a:r>
-                  <a:rPr lang="en-US" sz="1200" b="1" dirty="0">
-                    <a:solidFill>
-                      <a:schemeClr val="tx1"/>
-                    </a:solidFill>
-                  </a:rPr>
-                  <a:t>Gears Scored: avg_auto_gears_scored_3</a:t>
-                </a:r>
-              </a:p>
-            </p:txBody>
-          </p:sp>
-          <p:sp>
-            <p:nvSpPr>
-              <p:cNvPr id="63" name="Rectangle 62"/>
-              <p:cNvSpPr/>
-              <p:nvPr/>
-            </p:nvSpPr>
-            <p:spPr>
-              <a:xfrm>
-                <a:off x="2552685" y="2254467"/>
-                <a:ext cx="1328019" cy="2780449"/>
-              </a:xfrm>
-              <a:prstGeom prst="rect">
-                <a:avLst/>
-              </a:prstGeom>
-              <a:solidFill>
-                <a:schemeClr val="bg1"/>
-              </a:solidFill>
-              <a:ln w="15875">
-                <a:solidFill>
-                  <a:schemeClr val="tx1"/>
-                </a:solidFill>
-              </a:ln>
-            </p:spPr>
-            <p:style>
-              <a:lnRef idx="2">
-                <a:schemeClr val="accent1">
-                  <a:shade val="50000"/>
-                </a:schemeClr>
-              </a:lnRef>
-              <a:fillRef idx="1">
-                <a:schemeClr val="accent1"/>
-              </a:fillRef>
-              <a:effectRef idx="0">
-                <a:schemeClr val="accent1"/>
-              </a:effectRef>
-              <a:fontRef idx="minor">
-                <a:schemeClr val="lt1"/>
-              </a:fontRef>
-            </p:style>
-            <p:txBody>
-              <a:bodyPr rot="0" spcFirstLastPara="0" vertOverflow="overflow" horzOverflow="overflow" vert="horz" wrap="square" lIns="91440" tIns="45720" rIns="91440" bIns="45720" numCol="1" spcCol="0" rtlCol="0" fromWordArt="0" anchor="ctr" anchorCtr="0" forceAA="0" compatLnSpc="1">
-                <a:prstTxWarp prst="textNoShape">
-                  <a:avLst/>
-                </a:prstTxWarp>
-                <a:noAutofit/>
-              </a:bodyPr>
-              <a:lstStyle/>
-              <a:p>
-                <a:r>
-                  <a:rPr lang="en-US" sz="1200" b="1" dirty="0">
-                    <a:solidFill>
-                      <a:schemeClr val="tx1"/>
-                    </a:solidFill>
-                  </a:rPr>
-                  <a:t>Cycles: avg_num_cycles_3</a:t>
-                </a:r>
-              </a:p>
-              <a:p>
-                <a:endParaRPr lang="en-US" sz="1200" b="1" dirty="0">
-                  <a:solidFill>
-                    <a:schemeClr val="tx1"/>
-                  </a:solidFill>
-                </a:endParaRPr>
-              </a:p>
-              <a:p>
-                <a:r>
-                  <a:rPr lang="en-US" sz="1200" b="1" dirty="0">
-                    <a:solidFill>
-                      <a:schemeClr val="tx1"/>
-                    </a:solidFill>
-                  </a:rPr>
-                  <a:t>High Goals: avg_tele_high_made_3/avg_tele_high_attempts_3</a:t>
-                </a:r>
-              </a:p>
-              <a:p>
-                <a:r>
-                  <a:rPr lang="en-US" sz="1200" b="1" dirty="0">
-                    <a:solidFill>
-                      <a:schemeClr val="tx1"/>
-                    </a:solidFill>
-                  </a:rPr>
-                  <a:t>Low Goals: avg_tele_low_made_3/avg_tele_low_attempts_3</a:t>
-                </a:r>
-              </a:p>
-              <a:p>
-                <a:r>
-                  <a:rPr lang="en-US" sz="1200" b="1" dirty="0">
-                    <a:solidFill>
-                      <a:schemeClr val="tx1"/>
-                    </a:solidFill>
-                  </a:rPr>
-                  <a:t>Gears Scored: avg_tele_gears_scored_3/avg_tele_gears_attempts_3</a:t>
-                </a:r>
-              </a:p>
-              <a:p>
-                <a:r>
-                  <a:rPr lang="en-US" sz="1200" b="1" dirty="0">
-                    <a:solidFill>
-                      <a:schemeClr val="tx1"/>
-                    </a:solidFill>
-                  </a:rPr>
-                  <a:t>Gears Dropped: avg_tele_gears_dropped_3</a:t>
-                </a:r>
-              </a:p>
-              <a:p>
-                <a:endParaRPr lang="en-US" sz="1200" b="1" dirty="0">
-                  <a:solidFill>
-                    <a:schemeClr val="tx1"/>
-                  </a:solidFill>
-                </a:endParaRPr>
-              </a:p>
-              <a:p>
-                <a:r>
-                  <a:rPr lang="en-US" sz="1200" b="1" dirty="0">
-                    <a:solidFill>
-                      <a:schemeClr val="tx1"/>
-                    </a:solidFill>
-                  </a:rPr>
-                  <a:t>Floor Ball Intake: avg_tele_floor_ball_intake_3</a:t>
-                </a:r>
-              </a:p>
-              <a:p>
-                <a:r>
-                  <a:rPr lang="en-US" sz="1200" b="1" dirty="0">
-                    <a:solidFill>
-                      <a:schemeClr val="tx1"/>
-                    </a:solidFill>
-                  </a:rPr>
-                  <a:t>Hopper Ball Intake: avg_tele_hopper_intake_3</a:t>
-                </a:r>
-              </a:p>
-              <a:p>
-                <a:r>
-                  <a:rPr lang="en-US" sz="1200" b="1" dirty="0">
-                    <a:solidFill>
-                      <a:schemeClr val="tx1"/>
-                    </a:solidFill>
-                  </a:rPr>
-                  <a:t>HP Ball Intake: avg_hp_ball_intake_3</a:t>
-                </a:r>
-              </a:p>
-              <a:p>
-                <a:r>
-                  <a:rPr lang="en-US" sz="1200" b="1" dirty="0">
-                    <a:solidFill>
-                      <a:schemeClr val="tx1"/>
-                    </a:solidFill>
-                  </a:rPr>
-                  <a:t>Floor Gear Intake: avg_tele_floor_gear_intake_3</a:t>
-                </a:r>
-              </a:p>
-              <a:p>
-                <a:r>
-                  <a:rPr lang="en-US" sz="1200" b="1" dirty="0">
-                    <a:solidFill>
-                      <a:schemeClr val="tx1"/>
-                    </a:solidFill>
-                  </a:rPr>
-                  <a:t>HP Gear Intake: avg_hp_gear_intake_3</a:t>
-                </a:r>
-              </a:p>
-              <a:p>
-                <a:endParaRPr lang="en-US" sz="1200" b="1" dirty="0">
-                  <a:solidFill>
-                    <a:schemeClr val="tx1"/>
-                  </a:solidFill>
-                </a:endParaRPr>
-              </a:p>
-              <a:p>
-                <a:r>
-                  <a:rPr lang="en-US" sz="1200" b="1" dirty="0">
-                    <a:solidFill>
-                      <a:schemeClr val="tx1"/>
-                    </a:solidFill>
-                  </a:rPr>
-                  <a:t>Climb: tot_climb_3/tot_climb_attempts_3</a:t>
-                </a:r>
-              </a:p>
-              <a:p>
-                <a:r>
-                  <a:rPr lang="en-US" sz="1200" b="1" dirty="0">
-                    <a:solidFill>
-                      <a:schemeClr val="tx1"/>
-                    </a:solidFill>
-                  </a:rPr>
-                  <a:t>KO: avg_tele_gear_knockouts_3</a:t>
-                </a:r>
-              </a:p>
-            </p:txBody>
-          </p:sp>
-          <p:sp>
-            <p:nvSpPr>
-              <p:cNvPr id="64" name="Rectangle 63"/>
-              <p:cNvSpPr/>
-              <p:nvPr/>
-            </p:nvSpPr>
-            <p:spPr>
-              <a:xfrm>
-                <a:off x="3896129" y="1241267"/>
-                <a:ext cx="1286208" cy="985282"/>
-              </a:xfrm>
-              <a:prstGeom prst="rect">
-                <a:avLst/>
-              </a:prstGeom>
-              <a:solidFill>
-                <a:schemeClr val="bg1"/>
-              </a:solidFill>
-              <a:ln w="15875">
-                <a:solidFill>
-                  <a:schemeClr val="tx1"/>
-                </a:solidFill>
-              </a:ln>
-            </p:spPr>
-            <p:style>
-              <a:lnRef idx="2">
-                <a:schemeClr val="accent1">
-                  <a:shade val="50000"/>
-                </a:schemeClr>
-              </a:lnRef>
-              <a:fillRef idx="1">
-                <a:schemeClr val="accent1"/>
-              </a:fillRef>
-              <a:effectRef idx="0">
-                <a:schemeClr val="accent1"/>
-              </a:effectRef>
-              <a:fontRef idx="minor">
-                <a:schemeClr val="lt1"/>
-              </a:fontRef>
-            </p:style>
-            <p:txBody>
-              <a:bodyPr rot="0" spcFirstLastPara="0" vertOverflow="overflow" horzOverflow="overflow" vert="horz" wrap="square" lIns="91440" tIns="45720" rIns="91440" bIns="45720" numCol="1" spcCol="0" rtlCol="0" fromWordArt="0" anchor="ctr" anchorCtr="0" forceAA="0" compatLnSpc="1">
-                <a:prstTxWarp prst="textNoShape">
-                  <a:avLst/>
-                </a:prstTxWarp>
-                <a:noAutofit/>
-              </a:bodyPr>
-              <a:lstStyle/>
-              <a:p>
-                <a:r>
-                  <a:rPr lang="en-US" sz="1200" b="1" dirty="0">
-                    <a:solidFill>
-                      <a:schemeClr val="tx1"/>
-                    </a:solidFill>
-                  </a:rPr>
-                  <a:t>Baseline: tot_baseline_cross_4</a:t>
-                </a:r>
-              </a:p>
-              <a:p>
-                <a:r>
-                  <a:rPr lang="en-US" sz="1200" b="1" dirty="0">
-                    <a:solidFill>
-                      <a:schemeClr val="tx1"/>
-                    </a:solidFill>
-                  </a:rPr>
-                  <a:t>High Goals: avg_auto_high_made_4/avg_auto_high_attempts_4</a:t>
-                </a:r>
-              </a:p>
-              <a:p>
-                <a:r>
-                  <a:rPr lang="en-US" sz="1200" b="1" dirty="0">
-                    <a:solidFill>
-                      <a:schemeClr val="tx1"/>
-                    </a:solidFill>
-                  </a:rPr>
-                  <a:t>Low Goals: avg_auto_low_made_4/avg_auto_low_attempts_4</a:t>
-                </a:r>
-              </a:p>
-              <a:p>
-                <a:r>
-                  <a:rPr lang="en-US" sz="1200" b="1" dirty="0">
-                    <a:solidFill>
-                      <a:schemeClr val="tx1"/>
-                    </a:solidFill>
-                  </a:rPr>
-                  <a:t>Hopper Intake: avg_auto_hopper_intake_4</a:t>
-                </a:r>
-              </a:p>
-              <a:p>
-                <a:r>
-                  <a:rPr lang="en-US" sz="1200" b="1" dirty="0">
-                    <a:solidFill>
-                      <a:schemeClr val="tx1"/>
-                    </a:solidFill>
-                  </a:rPr>
-                  <a:t>Floor Gear Intake: avg_auto_floor_gear_intake_4</a:t>
-                </a:r>
-              </a:p>
-              <a:p>
-                <a:r>
-                  <a:rPr lang="en-US" sz="1200" b="1" dirty="0">
-                    <a:solidFill>
-                      <a:schemeClr val="tx1"/>
-                    </a:solidFill>
-                  </a:rPr>
-                  <a:t>Floor Ball intake: avg_auto_floor_ball_intake_4</a:t>
-                </a:r>
-              </a:p>
-              <a:p>
-                <a:r>
-                  <a:rPr lang="en-US" sz="1200" b="1" dirty="0">
-                    <a:solidFill>
-                      <a:schemeClr val="tx1"/>
-                    </a:solidFill>
-                  </a:rPr>
-                  <a:t>Gears Scored: avg_auto_gears_scored_4</a:t>
-                </a:r>
-              </a:p>
-            </p:txBody>
-          </p:sp>
-          <p:sp>
-            <p:nvSpPr>
-              <p:cNvPr id="65" name="Rectangle 64"/>
-              <p:cNvSpPr/>
-              <p:nvPr/>
-            </p:nvSpPr>
-            <p:spPr>
-              <a:xfrm>
-                <a:off x="3905996" y="592194"/>
-                <a:ext cx="1298331" cy="246888"/>
-              </a:xfrm>
-              <a:prstGeom prst="rect">
-                <a:avLst/>
-              </a:prstGeom>
-              <a:solidFill>
-                <a:schemeClr val="bg1"/>
-              </a:solidFill>
-              <a:ln w="38100">
-                <a:solidFill>
-                  <a:schemeClr val="tx1"/>
-                </a:solidFill>
-              </a:ln>
-            </p:spPr>
-            <p:style>
-              <a:lnRef idx="2">
-                <a:schemeClr val="accent1">
-                  <a:shade val="50000"/>
-                </a:schemeClr>
-              </a:lnRef>
-              <a:fillRef idx="1">
-                <a:schemeClr val="accent1"/>
-              </a:fillRef>
-              <a:effectRef idx="0">
-                <a:schemeClr val="accent1"/>
-              </a:effectRef>
-              <a:fontRef idx="minor">
-                <a:schemeClr val="lt1"/>
-              </a:fontRef>
-            </p:style>
-            <p:txBody>
-              <a:bodyPr rot="0" spcFirstLastPara="0" vertOverflow="overflow" horzOverflow="overflow" vert="horz" wrap="square" lIns="91440" tIns="45720" rIns="91440" bIns="45720" numCol="1" spcCol="0" rtlCol="0" fromWordArt="0" anchor="ctr" anchorCtr="0" forceAA="0" compatLnSpc="1">
-                <a:prstTxWarp prst="textNoShape">
-                  <a:avLst/>
-                </a:prstTxWarp>
-                <a:noAutofit/>
-              </a:bodyPr>
-              <a:lstStyle/>
-              <a:p>
-                <a:pPr algn="ctr"/>
-                <a:r>
-                  <a:rPr lang="en-US" sz="1200" b="1" dirty="0">
-                    <a:solidFill>
-                      <a:schemeClr val="tx1"/>
-                    </a:solidFill>
-                  </a:rPr>
-                  <a:t>Team #: team_num_4</a:t>
-                </a:r>
-              </a:p>
-            </p:txBody>
-          </p:sp>
-          <p:sp>
-            <p:nvSpPr>
-              <p:cNvPr id="66" name="Rectangle 65"/>
-              <p:cNvSpPr/>
-              <p:nvPr/>
-            </p:nvSpPr>
-            <p:spPr>
-              <a:xfrm>
-                <a:off x="3905994" y="837376"/>
-                <a:ext cx="1285140" cy="246888"/>
-              </a:xfrm>
-              <a:prstGeom prst="rect">
-                <a:avLst/>
-              </a:prstGeom>
-              <a:solidFill>
-                <a:schemeClr val="bg1"/>
-              </a:solidFill>
-              <a:ln w="38100">
-                <a:solidFill>
-                  <a:schemeClr val="tx1"/>
-                </a:solidFill>
-              </a:ln>
-            </p:spPr>
-            <p:style>
-              <a:lnRef idx="2">
-                <a:schemeClr val="accent1">
-                  <a:shade val="50000"/>
-                </a:schemeClr>
-              </a:lnRef>
-              <a:fillRef idx="1">
-                <a:schemeClr val="accent1"/>
-              </a:fillRef>
-              <a:effectRef idx="0">
-                <a:schemeClr val="accent1"/>
-              </a:effectRef>
-              <a:fontRef idx="minor">
-                <a:schemeClr val="lt1"/>
-              </a:fontRef>
-            </p:style>
-            <p:txBody>
-              <a:bodyPr rot="0" spcFirstLastPara="0" vertOverflow="overflow" horzOverflow="overflow" vert="horz" wrap="square" lIns="91440" tIns="45720" rIns="91440" bIns="45720" numCol="1" spcCol="0" rtlCol="0" fromWordArt="0" anchor="ctr" anchorCtr="0" forceAA="0" compatLnSpc="1">
-                <a:prstTxWarp prst="textNoShape">
-                  <a:avLst/>
-                </a:prstTxWarp>
-                <a:noAutofit/>
-              </a:bodyPr>
-              <a:lstStyle/>
-              <a:p>
-                <a:pPr algn="ctr"/>
-                <a:r>
-                  <a:rPr lang="en-US" sz="1200" b="1" dirty="0">
-                    <a:solidFill>
-                      <a:schemeClr val="tx1"/>
-                    </a:solidFill>
-                  </a:rPr>
-                  <a:t>Avg. Score: avg_contrib_kpa_4</a:t>
-                </a:r>
-              </a:p>
-            </p:txBody>
-          </p:sp>
-          <p:sp>
-            <p:nvSpPr>
-              <p:cNvPr id="67" name="Rectangle 66"/>
-              <p:cNvSpPr/>
-              <p:nvPr/>
-            </p:nvSpPr>
-            <p:spPr>
-              <a:xfrm>
-                <a:off x="5184536" y="837376"/>
-                <a:ext cx="1300532" cy="246888"/>
-              </a:xfrm>
-              <a:prstGeom prst="rect">
-                <a:avLst/>
-              </a:prstGeom>
-              <a:solidFill>
-                <a:schemeClr val="bg1"/>
-              </a:solidFill>
-              <a:ln w="38100">
-                <a:solidFill>
-                  <a:schemeClr val="tx1"/>
-                </a:solidFill>
-              </a:ln>
-            </p:spPr>
-            <p:style>
-              <a:lnRef idx="2">
-                <a:schemeClr val="accent1">
-                  <a:shade val="50000"/>
-                </a:schemeClr>
-              </a:lnRef>
-              <a:fillRef idx="1">
-                <a:schemeClr val="accent1"/>
-              </a:fillRef>
-              <a:effectRef idx="0">
-                <a:schemeClr val="accent1"/>
-              </a:effectRef>
-              <a:fontRef idx="minor">
-                <a:schemeClr val="lt1"/>
-              </a:fontRef>
-            </p:style>
-            <p:txBody>
-              <a:bodyPr rot="0" spcFirstLastPara="0" vertOverflow="overflow" horzOverflow="overflow" vert="horz" wrap="square" lIns="91440" tIns="45720" rIns="91440" bIns="45720" numCol="1" spcCol="0" rtlCol="0" fromWordArt="0" anchor="ctr" anchorCtr="0" forceAA="0" compatLnSpc="1">
-                <a:prstTxWarp prst="textNoShape">
-                  <a:avLst/>
-                </a:prstTxWarp>
-                <a:noAutofit/>
-              </a:bodyPr>
-              <a:lstStyle/>
-              <a:p>
-                <a:pPr algn="ctr"/>
-                <a:r>
-                  <a:rPr lang="en-US" sz="1200" b="1" dirty="0">
-                    <a:solidFill>
-                      <a:schemeClr val="tx1"/>
-                    </a:solidFill>
-                  </a:rPr>
-                  <a:t>Avg. Score: avg_contrib_kpa_5</a:t>
-                </a:r>
-              </a:p>
-            </p:txBody>
-          </p:sp>
-          <p:sp>
-            <p:nvSpPr>
-              <p:cNvPr id="68" name="Rectangle 67"/>
-              <p:cNvSpPr/>
-              <p:nvPr/>
-            </p:nvSpPr>
-            <p:spPr>
-              <a:xfrm>
-                <a:off x="6485066" y="837376"/>
-                <a:ext cx="1293932" cy="246888"/>
-              </a:xfrm>
-              <a:prstGeom prst="rect">
-                <a:avLst/>
-              </a:prstGeom>
-              <a:solidFill>
-                <a:schemeClr val="bg1"/>
-              </a:solidFill>
-              <a:ln w="38100">
-                <a:solidFill>
-                  <a:schemeClr val="tx1"/>
-                </a:solidFill>
-              </a:ln>
-            </p:spPr>
-            <p:style>
-              <a:lnRef idx="2">
-                <a:schemeClr val="accent1">
-                  <a:shade val="50000"/>
-                </a:schemeClr>
-              </a:lnRef>
-              <a:fillRef idx="1">
-                <a:schemeClr val="accent1"/>
-              </a:fillRef>
-              <a:effectRef idx="0">
-                <a:schemeClr val="accent1"/>
-              </a:effectRef>
-              <a:fontRef idx="minor">
-                <a:schemeClr val="lt1"/>
-              </a:fontRef>
-            </p:style>
-            <p:txBody>
-              <a:bodyPr rot="0" spcFirstLastPara="0" vertOverflow="overflow" horzOverflow="overflow" vert="horz" wrap="square" lIns="91440" tIns="45720" rIns="91440" bIns="45720" numCol="1" spcCol="0" rtlCol="0" fromWordArt="0" anchor="ctr" anchorCtr="0" forceAA="0" compatLnSpc="1">
-                <a:prstTxWarp prst="textNoShape">
-                  <a:avLst/>
-                </a:prstTxWarp>
-                <a:noAutofit/>
-              </a:bodyPr>
-              <a:lstStyle/>
-              <a:p>
-                <a:pPr algn="ctr"/>
-                <a:r>
-                  <a:rPr lang="en-US" sz="1200" b="1" dirty="0">
-                    <a:solidFill>
-                      <a:schemeClr val="tx1"/>
-                    </a:solidFill>
-                  </a:rPr>
-                  <a:t>Avg. Score: avg_contrib_kpa_6</a:t>
-                </a:r>
-              </a:p>
-            </p:txBody>
-          </p:sp>
-          <p:sp>
-            <p:nvSpPr>
-              <p:cNvPr id="69" name="Rectangle 68"/>
-              <p:cNvSpPr/>
-              <p:nvPr/>
-            </p:nvSpPr>
-            <p:spPr>
-              <a:xfrm>
-                <a:off x="3896102" y="2254465"/>
-                <a:ext cx="1288435" cy="2780449"/>
-              </a:xfrm>
-              <a:prstGeom prst="rect">
-                <a:avLst/>
-              </a:prstGeom>
-              <a:solidFill>
-                <a:schemeClr val="bg1"/>
-              </a:solidFill>
-              <a:ln w="15875">
-                <a:solidFill>
-                  <a:schemeClr val="tx1"/>
-                </a:solidFill>
-              </a:ln>
-            </p:spPr>
-            <p:style>
-              <a:lnRef idx="2">
-                <a:schemeClr val="accent1">
-                  <a:shade val="50000"/>
-                </a:schemeClr>
-              </a:lnRef>
-              <a:fillRef idx="1">
-                <a:schemeClr val="accent1"/>
-              </a:fillRef>
-              <a:effectRef idx="0">
-                <a:schemeClr val="accent1"/>
-              </a:effectRef>
-              <a:fontRef idx="minor">
-                <a:schemeClr val="lt1"/>
-              </a:fontRef>
-            </p:style>
-            <p:txBody>
-              <a:bodyPr rot="0" spcFirstLastPara="0" vertOverflow="overflow" horzOverflow="overflow" vert="horz" wrap="square" lIns="91440" tIns="45720" rIns="91440" bIns="45720" numCol="1" spcCol="0" rtlCol="0" fromWordArt="0" anchor="ctr" anchorCtr="0" forceAA="0" compatLnSpc="1">
-                <a:prstTxWarp prst="textNoShape">
-                  <a:avLst/>
-                </a:prstTxWarp>
-                <a:noAutofit/>
-              </a:bodyPr>
-              <a:lstStyle/>
-              <a:p>
-                <a:pPr>
-                  <a:spcBef>
-                    <a:spcPts val="10"/>
-                  </a:spcBef>
-                </a:pPr>
-                <a:r>
-                  <a:rPr lang="en-US" sz="1200" b="1" dirty="0">
-                    <a:solidFill>
-                      <a:schemeClr val="tx1"/>
-                    </a:solidFill>
-                  </a:rPr>
-                  <a:t>Cycles: avg_num_cycles_4</a:t>
-                </a:r>
-              </a:p>
-              <a:p>
-                <a:pPr>
-                  <a:spcBef>
-                    <a:spcPts val="10"/>
-                  </a:spcBef>
-                </a:pPr>
-                <a:endParaRPr lang="en-US" sz="1200" b="1" dirty="0">
-                  <a:solidFill>
-                    <a:schemeClr val="tx1"/>
-                  </a:solidFill>
-                </a:endParaRPr>
-              </a:p>
-              <a:p>
-                <a:pPr>
-                  <a:spcBef>
-                    <a:spcPts val="10"/>
-                  </a:spcBef>
-                </a:pPr>
-                <a:r>
-                  <a:rPr lang="en-US" sz="1200" b="1" dirty="0">
-                    <a:solidFill>
-                      <a:schemeClr val="tx1"/>
-                    </a:solidFill>
-                  </a:rPr>
-                  <a:t>High Goals: avg_tele_high_made_4/avg_tele_high_attempts_4</a:t>
-                </a:r>
-              </a:p>
-              <a:p>
-                <a:pPr>
-                  <a:spcBef>
-                    <a:spcPts val="10"/>
-                  </a:spcBef>
-                </a:pPr>
-                <a:r>
-                  <a:rPr lang="en-US" sz="1200" b="1" dirty="0">
-                    <a:solidFill>
-                      <a:schemeClr val="tx1"/>
-                    </a:solidFill>
-                  </a:rPr>
-                  <a:t>Low Goals: avg_tele_low_made_4/avg_tele_low_attempts_4</a:t>
-                </a:r>
-              </a:p>
-              <a:p>
-                <a:pPr>
-                  <a:spcBef>
-                    <a:spcPts val="10"/>
-                  </a:spcBef>
-                </a:pPr>
-                <a:r>
-                  <a:rPr lang="en-US" sz="1200" b="1" dirty="0">
-                    <a:solidFill>
-                      <a:schemeClr val="tx1"/>
-                    </a:solidFill>
-                  </a:rPr>
-                  <a:t>Gears Scored: avg_tele_gears_scored_4/avg_tele_gears_attempts_4</a:t>
-                </a:r>
-              </a:p>
-              <a:p>
-                <a:pPr>
-                  <a:spcBef>
-                    <a:spcPts val="10"/>
-                  </a:spcBef>
-                </a:pPr>
-                <a:r>
-                  <a:rPr lang="en-US" sz="1200" b="1" dirty="0">
-                    <a:solidFill>
-                      <a:schemeClr val="tx1"/>
-                    </a:solidFill>
-                  </a:rPr>
-                  <a:t>Gears Dropped: avg_tele_gears_dropped_4</a:t>
-                </a:r>
-              </a:p>
-              <a:p>
-                <a:pPr>
-                  <a:spcBef>
-                    <a:spcPts val="10"/>
-                  </a:spcBef>
-                </a:pPr>
-                <a:endParaRPr lang="en-US" sz="1200" b="1" dirty="0">
-                  <a:solidFill>
-                    <a:schemeClr val="tx1"/>
-                  </a:solidFill>
-                </a:endParaRPr>
-              </a:p>
-              <a:p>
-                <a:pPr>
-                  <a:spcBef>
-                    <a:spcPts val="10"/>
-                  </a:spcBef>
-                </a:pPr>
-                <a:r>
-                  <a:rPr lang="en-US" sz="1200" b="1" dirty="0">
-                    <a:solidFill>
-                      <a:schemeClr val="tx1"/>
-                    </a:solidFill>
-                  </a:rPr>
-                  <a:t>Floor Ball Intake: avg_tele_floor_ball_intake_4</a:t>
-                </a:r>
-              </a:p>
-              <a:p>
-                <a:pPr>
-                  <a:spcBef>
-                    <a:spcPts val="10"/>
-                  </a:spcBef>
-                </a:pPr>
-                <a:r>
-                  <a:rPr lang="en-US" sz="1200" b="1" dirty="0">
-                    <a:solidFill>
-                      <a:schemeClr val="tx1"/>
-                    </a:solidFill>
-                  </a:rPr>
-                  <a:t>Hopper Ball Intake: avg_tele_hopper_intake_4</a:t>
-                </a:r>
-              </a:p>
-              <a:p>
-                <a:pPr>
-                  <a:spcBef>
-                    <a:spcPts val="10"/>
-                  </a:spcBef>
-                </a:pPr>
-                <a:r>
-                  <a:rPr lang="en-US" sz="1200" b="1" dirty="0">
-                    <a:solidFill>
-                      <a:schemeClr val="tx1"/>
-                    </a:solidFill>
-                  </a:rPr>
-                  <a:t>HP Ball Intake: avg_hp_ball_intake_4</a:t>
-                </a:r>
-              </a:p>
-              <a:p>
-                <a:pPr>
-                  <a:spcBef>
-                    <a:spcPts val="10"/>
-                  </a:spcBef>
-                </a:pPr>
-                <a:r>
-                  <a:rPr lang="en-US" sz="1200" b="1" dirty="0">
-                    <a:solidFill>
-                      <a:schemeClr val="tx1"/>
-                    </a:solidFill>
-                  </a:rPr>
-                  <a:t>Floor Gear Intake: avg_tele_floor_gear_intake_4</a:t>
-                </a:r>
-              </a:p>
-              <a:p>
-                <a:pPr>
-                  <a:spcBef>
-                    <a:spcPts val="10"/>
-                  </a:spcBef>
-                </a:pPr>
-                <a:r>
-                  <a:rPr lang="en-US" sz="1200" b="1" dirty="0">
-                    <a:solidFill>
-                      <a:schemeClr val="tx1"/>
-                    </a:solidFill>
-                  </a:rPr>
-                  <a:t>HP Gear Intake: avg_hp_gear_intake_4</a:t>
-                </a:r>
-              </a:p>
-              <a:p>
-                <a:pPr>
-                  <a:spcBef>
-                    <a:spcPts val="10"/>
-                  </a:spcBef>
-                </a:pPr>
-                <a:endParaRPr lang="en-US" sz="1200" b="1" dirty="0">
-                  <a:solidFill>
-                    <a:schemeClr val="tx1"/>
-                  </a:solidFill>
-                </a:endParaRPr>
-              </a:p>
-              <a:p>
-                <a:pPr>
-                  <a:spcBef>
-                    <a:spcPts val="10"/>
-                  </a:spcBef>
-                </a:pPr>
-                <a:r>
-                  <a:rPr lang="en-US" sz="1200" b="1" dirty="0">
-                    <a:solidFill>
-                      <a:schemeClr val="tx1"/>
-                    </a:solidFill>
-                  </a:rPr>
-                  <a:t>Climb: tot_climb_4/tot_climb_attempts_4</a:t>
-                </a:r>
-              </a:p>
-              <a:p>
-                <a:pPr>
-                  <a:spcBef>
-                    <a:spcPts val="10"/>
-                  </a:spcBef>
-                </a:pPr>
-                <a:r>
-                  <a:rPr lang="en-US" sz="1200" b="1" dirty="0">
-                    <a:solidFill>
-                      <a:schemeClr val="tx1"/>
-                    </a:solidFill>
-                  </a:rPr>
-                  <a:t>KO: avg_tele_gear_knockouts_4</a:t>
-                </a:r>
-              </a:p>
-            </p:txBody>
-          </p:sp>
-          <p:sp>
-            <p:nvSpPr>
-              <p:cNvPr id="70" name="Rectangle 69"/>
-              <p:cNvSpPr/>
-              <p:nvPr/>
-            </p:nvSpPr>
-            <p:spPr>
-              <a:xfrm>
-                <a:off x="5186738" y="590488"/>
-                <a:ext cx="1298331" cy="246888"/>
-              </a:xfrm>
-              <a:prstGeom prst="rect">
-                <a:avLst/>
-              </a:prstGeom>
-              <a:solidFill>
-                <a:schemeClr val="bg1"/>
-              </a:solidFill>
-              <a:ln w="38100">
-                <a:solidFill>
-                  <a:schemeClr val="tx1"/>
-                </a:solidFill>
-              </a:ln>
-            </p:spPr>
-            <p:style>
-              <a:lnRef idx="2">
-                <a:schemeClr val="accent1">
-                  <a:shade val="50000"/>
-                </a:schemeClr>
-              </a:lnRef>
-              <a:fillRef idx="1">
-                <a:schemeClr val="accent1"/>
-              </a:fillRef>
-              <a:effectRef idx="0">
-                <a:schemeClr val="accent1"/>
-              </a:effectRef>
-              <a:fontRef idx="minor">
-                <a:schemeClr val="lt1"/>
-              </a:fontRef>
-            </p:style>
-            <p:txBody>
-              <a:bodyPr rot="0" spcFirstLastPara="0" vertOverflow="overflow" horzOverflow="overflow" vert="horz" wrap="square" lIns="91440" tIns="45720" rIns="91440" bIns="45720" numCol="1" spcCol="0" rtlCol="0" fromWordArt="0" anchor="ctr" anchorCtr="0" forceAA="0" compatLnSpc="1">
-                <a:prstTxWarp prst="textNoShape">
-                  <a:avLst/>
-                </a:prstTxWarp>
-                <a:noAutofit/>
-              </a:bodyPr>
-              <a:lstStyle/>
-              <a:p>
-                <a:pPr algn="ctr"/>
-                <a:r>
-                  <a:rPr lang="en-US" sz="1200" b="1" dirty="0">
-                    <a:solidFill>
-                      <a:schemeClr val="tx1"/>
-                    </a:solidFill>
-                  </a:rPr>
-                  <a:t>Team #: team_num_5</a:t>
-                </a:r>
-              </a:p>
-            </p:txBody>
-          </p:sp>
-          <p:sp>
-            <p:nvSpPr>
-              <p:cNvPr id="71" name="Rectangle 70"/>
-              <p:cNvSpPr/>
-              <p:nvPr/>
-            </p:nvSpPr>
-            <p:spPr>
-              <a:xfrm>
-                <a:off x="6485067" y="590488"/>
-                <a:ext cx="1293931" cy="246888"/>
-              </a:xfrm>
-              <a:prstGeom prst="rect">
-                <a:avLst/>
-              </a:prstGeom>
-              <a:solidFill>
-                <a:schemeClr val="bg1"/>
-              </a:solidFill>
-              <a:ln w="38100">
-                <a:solidFill>
-                  <a:schemeClr val="tx1"/>
-                </a:solidFill>
-              </a:ln>
-            </p:spPr>
-            <p:style>
-              <a:lnRef idx="2">
-                <a:schemeClr val="accent1">
-                  <a:shade val="50000"/>
-                </a:schemeClr>
-              </a:lnRef>
-              <a:fillRef idx="1">
-                <a:schemeClr val="accent1"/>
-              </a:fillRef>
-              <a:effectRef idx="0">
-                <a:schemeClr val="accent1"/>
-              </a:effectRef>
-              <a:fontRef idx="minor">
-                <a:schemeClr val="lt1"/>
-              </a:fontRef>
-            </p:style>
-            <p:txBody>
-              <a:bodyPr rot="0" spcFirstLastPara="0" vertOverflow="overflow" horzOverflow="overflow" vert="horz" wrap="square" lIns="91440" tIns="45720" rIns="91440" bIns="45720" numCol="1" spcCol="0" rtlCol="0" fromWordArt="0" anchor="ctr" anchorCtr="0" forceAA="0" compatLnSpc="1">
-                <a:prstTxWarp prst="textNoShape">
-                  <a:avLst/>
-                </a:prstTxWarp>
-                <a:noAutofit/>
-              </a:bodyPr>
-              <a:lstStyle/>
-              <a:p>
-                <a:pPr algn="ctr"/>
-                <a:r>
-                  <a:rPr lang="en-US" sz="1200" b="1" dirty="0">
-                    <a:solidFill>
-                      <a:schemeClr val="tx1"/>
-                    </a:solidFill>
-                  </a:rPr>
-                  <a:t>Team #: team_num_6</a:t>
-                </a:r>
-              </a:p>
-            </p:txBody>
-          </p:sp>
-          <p:sp>
-            <p:nvSpPr>
-              <p:cNvPr id="72" name="Rectangle 71"/>
-              <p:cNvSpPr/>
-              <p:nvPr/>
-            </p:nvSpPr>
-            <p:spPr>
-              <a:xfrm>
-                <a:off x="3891702" y="1096619"/>
-                <a:ext cx="3891698" cy="142941"/>
-              </a:xfrm>
-              <a:prstGeom prst="rect">
-                <a:avLst/>
-              </a:prstGeom>
-              <a:solidFill>
-                <a:schemeClr val="bg1">
-                  <a:lumMod val="85000"/>
-                </a:schemeClr>
-              </a:solidFill>
-              <a:ln w="15875">
-                <a:solidFill>
-                  <a:schemeClr val="tx1"/>
-                </a:solidFill>
-              </a:ln>
-            </p:spPr>
-            <p:style>
-              <a:lnRef idx="2">
-                <a:schemeClr val="accent1">
-                  <a:shade val="50000"/>
-                </a:schemeClr>
-              </a:lnRef>
-              <a:fillRef idx="1">
-                <a:schemeClr val="accent1"/>
-              </a:fillRef>
-              <a:effectRef idx="0">
-                <a:schemeClr val="accent1"/>
-              </a:effectRef>
-              <a:fontRef idx="minor">
-                <a:schemeClr val="lt1"/>
-              </a:fontRef>
-            </p:style>
-            <p:txBody>
-              <a:bodyPr rot="0" spcFirstLastPara="0" vertOverflow="overflow" horzOverflow="overflow" vert="horz" wrap="square" lIns="91440" tIns="45720" rIns="91440" bIns="45720" numCol="1" spcCol="0" rtlCol="0" fromWordArt="0" anchor="ctr" anchorCtr="0" forceAA="0" compatLnSpc="1">
-                <a:prstTxWarp prst="textNoShape">
-                  <a:avLst/>
-                </a:prstTxWarp>
-                <a:noAutofit/>
-              </a:bodyPr>
-              <a:lstStyle/>
-              <a:p>
-                <a:pPr algn="ctr"/>
-                <a:r>
-                  <a:rPr lang="en-US" sz="1000" b="1" dirty="0">
-                    <a:solidFill>
-                      <a:schemeClr val="tx1"/>
-                    </a:solidFill>
-                  </a:rPr>
-                  <a:t>Autonomous Data</a:t>
-                </a:r>
-              </a:p>
-            </p:txBody>
-          </p:sp>
-          <p:sp>
-            <p:nvSpPr>
-              <p:cNvPr id="73" name="Rectangle 72"/>
-              <p:cNvSpPr/>
-              <p:nvPr/>
-            </p:nvSpPr>
-            <p:spPr>
-              <a:xfrm>
-                <a:off x="5182338" y="1241266"/>
-                <a:ext cx="1269745" cy="985282"/>
-              </a:xfrm>
-              <a:prstGeom prst="rect">
-                <a:avLst/>
-              </a:prstGeom>
-              <a:solidFill>
-                <a:schemeClr val="bg1"/>
-              </a:solidFill>
-              <a:ln w="15875">
-                <a:solidFill>
-                  <a:schemeClr val="tx1"/>
-                </a:solidFill>
-              </a:ln>
-            </p:spPr>
-            <p:style>
-              <a:lnRef idx="2">
-                <a:schemeClr val="accent1">
-                  <a:shade val="50000"/>
-                </a:schemeClr>
-              </a:lnRef>
-              <a:fillRef idx="1">
-                <a:schemeClr val="accent1"/>
-              </a:fillRef>
-              <a:effectRef idx="0">
-                <a:schemeClr val="accent1"/>
-              </a:effectRef>
-              <a:fontRef idx="minor">
-                <a:schemeClr val="lt1"/>
-              </a:fontRef>
-            </p:style>
-            <p:txBody>
-              <a:bodyPr rot="0" spcFirstLastPara="0" vertOverflow="overflow" horzOverflow="overflow" vert="horz" wrap="square" lIns="91440" tIns="45720" rIns="91440" bIns="45720" numCol="1" spcCol="0" rtlCol="0" fromWordArt="0" anchor="ctr" anchorCtr="0" forceAA="0" compatLnSpc="1">
-                <a:prstTxWarp prst="textNoShape">
-                  <a:avLst/>
-                </a:prstTxWarp>
-                <a:noAutofit/>
-              </a:bodyPr>
-              <a:lstStyle/>
-              <a:p>
-                <a:r>
-                  <a:rPr lang="en-US" sz="1200" b="1" dirty="0">
-                    <a:solidFill>
-                      <a:schemeClr val="tx1"/>
-                    </a:solidFill>
-                  </a:rPr>
-                  <a:t>Baseline: tot_baseline_cross_5</a:t>
-                </a:r>
-              </a:p>
-              <a:p>
-                <a:r>
-                  <a:rPr lang="en-US" sz="1200" b="1" dirty="0">
-                    <a:solidFill>
-                      <a:schemeClr val="tx1"/>
-                    </a:solidFill>
-                  </a:rPr>
-                  <a:t>High Goals: avg_auto_high_made_5/avg_auto_high_attempts_5</a:t>
-                </a:r>
-              </a:p>
-              <a:p>
-                <a:r>
-                  <a:rPr lang="en-US" sz="1200" b="1" dirty="0">
-                    <a:solidFill>
-                      <a:schemeClr val="tx1"/>
-                    </a:solidFill>
-                  </a:rPr>
-                  <a:t>Low Goals: avg_auto_low_made_5/avg_auto_low_attempts_5</a:t>
-                </a:r>
-              </a:p>
-              <a:p>
-                <a:r>
-                  <a:rPr lang="en-US" sz="1200" b="1" dirty="0">
-                    <a:solidFill>
-                      <a:schemeClr val="tx1"/>
-                    </a:solidFill>
-                  </a:rPr>
-                  <a:t>Hopper Intake: avg_auto_hopper_intake_5</a:t>
-                </a:r>
-              </a:p>
-              <a:p>
-                <a:r>
-                  <a:rPr lang="en-US" sz="1200" b="1" dirty="0">
-                    <a:solidFill>
-                      <a:schemeClr val="tx1"/>
-                    </a:solidFill>
-                  </a:rPr>
-                  <a:t>Floor Gear Intake: avg_auto_floor_gear_intake_5</a:t>
-                </a:r>
-              </a:p>
-              <a:p>
-                <a:r>
-                  <a:rPr lang="en-US" sz="1200" b="1" dirty="0">
-                    <a:solidFill>
-                      <a:schemeClr val="tx1"/>
-                    </a:solidFill>
-                  </a:rPr>
-                  <a:t>Floor Ball intake: avg_auto_floor_ball_intake_5</a:t>
-                </a:r>
-              </a:p>
-              <a:p>
-                <a:r>
-                  <a:rPr lang="en-US" sz="1200" b="1" dirty="0">
-                    <a:solidFill>
-                      <a:schemeClr val="tx1"/>
-                    </a:solidFill>
-                  </a:rPr>
-                  <a:t>Gears Scored: avg_auto_gears_scored_5</a:t>
-                </a:r>
-              </a:p>
-            </p:txBody>
-          </p:sp>
-          <p:sp>
-            <p:nvSpPr>
-              <p:cNvPr id="74" name="Rectangle 73"/>
-              <p:cNvSpPr/>
-              <p:nvPr/>
-            </p:nvSpPr>
-            <p:spPr>
-              <a:xfrm>
-                <a:off x="5185815" y="2254465"/>
-                <a:ext cx="1271943" cy="2780449"/>
-              </a:xfrm>
-              <a:prstGeom prst="rect">
-                <a:avLst/>
-              </a:prstGeom>
-              <a:solidFill>
-                <a:schemeClr val="bg1"/>
-              </a:solidFill>
-              <a:ln w="15875">
-                <a:solidFill>
-                  <a:schemeClr val="tx1"/>
-                </a:solidFill>
-              </a:ln>
-            </p:spPr>
-            <p:style>
-              <a:lnRef idx="2">
-                <a:schemeClr val="accent1">
-                  <a:shade val="50000"/>
-                </a:schemeClr>
-              </a:lnRef>
-              <a:fillRef idx="1">
-                <a:schemeClr val="accent1"/>
-              </a:fillRef>
-              <a:effectRef idx="0">
-                <a:schemeClr val="accent1"/>
-              </a:effectRef>
-              <a:fontRef idx="minor">
-                <a:schemeClr val="lt1"/>
-              </a:fontRef>
-            </p:style>
-            <p:txBody>
-              <a:bodyPr rot="0" spcFirstLastPara="0" vertOverflow="overflow" horzOverflow="overflow" vert="horz" wrap="square" lIns="91440" tIns="45720" rIns="91440" bIns="45720" numCol="1" spcCol="0" rtlCol="0" fromWordArt="0" anchor="ctr" anchorCtr="0" forceAA="0" compatLnSpc="1">
-                <a:prstTxWarp prst="textNoShape">
-                  <a:avLst/>
-                </a:prstTxWarp>
-                <a:noAutofit/>
-              </a:bodyPr>
-              <a:lstStyle/>
-              <a:p>
-                <a:r>
-                  <a:rPr lang="en-US" sz="1200" b="1" dirty="0">
-                    <a:solidFill>
-                      <a:schemeClr val="tx1"/>
-                    </a:solidFill>
-                  </a:rPr>
-                  <a:t>Cycles: avg_num_cycles_5</a:t>
-                </a:r>
-              </a:p>
-              <a:p>
-                <a:endParaRPr lang="en-US" sz="1200" b="1" dirty="0">
-                  <a:solidFill>
-                    <a:schemeClr val="tx1"/>
-                  </a:solidFill>
-                </a:endParaRPr>
-              </a:p>
-              <a:p>
-                <a:r>
-                  <a:rPr lang="en-US" sz="1200" b="1" dirty="0">
-                    <a:solidFill>
-                      <a:schemeClr val="tx1"/>
-                    </a:solidFill>
-                  </a:rPr>
-                  <a:t>High Goals: avg_tele_high_made_5/avg_tele_high_attempts_5</a:t>
-                </a:r>
-              </a:p>
-              <a:p>
-                <a:r>
-                  <a:rPr lang="en-US" sz="1200" b="1" dirty="0">
-                    <a:solidFill>
-                      <a:schemeClr val="tx1"/>
-                    </a:solidFill>
-                  </a:rPr>
-                  <a:t>Low Goals: avg_tele_low_made_5/avg_tele_low_attempts_5</a:t>
-                </a:r>
-              </a:p>
-              <a:p>
-                <a:r>
-                  <a:rPr lang="en-US" sz="1200" b="1" dirty="0">
-                    <a:solidFill>
-                      <a:schemeClr val="tx1"/>
-                    </a:solidFill>
-                  </a:rPr>
-                  <a:t>Gears Scored: avg_tele_gears_scored_5/avg_tele_gears_attempts_5</a:t>
-                </a:r>
-              </a:p>
-              <a:p>
-                <a:r>
-                  <a:rPr lang="en-US" sz="1200" b="1" dirty="0">
-                    <a:solidFill>
-                      <a:schemeClr val="tx1"/>
-                    </a:solidFill>
-                  </a:rPr>
-                  <a:t>Gears Dropped: avg_tele_gears_dropped_5</a:t>
-                </a:r>
-              </a:p>
-              <a:p>
-                <a:endParaRPr lang="en-US" sz="1200" b="1" dirty="0">
-                  <a:solidFill>
-                    <a:schemeClr val="tx1"/>
-                  </a:solidFill>
-                </a:endParaRPr>
-              </a:p>
-              <a:p>
-                <a:r>
-                  <a:rPr lang="en-US" sz="1200" b="1" dirty="0">
-                    <a:solidFill>
-                      <a:schemeClr val="tx1"/>
-                    </a:solidFill>
-                  </a:rPr>
-                  <a:t>Floor Ball Intake: avg_tele_floor_ball_intake_5</a:t>
-                </a:r>
-              </a:p>
-              <a:p>
-                <a:r>
-                  <a:rPr lang="en-US" sz="1200" b="1" dirty="0">
-                    <a:solidFill>
-                      <a:schemeClr val="tx1"/>
-                    </a:solidFill>
-                  </a:rPr>
-                  <a:t>Hopper Ball Intake: avg_tele_hopper_intake_5</a:t>
-                </a:r>
-              </a:p>
-              <a:p>
-                <a:r>
-                  <a:rPr lang="en-US" sz="1200" b="1" dirty="0">
-                    <a:solidFill>
-                      <a:schemeClr val="tx1"/>
-                    </a:solidFill>
-                  </a:rPr>
-                  <a:t>HP Ball Intake: avg_hp_ball_intake_5</a:t>
-                </a:r>
-              </a:p>
-              <a:p>
-                <a:r>
-                  <a:rPr lang="en-US" sz="1200" b="1" dirty="0">
-                    <a:solidFill>
-                      <a:schemeClr val="tx1"/>
-                    </a:solidFill>
-                  </a:rPr>
-                  <a:t>Floor Gear Intake: avg_tele_floor_gear_intake_5</a:t>
-                </a:r>
-              </a:p>
-              <a:p>
-                <a:r>
-                  <a:rPr lang="en-US" sz="1200" b="1" dirty="0">
-                    <a:solidFill>
-                      <a:schemeClr val="tx1"/>
-                    </a:solidFill>
-                  </a:rPr>
-                  <a:t>HP Gear Intake: avg_hp_gear_intake_5</a:t>
-                </a:r>
-              </a:p>
-              <a:p>
-                <a:endParaRPr lang="en-US" sz="1200" b="1" dirty="0">
-                  <a:solidFill>
-                    <a:schemeClr val="tx1"/>
-                  </a:solidFill>
-                </a:endParaRPr>
-              </a:p>
-              <a:p>
-                <a:r>
-                  <a:rPr lang="en-US" sz="1200" b="1" dirty="0">
-                    <a:solidFill>
-                      <a:schemeClr val="tx1"/>
-                    </a:solidFill>
-                  </a:rPr>
-                  <a:t>Climb: tot_climb_5/tot_climb_attempts_5</a:t>
-                </a:r>
-              </a:p>
-              <a:p>
-                <a:r>
-                  <a:rPr lang="en-US" sz="1200" b="1" dirty="0">
-                    <a:solidFill>
-                      <a:schemeClr val="tx1"/>
-                    </a:solidFill>
-                  </a:rPr>
-                  <a:t>KO: avg_tele_gear_knockouts_5</a:t>
-                </a:r>
-              </a:p>
-            </p:txBody>
-          </p:sp>
-          <p:sp>
-            <p:nvSpPr>
-              <p:cNvPr id="75" name="Rectangle 74"/>
-              <p:cNvSpPr/>
-              <p:nvPr/>
-            </p:nvSpPr>
-            <p:spPr>
-              <a:xfrm>
-                <a:off x="6452081" y="1241538"/>
-                <a:ext cx="1328019" cy="984965"/>
-              </a:xfrm>
-              <a:prstGeom prst="rect">
-                <a:avLst/>
-              </a:prstGeom>
-              <a:solidFill>
-                <a:schemeClr val="bg1"/>
-              </a:solidFill>
-              <a:ln w="15875">
-                <a:solidFill>
-                  <a:schemeClr val="tx1"/>
-                </a:solidFill>
-              </a:ln>
-            </p:spPr>
-            <p:style>
-              <a:lnRef idx="2">
-                <a:schemeClr val="accent1">
-                  <a:shade val="50000"/>
-                </a:schemeClr>
-              </a:lnRef>
-              <a:fillRef idx="1">
-                <a:schemeClr val="accent1"/>
-              </a:fillRef>
-              <a:effectRef idx="0">
-                <a:schemeClr val="accent1"/>
-              </a:effectRef>
-              <a:fontRef idx="minor">
-                <a:schemeClr val="lt1"/>
-              </a:fontRef>
-            </p:style>
-            <p:txBody>
-              <a:bodyPr rot="0" spcFirstLastPara="0" vertOverflow="overflow" horzOverflow="overflow" vert="horz" wrap="square" lIns="91440" tIns="45720" rIns="91440" bIns="45720" numCol="1" spcCol="0" rtlCol="0" fromWordArt="0" anchor="ctr" anchorCtr="0" forceAA="0" compatLnSpc="1">
-                <a:prstTxWarp prst="textNoShape">
-                  <a:avLst/>
-                </a:prstTxWarp>
-                <a:noAutofit/>
-              </a:bodyPr>
-              <a:lstStyle/>
-              <a:p>
-                <a:r>
-                  <a:rPr lang="en-US" sz="1200" b="1" dirty="0">
-                    <a:solidFill>
-                      <a:schemeClr val="tx1"/>
-                    </a:solidFill>
-                  </a:rPr>
-                  <a:t>Baseline: tot_baseline_cross_6</a:t>
-                </a:r>
-              </a:p>
-              <a:p>
-                <a:r>
-                  <a:rPr lang="en-US" sz="1200" b="1" dirty="0">
-                    <a:solidFill>
-                      <a:schemeClr val="tx1"/>
-                    </a:solidFill>
-                  </a:rPr>
-                  <a:t>High Goals: avg_auto_high_made_6/avg_auto_high_attempts_6</a:t>
-                </a:r>
-              </a:p>
-              <a:p>
-                <a:r>
-                  <a:rPr lang="en-US" sz="1200" b="1" dirty="0">
-                    <a:solidFill>
-                      <a:schemeClr val="tx1"/>
-                    </a:solidFill>
-                  </a:rPr>
-                  <a:t>Low Goals: avg_auto_low_made_6/avg_auto_low_attempts_6</a:t>
-                </a:r>
-              </a:p>
-              <a:p>
-                <a:r>
-                  <a:rPr lang="en-US" sz="1200" b="1" dirty="0">
-                    <a:solidFill>
-                      <a:schemeClr val="tx1"/>
-                    </a:solidFill>
-                  </a:rPr>
-                  <a:t>Hopper Intake: avg_auto_hopper_intake_6</a:t>
-                </a:r>
-              </a:p>
-              <a:p>
-                <a:r>
-                  <a:rPr lang="en-US" sz="1200" b="1" dirty="0">
-                    <a:solidFill>
-                      <a:schemeClr val="tx1"/>
-                    </a:solidFill>
-                  </a:rPr>
-                  <a:t>Floor Gear Intake: avg_auto_floor_gear_intake_6</a:t>
-                </a:r>
-              </a:p>
-              <a:p>
-                <a:r>
-                  <a:rPr lang="en-US" sz="1200" b="1" dirty="0">
-                    <a:solidFill>
-                      <a:schemeClr val="tx1"/>
-                    </a:solidFill>
-                  </a:rPr>
-                  <a:t>Floor Ball intake: avg_auto_floor_ball_intake_6</a:t>
-                </a:r>
-              </a:p>
-              <a:p>
-                <a:r>
-                  <a:rPr lang="en-US" sz="1200" b="1" dirty="0">
-                    <a:solidFill>
-                      <a:schemeClr val="tx1"/>
-                    </a:solidFill>
-                  </a:rPr>
-                  <a:t>Gears Scored: avg_auto_gears_scored_6</a:t>
-                </a:r>
-              </a:p>
-            </p:txBody>
-          </p:sp>
-          <p:sp>
-            <p:nvSpPr>
-              <p:cNvPr id="76" name="Rectangle 75"/>
-              <p:cNvSpPr/>
-              <p:nvPr/>
-            </p:nvSpPr>
-            <p:spPr>
-              <a:xfrm>
-                <a:off x="6452081" y="2254463"/>
-                <a:ext cx="1328019" cy="2780449"/>
-              </a:xfrm>
-              <a:prstGeom prst="rect">
-                <a:avLst/>
-              </a:prstGeom>
-              <a:solidFill>
-                <a:schemeClr val="bg1"/>
-              </a:solidFill>
-              <a:ln w="15875">
-                <a:solidFill>
-                  <a:schemeClr val="tx1"/>
-                </a:solidFill>
-              </a:ln>
-            </p:spPr>
-            <p:style>
-              <a:lnRef idx="2">
-                <a:schemeClr val="accent1">
-                  <a:shade val="50000"/>
-                </a:schemeClr>
-              </a:lnRef>
-              <a:fillRef idx="1">
-                <a:schemeClr val="accent1"/>
-              </a:fillRef>
-              <a:effectRef idx="0">
-                <a:schemeClr val="accent1"/>
-              </a:effectRef>
-              <a:fontRef idx="minor">
-                <a:schemeClr val="lt1"/>
-              </a:fontRef>
-            </p:style>
-            <p:txBody>
-              <a:bodyPr rot="0" spcFirstLastPara="0" vertOverflow="overflow" horzOverflow="overflow" vert="horz" wrap="square" lIns="91440" tIns="45720" rIns="91440" bIns="45720" numCol="1" spcCol="0" rtlCol="0" fromWordArt="0" anchor="ctr" anchorCtr="0" forceAA="0" compatLnSpc="1">
-                <a:prstTxWarp prst="textNoShape">
-                  <a:avLst/>
-                </a:prstTxWarp>
-                <a:noAutofit/>
-              </a:bodyPr>
-              <a:lstStyle/>
-              <a:p>
-                <a:r>
-                  <a:rPr lang="en-US" sz="1200" b="1" dirty="0">
-                    <a:solidFill>
-                      <a:schemeClr val="tx1"/>
-                    </a:solidFill>
-                  </a:rPr>
-                  <a:t>Cycles: avg_num_cycles_6</a:t>
-                </a:r>
-              </a:p>
-              <a:p>
-                <a:endParaRPr lang="en-US" sz="1200" b="1" dirty="0">
-                  <a:solidFill>
-                    <a:schemeClr val="tx1"/>
-                  </a:solidFill>
-                </a:endParaRPr>
-              </a:p>
-              <a:p>
-                <a:r>
-                  <a:rPr lang="en-US" sz="1200" b="1" dirty="0">
-                    <a:solidFill>
-                      <a:schemeClr val="tx1"/>
-                    </a:solidFill>
-                  </a:rPr>
-                  <a:t>High Goals: avg_tele_high_made_6/avg_tele_high_attempts_6</a:t>
-                </a:r>
-              </a:p>
-              <a:p>
-                <a:r>
-                  <a:rPr lang="en-US" sz="1200" b="1" dirty="0">
-                    <a:solidFill>
-                      <a:schemeClr val="tx1"/>
-                    </a:solidFill>
-                  </a:rPr>
-                  <a:t>Low Goals: avg_tele_low_made_6/avg_tele_low_attempts_6</a:t>
-                </a:r>
-              </a:p>
-              <a:p>
-                <a:r>
-                  <a:rPr lang="en-US" sz="1200" b="1" dirty="0">
-                    <a:solidFill>
-                      <a:schemeClr val="tx1"/>
-                    </a:solidFill>
-                  </a:rPr>
-                  <a:t>Gears Scored: avg_tele_gears_scored_6/avg_tele_gears_attempts_6</a:t>
-                </a:r>
-              </a:p>
-              <a:p>
-                <a:r>
-                  <a:rPr lang="en-US" sz="1200" b="1" dirty="0">
-                    <a:solidFill>
-                      <a:schemeClr val="tx1"/>
-                    </a:solidFill>
-                  </a:rPr>
-                  <a:t>Gears Dropped: avg_tele_gears_dropped_6</a:t>
-                </a:r>
-              </a:p>
-              <a:p>
-                <a:endParaRPr lang="en-US" sz="1200" b="1" dirty="0">
-                  <a:solidFill>
-                    <a:schemeClr val="tx1"/>
-                  </a:solidFill>
-                </a:endParaRPr>
-              </a:p>
-              <a:p>
-                <a:r>
-                  <a:rPr lang="en-US" sz="1200" b="1" dirty="0">
-                    <a:solidFill>
-                      <a:schemeClr val="tx1"/>
-                    </a:solidFill>
-                  </a:rPr>
-                  <a:t>Floor Ball Intake: avg_tele_floor_ball_intake_6</a:t>
-                </a:r>
-              </a:p>
-              <a:p>
-                <a:r>
-                  <a:rPr lang="en-US" sz="1200" b="1" dirty="0">
-                    <a:solidFill>
-                      <a:schemeClr val="tx1"/>
-                    </a:solidFill>
-                  </a:rPr>
-                  <a:t>Hopper Ball Intake: avg_tele_hopper_intake_6</a:t>
-                </a:r>
-              </a:p>
-              <a:p>
-                <a:r>
-                  <a:rPr lang="en-US" sz="1200" b="1" dirty="0">
-                    <a:solidFill>
-                      <a:schemeClr val="tx1"/>
-                    </a:solidFill>
-                  </a:rPr>
-                  <a:t>HP Ball Intake: avg_hp_ball_intake_6</a:t>
-                </a:r>
-              </a:p>
-              <a:p>
-                <a:r>
-                  <a:rPr lang="en-US" sz="1200" b="1" dirty="0">
-                    <a:solidFill>
-                      <a:schemeClr val="tx1"/>
-                    </a:solidFill>
-                  </a:rPr>
-                  <a:t>Floor Gear Intake: avg_tele_floor_gear_intake_6</a:t>
-                </a:r>
-              </a:p>
-              <a:p>
-                <a:r>
-                  <a:rPr lang="en-US" sz="1200" b="1" dirty="0">
-                    <a:solidFill>
-                      <a:schemeClr val="tx1"/>
-                    </a:solidFill>
-                  </a:rPr>
-                  <a:t>HP Gear Intake: avg_hp_gear_intake_6</a:t>
-                </a:r>
-              </a:p>
-              <a:p>
-                <a:endParaRPr lang="en-US" sz="1200" b="1" dirty="0">
-                  <a:solidFill>
-                    <a:schemeClr val="tx1"/>
-                  </a:solidFill>
-                </a:endParaRPr>
-              </a:p>
-              <a:p>
-                <a:r>
-                  <a:rPr lang="en-US" sz="1200" b="1" dirty="0">
-                    <a:solidFill>
-                      <a:schemeClr val="tx1"/>
-                    </a:solidFill>
-                  </a:rPr>
-                  <a:t>Climb: tot_climb_6/tot_climb_attempts_6</a:t>
-                </a:r>
-              </a:p>
-              <a:p>
-                <a:r>
-                  <a:rPr lang="en-US" sz="1200" b="1" dirty="0">
-                    <a:solidFill>
-                      <a:schemeClr val="tx1"/>
-                    </a:solidFill>
-                  </a:rPr>
-                  <a:t>KO: avg_tele_gear_knockouts_6</a:t>
-                </a:r>
-              </a:p>
-            </p:txBody>
-          </p:sp>
-          <p:sp>
-            <p:nvSpPr>
-              <p:cNvPr id="77" name="Rectangle 76"/>
-              <p:cNvSpPr/>
-              <p:nvPr/>
-            </p:nvSpPr>
-            <p:spPr>
-              <a:xfrm>
-                <a:off x="13195" y="2226554"/>
-                <a:ext cx="3878507" cy="166589"/>
-              </a:xfrm>
-              <a:prstGeom prst="rect">
-                <a:avLst/>
-              </a:prstGeom>
-              <a:solidFill>
-                <a:schemeClr val="bg1">
-                  <a:lumMod val="85000"/>
-                </a:schemeClr>
-              </a:solidFill>
-              <a:ln w="15875">
-                <a:solidFill>
-                  <a:schemeClr val="tx1"/>
-                </a:solidFill>
-              </a:ln>
-            </p:spPr>
-            <p:style>
-              <a:lnRef idx="2">
-                <a:schemeClr val="accent1">
-                  <a:shade val="50000"/>
-                </a:schemeClr>
-              </a:lnRef>
-              <a:fillRef idx="1">
-                <a:schemeClr val="accent1"/>
-              </a:fillRef>
-              <a:effectRef idx="0">
-                <a:schemeClr val="accent1"/>
-              </a:effectRef>
-              <a:fontRef idx="minor">
-                <a:schemeClr val="lt1"/>
-              </a:fontRef>
-            </p:style>
-            <p:txBody>
-              <a:bodyPr rot="0" spcFirstLastPara="0" vertOverflow="overflow" horzOverflow="overflow" vert="horz" wrap="square" lIns="91440" tIns="45720" rIns="91440" bIns="45720" numCol="1" spcCol="0" rtlCol="0" fromWordArt="0" anchor="ctr" anchorCtr="0" forceAA="0" compatLnSpc="1">
-                <a:prstTxWarp prst="textNoShape">
-                  <a:avLst/>
-                </a:prstTxWarp>
-                <a:noAutofit/>
-              </a:bodyPr>
-              <a:lstStyle/>
-              <a:p>
-                <a:pPr algn="ctr"/>
-                <a:r>
-                  <a:rPr lang="en-US" sz="1000" b="1" dirty="0">
-                    <a:solidFill>
-                      <a:schemeClr val="tx1"/>
-                    </a:solidFill>
-                  </a:rPr>
-                  <a:t>Teleop Data</a:t>
-                </a:r>
-              </a:p>
-            </p:txBody>
-          </p:sp>
-          <p:sp>
-            <p:nvSpPr>
-              <p:cNvPr id="78" name="Rectangle 77"/>
-              <p:cNvSpPr/>
-              <p:nvPr/>
-            </p:nvSpPr>
-            <p:spPr>
-              <a:xfrm>
-                <a:off x="3896103" y="2226552"/>
-                <a:ext cx="3894998" cy="166589"/>
-              </a:xfrm>
-              <a:prstGeom prst="rect">
-                <a:avLst/>
-              </a:prstGeom>
-              <a:solidFill>
-                <a:schemeClr val="bg1">
-                  <a:lumMod val="85000"/>
-                </a:schemeClr>
-              </a:solidFill>
-              <a:ln w="15875">
-                <a:solidFill>
-                  <a:schemeClr val="tx1"/>
-                </a:solidFill>
-              </a:ln>
-            </p:spPr>
-            <p:style>
-              <a:lnRef idx="2">
-                <a:schemeClr val="accent1">
-                  <a:shade val="50000"/>
-                </a:schemeClr>
-              </a:lnRef>
-              <a:fillRef idx="1">
-                <a:schemeClr val="accent1"/>
-              </a:fillRef>
-              <a:effectRef idx="0">
-                <a:schemeClr val="accent1"/>
-              </a:effectRef>
-              <a:fontRef idx="minor">
-                <a:schemeClr val="lt1"/>
-              </a:fontRef>
-            </p:style>
-            <p:txBody>
-              <a:bodyPr rot="0" spcFirstLastPara="0" vertOverflow="overflow" horzOverflow="overflow" vert="horz" wrap="square" lIns="91440" tIns="45720" rIns="91440" bIns="45720" numCol="1" spcCol="0" rtlCol="0" fromWordArt="0" anchor="ctr" anchorCtr="0" forceAA="0" compatLnSpc="1">
-                <a:prstTxWarp prst="textNoShape">
-                  <a:avLst/>
-                </a:prstTxWarp>
-                <a:noAutofit/>
-              </a:bodyPr>
-              <a:lstStyle/>
-              <a:p>
-                <a:pPr algn="ctr"/>
-                <a:r>
-                  <a:rPr lang="en-US" sz="1000" b="1" dirty="0">
-                    <a:solidFill>
-                      <a:schemeClr val="tx1"/>
-                    </a:solidFill>
-                  </a:rPr>
-                  <a:t>Teleop Data</a:t>
-                </a:r>
-              </a:p>
             </p:txBody>
           </p:sp>
         </p:grpSp>
         <p:sp>
           <p:nvSpPr>
-            <p:cNvPr id="45" name="Rectangle 44"/>
+            <p:cNvPr id="39" name="Rectangle 38"/>
             <p:cNvSpPr/>
             <p:nvPr/>
           </p:nvSpPr>
           <p:spPr>
             <a:xfrm>
-              <a:off x="3242532" y="5372872"/>
-              <a:ext cx="1307129" cy="246888"/>
+              <a:off x="-3466" y="1563034"/>
+              <a:ext cx="2029968" cy="365760"/>
             </a:xfrm>
             <a:prstGeom prst="rect">
               <a:avLst/>
@@ -9830,70 +10067,312 @@
                     <a:schemeClr val="tx1"/>
                   </a:solidFill>
                 </a:rPr>
-                <a:t>Match #: </a:t>
+                <a:t>Matches Played: num_matches_1</a:t>
               </a:r>
+            </a:p>
+          </p:txBody>
+        </p:sp>
+        <p:sp>
+          <p:nvSpPr>
+            <p:cNvPr id="40" name="Rectangle 39"/>
+            <p:cNvSpPr/>
+            <p:nvPr/>
+          </p:nvSpPr>
+          <p:spPr>
+            <a:xfrm>
+              <a:off x="2034912" y="1563034"/>
+              <a:ext cx="2029968" cy="365760"/>
+            </a:xfrm>
+            <a:prstGeom prst="rect">
+              <a:avLst/>
+            </a:prstGeom>
+            <a:solidFill>
+              <a:schemeClr val="bg1"/>
+            </a:solidFill>
+            <a:ln w="38100">
+              <a:solidFill>
+                <a:schemeClr val="tx1"/>
+              </a:solidFill>
+            </a:ln>
+          </p:spPr>
+          <p:style>
+            <a:lnRef idx="2">
+              <a:schemeClr val="accent1">
+                <a:shade val="50000"/>
+              </a:schemeClr>
+            </a:lnRef>
+            <a:fillRef idx="1">
+              <a:schemeClr val="accent1"/>
+            </a:fillRef>
+            <a:effectRef idx="0">
+              <a:schemeClr val="accent1"/>
+            </a:effectRef>
+            <a:fontRef idx="minor">
+              <a:schemeClr val="lt1"/>
+            </a:fontRef>
+          </p:style>
+          <p:txBody>
+            <a:bodyPr rot="0" spcFirstLastPara="0" vertOverflow="overflow" horzOverflow="overflow" vert="horz" wrap="square" lIns="91440" tIns="45720" rIns="91440" bIns="45720" numCol="1" spcCol="0" rtlCol="0" fromWordArt="0" anchor="ctr" anchorCtr="0" forceAA="0" compatLnSpc="1">
+              <a:prstTxWarp prst="textNoShape">
+                <a:avLst/>
+              </a:prstTxWarp>
+              <a:noAutofit/>
+            </a:bodyPr>
+            <a:lstStyle/>
+            <a:p>
+              <a:pPr algn="ctr"/>
               <a:r>
-                <a:rPr lang="en-US" sz="1200" b="1" dirty="0" err="1">
+                <a:rPr lang="en-US" sz="1200" b="1" dirty="0">
                   <a:solidFill>
                     <a:schemeClr val="tx1"/>
                   </a:solidFill>
                 </a:rPr>
-                <a:t>match_num</a:t>
+                <a:t>Matches Played: num_matches_2</a:t>
               </a:r>
-              <a:endParaRPr lang="en-US" sz="1200" b="1" dirty="0">
-                <a:solidFill>
-                  <a:schemeClr val="tx1"/>
-                </a:solidFill>
-              </a:endParaRPr>
+            </a:p>
+          </p:txBody>
+        </p:sp>
+        <p:sp>
+          <p:nvSpPr>
+            <p:cNvPr id="41" name="Rectangle 40"/>
+            <p:cNvSpPr/>
+            <p:nvPr/>
+          </p:nvSpPr>
+          <p:spPr>
+            <a:xfrm>
+              <a:off x="4072266" y="1563034"/>
+              <a:ext cx="2011067" cy="365760"/>
+            </a:xfrm>
+            <a:prstGeom prst="rect">
+              <a:avLst/>
+            </a:prstGeom>
+            <a:solidFill>
+              <a:schemeClr val="bg1"/>
+            </a:solidFill>
+            <a:ln w="38100">
+              <a:solidFill>
+                <a:schemeClr val="tx1"/>
+              </a:solidFill>
+            </a:ln>
+          </p:spPr>
+          <p:style>
+            <a:lnRef idx="2">
+              <a:schemeClr val="accent1">
+                <a:shade val="50000"/>
+              </a:schemeClr>
+            </a:lnRef>
+            <a:fillRef idx="1">
+              <a:schemeClr val="accent1"/>
+            </a:fillRef>
+            <a:effectRef idx="0">
+              <a:schemeClr val="accent1"/>
+            </a:effectRef>
+            <a:fontRef idx="minor">
+              <a:schemeClr val="lt1"/>
+            </a:fontRef>
+          </p:style>
+          <p:txBody>
+            <a:bodyPr rot="0" spcFirstLastPara="0" vertOverflow="overflow" horzOverflow="overflow" vert="horz" wrap="square" lIns="91440" tIns="45720" rIns="91440" bIns="45720" numCol="1" spcCol="0" rtlCol="0" fromWordArt="0" anchor="ctr" anchorCtr="0" forceAA="0" compatLnSpc="1">
+              <a:prstTxWarp prst="textNoShape">
+                <a:avLst/>
+              </a:prstTxWarp>
+              <a:noAutofit/>
+            </a:bodyPr>
+            <a:lstStyle/>
+            <a:p>
+              <a:pPr algn="ctr"/>
+              <a:r>
+                <a:rPr lang="en-US" sz="1200" b="1" dirty="0">
+                  <a:solidFill>
+                    <a:schemeClr val="tx1"/>
+                  </a:solidFill>
+                </a:rPr>
+                <a:t>Matches Played: num_matches_3</a:t>
+              </a:r>
+            </a:p>
+          </p:txBody>
+        </p:sp>
+        <p:sp>
+          <p:nvSpPr>
+            <p:cNvPr id="42" name="Rectangle 41"/>
+            <p:cNvSpPr/>
+            <p:nvPr/>
+          </p:nvSpPr>
+          <p:spPr>
+            <a:xfrm>
+              <a:off x="6094712" y="1563034"/>
+              <a:ext cx="2029968" cy="365760"/>
+            </a:xfrm>
+            <a:prstGeom prst="rect">
+              <a:avLst/>
+            </a:prstGeom>
+            <a:solidFill>
+              <a:schemeClr val="bg1"/>
+            </a:solidFill>
+            <a:ln w="38100">
+              <a:solidFill>
+                <a:schemeClr val="tx1"/>
+              </a:solidFill>
+            </a:ln>
+          </p:spPr>
+          <p:style>
+            <a:lnRef idx="2">
+              <a:schemeClr val="accent1">
+                <a:shade val="50000"/>
+              </a:schemeClr>
+            </a:lnRef>
+            <a:fillRef idx="1">
+              <a:schemeClr val="accent1"/>
+            </a:fillRef>
+            <a:effectRef idx="0">
+              <a:schemeClr val="accent1"/>
+            </a:effectRef>
+            <a:fontRef idx="minor">
+              <a:schemeClr val="lt1"/>
+            </a:fontRef>
+          </p:style>
+          <p:txBody>
+            <a:bodyPr rot="0" spcFirstLastPara="0" vertOverflow="overflow" horzOverflow="overflow" vert="horz" wrap="square" lIns="91440" tIns="45720" rIns="91440" bIns="45720" numCol="1" spcCol="0" rtlCol="0" fromWordArt="0" anchor="ctr" anchorCtr="0" forceAA="0" compatLnSpc="1">
+              <a:prstTxWarp prst="textNoShape">
+                <a:avLst/>
+              </a:prstTxWarp>
+              <a:noAutofit/>
+            </a:bodyPr>
+            <a:lstStyle/>
+            <a:p>
+              <a:pPr algn="ctr"/>
+              <a:r>
+                <a:rPr lang="en-US" sz="1200" b="1" dirty="0">
+                  <a:solidFill>
+                    <a:schemeClr val="tx1"/>
+                  </a:solidFill>
+                </a:rPr>
+                <a:t>Matches Played: num_matches_4</a:t>
+              </a:r>
+            </a:p>
+          </p:txBody>
+        </p:sp>
+        <p:sp>
+          <p:nvSpPr>
+            <p:cNvPr id="79" name="Rectangle 78"/>
+            <p:cNvSpPr/>
+            <p:nvPr/>
+          </p:nvSpPr>
+          <p:spPr>
+            <a:xfrm>
+              <a:off x="8133090" y="1563034"/>
+              <a:ext cx="2029968" cy="365760"/>
+            </a:xfrm>
+            <a:prstGeom prst="rect">
+              <a:avLst/>
+            </a:prstGeom>
+            <a:solidFill>
+              <a:schemeClr val="bg1"/>
+            </a:solidFill>
+            <a:ln w="38100">
+              <a:solidFill>
+                <a:schemeClr val="tx1"/>
+              </a:solidFill>
+            </a:ln>
+          </p:spPr>
+          <p:style>
+            <a:lnRef idx="2">
+              <a:schemeClr val="accent1">
+                <a:shade val="50000"/>
+              </a:schemeClr>
+            </a:lnRef>
+            <a:fillRef idx="1">
+              <a:schemeClr val="accent1"/>
+            </a:fillRef>
+            <a:effectRef idx="0">
+              <a:schemeClr val="accent1"/>
+            </a:effectRef>
+            <a:fontRef idx="minor">
+              <a:schemeClr val="lt1"/>
+            </a:fontRef>
+          </p:style>
+          <p:txBody>
+            <a:bodyPr rot="0" spcFirstLastPara="0" vertOverflow="overflow" horzOverflow="overflow" vert="horz" wrap="square" lIns="91440" tIns="45720" rIns="91440" bIns="45720" numCol="1" spcCol="0" rtlCol="0" fromWordArt="0" anchor="ctr" anchorCtr="0" forceAA="0" compatLnSpc="1">
+              <a:prstTxWarp prst="textNoShape">
+                <a:avLst/>
+              </a:prstTxWarp>
+              <a:noAutofit/>
+            </a:bodyPr>
+            <a:lstStyle/>
+            <a:p>
+              <a:pPr algn="ctr"/>
+              <a:r>
+                <a:rPr lang="en-US" sz="1200" b="1" dirty="0">
+                  <a:solidFill>
+                    <a:schemeClr val="tx1"/>
+                  </a:solidFill>
+                </a:rPr>
+                <a:t>Matches Played: num_matches_5</a:t>
+              </a:r>
+            </a:p>
+          </p:txBody>
+        </p:sp>
+        <p:sp>
+          <p:nvSpPr>
+            <p:cNvPr id="80" name="Rectangle 79"/>
+            <p:cNvSpPr/>
+            <p:nvPr/>
+          </p:nvSpPr>
+          <p:spPr>
+            <a:xfrm>
+              <a:off x="10170444" y="1563034"/>
+              <a:ext cx="2011067" cy="365760"/>
+            </a:xfrm>
+            <a:prstGeom prst="rect">
+              <a:avLst/>
+            </a:prstGeom>
+            <a:solidFill>
+              <a:schemeClr val="bg1"/>
+            </a:solidFill>
+            <a:ln w="38100">
+              <a:solidFill>
+                <a:schemeClr val="tx1"/>
+              </a:solidFill>
+            </a:ln>
+          </p:spPr>
+          <p:style>
+            <a:lnRef idx="2">
+              <a:schemeClr val="accent1">
+                <a:shade val="50000"/>
+              </a:schemeClr>
+            </a:lnRef>
+            <a:fillRef idx="1">
+              <a:schemeClr val="accent1"/>
+            </a:fillRef>
+            <a:effectRef idx="0">
+              <a:schemeClr val="accent1"/>
+            </a:effectRef>
+            <a:fontRef idx="minor">
+              <a:schemeClr val="lt1"/>
+            </a:fontRef>
+          </p:style>
+          <p:txBody>
+            <a:bodyPr rot="0" spcFirstLastPara="0" vertOverflow="overflow" horzOverflow="overflow" vert="horz" wrap="square" lIns="91440" tIns="45720" rIns="91440" bIns="45720" numCol="1" spcCol="0" rtlCol="0" fromWordArt="0" anchor="ctr" anchorCtr="0" forceAA="0" compatLnSpc="1">
+              <a:prstTxWarp prst="textNoShape">
+                <a:avLst/>
+              </a:prstTxWarp>
+              <a:noAutofit/>
+            </a:bodyPr>
+            <a:lstStyle/>
+            <a:p>
+              <a:pPr algn="ctr"/>
+              <a:r>
+                <a:rPr lang="en-US" sz="1200" b="1" dirty="0">
+                  <a:solidFill>
+                    <a:schemeClr val="tx1"/>
+                  </a:solidFill>
+                </a:rPr>
+                <a:t>Matches Played: num_matches_6</a:t>
+              </a:r>
             </a:p>
           </p:txBody>
         </p:sp>
       </p:grpSp>
-      <p:sp>
-        <p:nvSpPr>
-          <p:cNvPr id="2" name="Rectangle 1">
-            <a:hlinkClick r:id="rId2" action="ppaction://hlinksldjump"/>
-          </p:cNvPr>
-          <p:cNvSpPr/>
-          <p:nvPr/>
-        </p:nvSpPr>
-        <p:spPr>
-          <a:xfrm>
-            <a:off x="11175979" y="6473546"/>
-            <a:ext cx="973008" cy="360608"/>
-          </a:xfrm>
-          <a:prstGeom prst="rect">
-            <a:avLst/>
-          </a:prstGeom>
-        </p:spPr>
-        <p:style>
-          <a:lnRef idx="2">
-            <a:schemeClr val="accent1">
-              <a:shade val="50000"/>
-            </a:schemeClr>
-          </a:lnRef>
-          <a:fillRef idx="1">
-            <a:schemeClr val="accent1"/>
-          </a:fillRef>
-          <a:effectRef idx="0">
-            <a:schemeClr val="accent1"/>
-          </a:effectRef>
-          <a:fontRef idx="minor">
-            <a:schemeClr val="lt1"/>
-          </a:fontRef>
-        </p:style>
-        <p:txBody>
-          <a:bodyPr rtlCol="0" anchor="ctr"/>
-          <a:lstStyle/>
-          <a:p>
-            <a:pPr algn="ctr"/>
-            <a:r>
-              <a:rPr lang="en-US" b="1" dirty="0"/>
-              <a:t>Menu</a:t>
-            </a:r>
-          </a:p>
-        </p:txBody>
-      </p:sp>
     </p:spTree>
     <p:extLst>
       <p:ext uri="{BB962C8B-B14F-4D97-AF65-F5344CB8AC3E}">
@@ -10716,7 +11195,51 @@
       </a:bgFillStyleLst>
     </a:fmtScheme>
   </a:themeElements>
-  <a:objectDefaults/>
+  <a:objectDefaults>
+    <a:spDef>
+      <a:spPr>
+        <a:solidFill>
+          <a:schemeClr val="bg1"/>
+        </a:solidFill>
+        <a:ln w="15875">
+          <a:solidFill>
+            <a:schemeClr val="tx1"/>
+          </a:solidFill>
+        </a:ln>
+      </a:spPr>
+      <a:bodyPr rot="0" spcFirstLastPara="0" vertOverflow="overflow" horzOverflow="overflow" vert="horz" wrap="square" lIns="91440" tIns="45720" rIns="91440" bIns="45720" numCol="1" spcCol="0" rtlCol="0" fromWordArt="0" anchor="ctr" anchorCtr="0" forceAA="0" compatLnSpc="1">
+        <a:prstTxWarp prst="textNoShape">
+          <a:avLst/>
+        </a:prstTxWarp>
+        <a:noAutofit/>
+      </a:bodyPr>
+      <a:lstStyle>
+        <a:defPPr>
+          <a:defRPr sz="1200" b="1" dirty="0">
+            <a:solidFill>
+              <a:schemeClr val="tx1"/>
+            </a:solidFill>
+          </a:defRPr>
+        </a:defPPr>
+      </a:lstStyle>
+      <a:style>
+        <a:lnRef idx="2">
+          <a:schemeClr val="accent1">
+            <a:shade val="50000"/>
+          </a:schemeClr>
+        </a:lnRef>
+        <a:fillRef idx="1">
+          <a:schemeClr val="accent1"/>
+        </a:fillRef>
+        <a:effectRef idx="0">
+          <a:schemeClr val="accent1"/>
+        </a:effectRef>
+        <a:fontRef idx="minor">
+          <a:schemeClr val="lt1"/>
+        </a:fontRef>
+      </a:style>
+    </a:spDef>
+  </a:objectDefaults>
   <a:extraClrSchemeLst/>
   <a:extLst>
     <a:ext uri="{05A4C25C-085E-4340-85A3-A5531E510DB2}">

--- a/alliances/alliance_interface.pptx
+++ b/alliances/alliance_interface.pptx
@@ -247,7 +247,7 @@
           <a:p>
             <a:fld id="{B0EC7D9C-C39F-4904-9B8C-0ED70A370381}" type="datetimeFigureOut">
               <a:rPr lang="en-US" smtClean="0"/>
-              <a:t>3/13/2017</a:t>
+              <a:t>3/28/2017</a:t>
             </a:fld>
             <a:endParaRPr lang="en-US"/>
           </a:p>
@@ -415,7 +415,7 @@
           <a:p>
             <a:fld id="{B0EC7D9C-C39F-4904-9B8C-0ED70A370381}" type="datetimeFigureOut">
               <a:rPr lang="en-US" smtClean="0"/>
-              <a:t>3/13/2017</a:t>
+              <a:t>3/28/2017</a:t>
             </a:fld>
             <a:endParaRPr lang="en-US"/>
           </a:p>
@@ -593,7 +593,7 @@
           <a:p>
             <a:fld id="{B0EC7D9C-C39F-4904-9B8C-0ED70A370381}" type="datetimeFigureOut">
               <a:rPr lang="en-US" smtClean="0"/>
-              <a:t>3/13/2017</a:t>
+              <a:t>3/28/2017</a:t>
             </a:fld>
             <a:endParaRPr lang="en-US"/>
           </a:p>
@@ -761,7 +761,7 @@
           <a:p>
             <a:fld id="{B0EC7D9C-C39F-4904-9B8C-0ED70A370381}" type="datetimeFigureOut">
               <a:rPr lang="en-US" smtClean="0"/>
-              <a:t>3/13/2017</a:t>
+              <a:t>3/28/2017</a:t>
             </a:fld>
             <a:endParaRPr lang="en-US"/>
           </a:p>
@@ -1006,7 +1006,7 @@
           <a:p>
             <a:fld id="{B0EC7D9C-C39F-4904-9B8C-0ED70A370381}" type="datetimeFigureOut">
               <a:rPr lang="en-US" smtClean="0"/>
-              <a:t>3/13/2017</a:t>
+              <a:t>3/28/2017</a:t>
             </a:fld>
             <a:endParaRPr lang="en-US"/>
           </a:p>
@@ -1235,7 +1235,7 @@
           <a:p>
             <a:fld id="{B0EC7D9C-C39F-4904-9B8C-0ED70A370381}" type="datetimeFigureOut">
               <a:rPr lang="en-US" smtClean="0"/>
-              <a:t>3/13/2017</a:t>
+              <a:t>3/28/2017</a:t>
             </a:fld>
             <a:endParaRPr lang="en-US"/>
           </a:p>
@@ -1599,7 +1599,7 @@
           <a:p>
             <a:fld id="{B0EC7D9C-C39F-4904-9B8C-0ED70A370381}" type="datetimeFigureOut">
               <a:rPr lang="en-US" smtClean="0"/>
-              <a:t>3/13/2017</a:t>
+              <a:t>3/28/2017</a:t>
             </a:fld>
             <a:endParaRPr lang="en-US"/>
           </a:p>
@@ -1716,7 +1716,7 @@
           <a:p>
             <a:fld id="{B0EC7D9C-C39F-4904-9B8C-0ED70A370381}" type="datetimeFigureOut">
               <a:rPr lang="en-US" smtClean="0"/>
-              <a:t>3/13/2017</a:t>
+              <a:t>3/28/2017</a:t>
             </a:fld>
             <a:endParaRPr lang="en-US"/>
           </a:p>
@@ -1811,7 +1811,7 @@
           <a:p>
             <a:fld id="{B0EC7D9C-C39F-4904-9B8C-0ED70A370381}" type="datetimeFigureOut">
               <a:rPr lang="en-US" smtClean="0"/>
-              <a:t>3/13/2017</a:t>
+              <a:t>3/28/2017</a:t>
             </a:fld>
             <a:endParaRPr lang="en-US"/>
           </a:p>
@@ -2086,7 +2086,7 @@
           <a:p>
             <a:fld id="{B0EC7D9C-C39F-4904-9B8C-0ED70A370381}" type="datetimeFigureOut">
               <a:rPr lang="en-US" smtClean="0"/>
-              <a:t>3/13/2017</a:t>
+              <a:t>3/28/2017</a:t>
             </a:fld>
             <a:endParaRPr lang="en-US"/>
           </a:p>
@@ -2338,7 +2338,7 @@
           <a:p>
             <a:fld id="{B0EC7D9C-C39F-4904-9B8C-0ED70A370381}" type="datetimeFigureOut">
               <a:rPr lang="en-US" smtClean="0"/>
-              <a:t>3/13/2017</a:t>
+              <a:t>3/28/2017</a:t>
             </a:fld>
             <a:endParaRPr lang="en-US"/>
           </a:p>
@@ -2549,7 +2549,7 @@
           <a:p>
             <a:fld id="{B0EC7D9C-C39F-4904-9B8C-0ED70A370381}" type="datetimeFigureOut">
               <a:rPr lang="en-US" smtClean="0"/>
-              <a:t>3/13/2017</a:t>
+              <a:t>3/28/2017</a:t>
             </a:fld>
             <a:endParaRPr lang="en-US"/>
           </a:p>
@@ -6791,17 +6791,7 @@
                         <a:schemeClr val="tx1"/>
                       </a:solidFill>
                     </a:rPr>
-                    <a:t>Floor Ball intake: avg_auto_floor_ball_intake_1</a:t>
-                  </a:r>
-                </a:p>
-                <a:p>
-                  <a:r>
-                    <a:rPr lang="en-US" sz="1200" b="1" dirty="0">
-                      <a:solidFill>
-                        <a:schemeClr val="tx1"/>
-                      </a:solidFill>
-                    </a:rPr>
-                    <a:t>Gears Scored LMR: tot_auto_gears_scored_top_1/tot_auto_gears_scored_mid_1/tot_auto_gears_scored_bot_1</a:t>
+                    <a:t>Gears Scored LMR: tot_auto_gears_scored_left_1/tot_auto_gears_scored_mid_1/tot_auto_gears_scored_right_1</a:t>
                   </a:r>
                 </a:p>
                 <a:p>
@@ -7267,21 +7257,6 @@
                         <a:schemeClr val="tx1"/>
                       </a:solidFill>
                     </a:rPr>
-                    <a:t>HP Ball Intake: avg_hp_ball_intake_1</a:t>
-                  </a:r>
-                </a:p>
-                <a:p>
-                  <a:pPr>
-                    <a:spcBef>
-                      <a:spcPts val="10"/>
-                    </a:spcBef>
-                  </a:pPr>
-                  <a:r>
-                    <a:rPr lang="en-US" sz="1200" b="1" dirty="0">
-                      <a:solidFill>
-                        <a:schemeClr val="tx1"/>
-                      </a:solidFill>
-                    </a:rPr>
                     <a:t>Floor Gear Intake: avg_tele_floor_gear_intake_1</a:t>
                   </a:r>
                 </a:p>
@@ -7355,21 +7330,6 @@
                       </a:solidFill>
                     </a:rPr>
                     <a:t>Mobility: avg_mobility_rating_1</a:t>
-                  </a:r>
-                </a:p>
-                <a:p>
-                  <a:pPr>
-                    <a:spcBef>
-                      <a:spcPts val="10"/>
-                    </a:spcBef>
-                  </a:pPr>
-                  <a:r>
-                    <a:rPr lang="en-US" sz="1200" b="1" dirty="0">
-                      <a:solidFill>
-                        <a:schemeClr val="tx1"/>
-                      </a:solidFill>
-                    </a:rPr>
-                    <a:t>Fouls: tot_fouls_1</a:t>
                   </a:r>
                 </a:p>
               </p:txBody>
@@ -7650,17 +7610,7 @@
                         <a:schemeClr val="tx1"/>
                       </a:solidFill>
                     </a:rPr>
-                    <a:t>Floor Ball intake: avg_auto_floor_ball_intake_2</a:t>
-                  </a:r>
-                </a:p>
-                <a:p>
-                  <a:r>
-                    <a:rPr lang="en-US" sz="1200" b="1" dirty="0">
-                      <a:solidFill>
-                        <a:schemeClr val="tx1"/>
-                      </a:solidFill>
-                    </a:rPr>
-                    <a:t>Gears Scored LMR: tot_auto_gears_scored_top_2/tot_auto_gears_scored_mid_2/tot_auto_gears_scored_bot_2</a:t>
+                    <a:t>Gears Scored LMR: tot_auto_gears_scored_left_2/tot_auto_gears_scored_mid_2/tot_auto_gears_scored_right_2</a:t>
                   </a:r>
                 </a:p>
                 <a:p>
@@ -7672,6 +7622,13 @@
                     </a:rPr>
                     <a:t>Gears Scored Tot: tot_auto_gears_scored_2/tot_auto_gears_attempts_2/max_auto_gears_scored_2</a:t>
                   </a:r>
+                </a:p>
+                <a:p>
+                  <a:endParaRPr lang="en-US" sz="1200" b="1" dirty="0">
+                    <a:solidFill>
+                      <a:schemeClr val="tx1"/>
+                    </a:solidFill>
+                  </a:endParaRPr>
                 </a:p>
               </p:txBody>
             </p:sp>
@@ -7796,16 +7753,6 @@
                         <a:schemeClr val="tx1"/>
                       </a:solidFill>
                     </a:rPr>
-                    <a:t>HP Ball Intake: avg_hp_ball_intake_2</a:t>
-                  </a:r>
-                </a:p>
-                <a:p>
-                  <a:r>
-                    <a:rPr lang="en-US" sz="1200" b="1" dirty="0">
-                      <a:solidFill>
-                        <a:schemeClr val="tx1"/>
-                      </a:solidFill>
-                    </a:rPr>
                     <a:t>Floor Gear Intake: avg_tele_floor_gear_intake_2</a:t>
                   </a:r>
                 </a:p>
@@ -7854,16 +7801,6 @@
                       </a:solidFill>
                     </a:rPr>
                     <a:t>Mobility: avg_mobility_rating_2</a:t>
-                  </a:r>
-                </a:p>
-                <a:p>
-                  <a:r>
-                    <a:rPr lang="en-US" sz="1200" b="1" dirty="0">
-                      <a:solidFill>
-                        <a:schemeClr val="tx1"/>
-                      </a:solidFill>
-                    </a:rPr>
-                    <a:t>Fouls: tot_fouls_2</a:t>
                   </a:r>
                 </a:p>
               </p:txBody>
@@ -7962,17 +7899,7 @@
                         <a:schemeClr val="tx1"/>
                       </a:solidFill>
                     </a:rPr>
-                    <a:t>Floor Ball intake: avg_auto_floor_ball_intake_3</a:t>
-                  </a:r>
-                </a:p>
-                <a:p>
-                  <a:r>
-                    <a:rPr lang="en-US" sz="1200" b="1" dirty="0">
-                      <a:solidFill>
-                        <a:schemeClr val="tx1"/>
-                      </a:solidFill>
-                    </a:rPr>
-                    <a:t>Gears Scored LMR: tot_auto_gears_scored_top_3/tot_auto_gears_scored_mid_3/tot_auto_gears_scored_bot_3</a:t>
+                    <a:t>Gears Scored LMR: tot_auto_gears_scored_left_3/tot_auto_gears_scored_mid_3/tot_auto_gears_scored_right_3</a:t>
                   </a:r>
                 </a:p>
                 <a:p>
@@ -7984,6 +7911,13 @@
                     </a:rPr>
                     <a:t>Gears Scored Tot: tot_auto_gears_scored_3/tot_auto_gears_attempts_3/max_auto_gears_scored_3</a:t>
                   </a:r>
+                </a:p>
+                <a:p>
+                  <a:endParaRPr lang="en-US" sz="1200" b="1" dirty="0">
+                    <a:solidFill>
+                      <a:schemeClr val="tx1"/>
+                    </a:solidFill>
+                  </a:endParaRPr>
                 </a:p>
               </p:txBody>
             </p:sp>
@@ -8108,16 +8042,6 @@
                         <a:schemeClr val="tx1"/>
                       </a:solidFill>
                     </a:rPr>
-                    <a:t>HP Ball Intake: avg_hp_ball_intake_3</a:t>
-                  </a:r>
-                </a:p>
-                <a:p>
-                  <a:r>
-                    <a:rPr lang="en-US" sz="1200" b="1" dirty="0">
-                      <a:solidFill>
-                        <a:schemeClr val="tx1"/>
-                      </a:solidFill>
-                    </a:rPr>
                     <a:t>Floor Gear Intake: avg_tele_floor_gear_intake_3</a:t>
                   </a:r>
                 </a:p>
@@ -8166,16 +8090,6 @@
                       </a:solidFill>
                     </a:rPr>
                     <a:t>Mobility: avg_mobility_rating_3</a:t>
-                  </a:r>
-                </a:p>
-                <a:p>
-                  <a:r>
-                    <a:rPr lang="en-US" sz="1200" b="1" dirty="0">
-                      <a:solidFill>
-                        <a:schemeClr val="tx1"/>
-                      </a:solidFill>
-                    </a:rPr>
-                    <a:t>Fouls: tot_fouls_3</a:t>
                   </a:r>
                 </a:p>
               </p:txBody>
@@ -8274,17 +8188,7 @@
                         <a:schemeClr val="tx1"/>
                       </a:solidFill>
                     </a:rPr>
-                    <a:t>Floor Ball intake: avg_auto_floor_ball_intake_4</a:t>
-                  </a:r>
-                </a:p>
-                <a:p>
-                  <a:r>
-                    <a:rPr lang="en-US" sz="1200" b="1" dirty="0">
-                      <a:solidFill>
-                        <a:schemeClr val="tx1"/>
-                      </a:solidFill>
-                    </a:rPr>
-                    <a:t>Gears Scored LMR: tot_auto_gears_scored_top_4/tot_auto_gears_scored_mid_4/tot_auto_gears_scored_bot_4</a:t>
+                    <a:t>Gears Scored LMR: tot_auto_gears_scored_left_4/tot_auto_gears_scored_mid_4/tot_auto_gears_scored_right_4</a:t>
                   </a:r>
                 </a:p>
                 <a:p>
@@ -8296,6 +8200,13 @@
                     </a:rPr>
                     <a:t>Gears Scored Tot: tot_auto_gears_scored_4/tot_auto_gears_attempts_4/max_auto_gears_scored_4</a:t>
                   </a:r>
+                </a:p>
+                <a:p>
+                  <a:endParaRPr lang="en-US" sz="1200" b="1" dirty="0">
+                    <a:solidFill>
+                      <a:schemeClr val="tx1"/>
+                    </a:solidFill>
+                  </a:endParaRPr>
                 </a:p>
               </p:txBody>
             </p:sp>
@@ -8748,21 +8659,6 @@
                         <a:schemeClr val="tx1"/>
                       </a:solidFill>
                     </a:rPr>
-                    <a:t>HP Ball Intake: avg_hp_ball_intake_4</a:t>
-                  </a:r>
-                </a:p>
-                <a:p>
-                  <a:pPr>
-                    <a:spcBef>
-                      <a:spcPts val="10"/>
-                    </a:spcBef>
-                  </a:pPr>
-                  <a:r>
-                    <a:rPr lang="en-US" sz="1200" b="1" dirty="0">
-                      <a:solidFill>
-                        <a:schemeClr val="tx1"/>
-                      </a:solidFill>
-                    </a:rPr>
                     <a:t>Floor Gear Intake: avg_tele_floor_gear_intake_4</a:t>
                   </a:r>
                 </a:p>
@@ -8836,21 +8732,6 @@
                       </a:solidFill>
                     </a:rPr>
                     <a:t>Mobility: avg_mobility_rating_4</a:t>
-                  </a:r>
-                </a:p>
-                <a:p>
-                  <a:pPr>
-                    <a:spcBef>
-                      <a:spcPts val="10"/>
-                    </a:spcBef>
-                  </a:pPr>
-                  <a:r>
-                    <a:rPr lang="en-US" sz="1200" b="1" dirty="0">
-                      <a:solidFill>
-                        <a:schemeClr val="tx1"/>
-                      </a:solidFill>
-                    </a:rPr>
-                    <a:t>Fouls: tot_fouls_4</a:t>
                   </a:r>
                 </a:p>
               </p:txBody>
@@ -9131,17 +9012,7 @@
                         <a:schemeClr val="tx1"/>
                       </a:solidFill>
                     </a:rPr>
-                    <a:t>Floor Ball intake: avg_auto_floor_ball_intake_5</a:t>
-                  </a:r>
-                </a:p>
-                <a:p>
-                  <a:r>
-                    <a:rPr lang="en-US" sz="1200" b="1" dirty="0">
-                      <a:solidFill>
-                        <a:schemeClr val="tx1"/>
-                      </a:solidFill>
-                    </a:rPr>
-                    <a:t>Gears Scored LMR: tot_auto_gears_scored_top_5/tot_auto_gears_scored_mid_5/tot_auto_gears_scored_bot_5</a:t>
+                    <a:t>Gears Scored LMR: tot_auto_gears_scored_left_5/tot_auto_gears_scored_mid_5/tot_auto_gears_scored_right_5</a:t>
                   </a:r>
                 </a:p>
                 <a:p>
@@ -9153,6 +9024,13 @@
                     </a:rPr>
                     <a:t>Gears Scored Tot: tot_auto_gears_scored_5/tot_auto_gears_attempts_5/max_auto_gears_scored_5</a:t>
                   </a:r>
+                </a:p>
+                <a:p>
+                  <a:endParaRPr lang="en-US" sz="1200" b="1" dirty="0">
+                    <a:solidFill>
+                      <a:schemeClr val="tx1"/>
+                    </a:solidFill>
+                  </a:endParaRPr>
                 </a:p>
               </p:txBody>
             </p:sp>
@@ -9277,16 +9155,6 @@
                         <a:schemeClr val="tx1"/>
                       </a:solidFill>
                     </a:rPr>
-                    <a:t>HP Ball Intake: avg_hp_ball_intake_5</a:t>
-                  </a:r>
-                </a:p>
-                <a:p>
-                  <a:r>
-                    <a:rPr lang="en-US" sz="1200" b="1" dirty="0">
-                      <a:solidFill>
-                        <a:schemeClr val="tx1"/>
-                      </a:solidFill>
-                    </a:rPr>
                     <a:t>Floor Gear Intake: avg_tele_floor_gear_intake_5</a:t>
                   </a:r>
                 </a:p>
@@ -9335,16 +9203,6 @@
                       </a:solidFill>
                     </a:rPr>
                     <a:t>Mobility: avg_mobility_rating_5</a:t>
-                  </a:r>
-                </a:p>
-                <a:p>
-                  <a:r>
-                    <a:rPr lang="en-US" sz="1200" b="1" dirty="0">
-                      <a:solidFill>
-                        <a:schemeClr val="tx1"/>
-                      </a:solidFill>
-                    </a:rPr>
-                    <a:t>Fouls: tot_fouls_5</a:t>
                   </a:r>
                 </a:p>
               </p:txBody>
@@ -9443,17 +9301,7 @@
                         <a:schemeClr val="tx1"/>
                       </a:solidFill>
                     </a:rPr>
-                    <a:t>Floor Ball intake: avg_auto_floor_ball_intake_6</a:t>
-                  </a:r>
-                </a:p>
-                <a:p>
-                  <a:r>
-                    <a:rPr lang="en-US" sz="1200" b="1" dirty="0">
-                      <a:solidFill>
-                        <a:schemeClr val="tx1"/>
-                      </a:solidFill>
-                    </a:rPr>
-                    <a:t>Gears Scored LMR: tot_auto_gears_scored_top_6/tot_auto_gears_scored_mid_6/tot_auto_gears_scored_bot_6</a:t>
+                    <a:t>Gears Scored LMR: tot_auto_gears_scored_left_6/tot_auto_gears_scored_mid_6/tot_auto_gears_scored_right_6</a:t>
                   </a:r>
                 </a:p>
                 <a:p>
@@ -9465,6 +9313,13 @@
                     </a:rPr>
                     <a:t>Gears Scored Tot: tot_auto_gears_scored_6/tot_auto_gears_attempts_6/max_auto_gears_scored_6</a:t>
                   </a:r>
+                </a:p>
+                <a:p>
+                  <a:endParaRPr lang="en-US" sz="1200" b="1" dirty="0">
+                    <a:solidFill>
+                      <a:schemeClr val="tx1"/>
+                    </a:solidFill>
+                  </a:endParaRPr>
                 </a:p>
               </p:txBody>
             </p:sp>
@@ -9589,16 +9444,6 @@
                         <a:schemeClr val="tx1"/>
                       </a:solidFill>
                     </a:rPr>
-                    <a:t>HP Ball Intake: avg_hp_ball_intake_6</a:t>
-                  </a:r>
-                </a:p>
-                <a:p>
-                  <a:r>
-                    <a:rPr lang="en-US" sz="1200" b="1" dirty="0">
-                      <a:solidFill>
-                        <a:schemeClr val="tx1"/>
-                      </a:solidFill>
-                    </a:rPr>
                     <a:t>Floor Gear Intake: avg_tele_floor_gear_intake_6</a:t>
                   </a:r>
                 </a:p>
@@ -9647,16 +9492,6 @@
                       </a:solidFill>
                     </a:rPr>
                     <a:t>Mobility: avg_mobility_rating_6</a:t>
-                  </a:r>
-                </a:p>
-                <a:p>
-                  <a:r>
-                    <a:rPr lang="en-US" sz="1200" b="1" dirty="0">
-                      <a:solidFill>
-                        <a:schemeClr val="tx1"/>
-                      </a:solidFill>
-                    </a:rPr>
-                    <a:t>Fouls: tot_fouls_6</a:t>
                   </a:r>
                 </a:p>
               </p:txBody>

--- a/alliances/alliance_interface.pptx
+++ b/alliances/alliance_interface.pptx
@@ -247,7 +247,7 @@
           <a:p>
             <a:fld id="{B0EC7D9C-C39F-4904-9B8C-0ED70A370381}" type="datetimeFigureOut">
               <a:rPr lang="en-US" smtClean="0"/>
-              <a:t>3/28/2017</a:t>
+              <a:t>4/17/2017</a:t>
             </a:fld>
             <a:endParaRPr lang="en-US"/>
           </a:p>
@@ -415,7 +415,7 @@
           <a:p>
             <a:fld id="{B0EC7D9C-C39F-4904-9B8C-0ED70A370381}" type="datetimeFigureOut">
               <a:rPr lang="en-US" smtClean="0"/>
-              <a:t>3/28/2017</a:t>
+              <a:t>4/17/2017</a:t>
             </a:fld>
             <a:endParaRPr lang="en-US"/>
           </a:p>
@@ -593,7 +593,7 @@
           <a:p>
             <a:fld id="{B0EC7D9C-C39F-4904-9B8C-0ED70A370381}" type="datetimeFigureOut">
               <a:rPr lang="en-US" smtClean="0"/>
-              <a:t>3/28/2017</a:t>
+              <a:t>4/17/2017</a:t>
             </a:fld>
             <a:endParaRPr lang="en-US"/>
           </a:p>
@@ -761,7 +761,7 @@
           <a:p>
             <a:fld id="{B0EC7D9C-C39F-4904-9B8C-0ED70A370381}" type="datetimeFigureOut">
               <a:rPr lang="en-US" smtClean="0"/>
-              <a:t>3/28/2017</a:t>
+              <a:t>4/17/2017</a:t>
             </a:fld>
             <a:endParaRPr lang="en-US"/>
           </a:p>
@@ -1006,7 +1006,7 @@
           <a:p>
             <a:fld id="{B0EC7D9C-C39F-4904-9B8C-0ED70A370381}" type="datetimeFigureOut">
               <a:rPr lang="en-US" smtClean="0"/>
-              <a:t>3/28/2017</a:t>
+              <a:t>4/17/2017</a:t>
             </a:fld>
             <a:endParaRPr lang="en-US"/>
           </a:p>
@@ -1235,7 +1235,7 @@
           <a:p>
             <a:fld id="{B0EC7D9C-C39F-4904-9B8C-0ED70A370381}" type="datetimeFigureOut">
               <a:rPr lang="en-US" smtClean="0"/>
-              <a:t>3/28/2017</a:t>
+              <a:t>4/17/2017</a:t>
             </a:fld>
             <a:endParaRPr lang="en-US"/>
           </a:p>
@@ -1599,7 +1599,7 @@
           <a:p>
             <a:fld id="{B0EC7D9C-C39F-4904-9B8C-0ED70A370381}" type="datetimeFigureOut">
               <a:rPr lang="en-US" smtClean="0"/>
-              <a:t>3/28/2017</a:t>
+              <a:t>4/17/2017</a:t>
             </a:fld>
             <a:endParaRPr lang="en-US"/>
           </a:p>
@@ -1716,7 +1716,7 @@
           <a:p>
             <a:fld id="{B0EC7D9C-C39F-4904-9B8C-0ED70A370381}" type="datetimeFigureOut">
               <a:rPr lang="en-US" smtClean="0"/>
-              <a:t>3/28/2017</a:t>
+              <a:t>4/17/2017</a:t>
             </a:fld>
             <a:endParaRPr lang="en-US"/>
           </a:p>
@@ -1811,7 +1811,7 @@
           <a:p>
             <a:fld id="{B0EC7D9C-C39F-4904-9B8C-0ED70A370381}" type="datetimeFigureOut">
               <a:rPr lang="en-US" smtClean="0"/>
-              <a:t>3/28/2017</a:t>
+              <a:t>4/17/2017</a:t>
             </a:fld>
             <a:endParaRPr lang="en-US"/>
           </a:p>
@@ -2086,7 +2086,7 @@
           <a:p>
             <a:fld id="{B0EC7D9C-C39F-4904-9B8C-0ED70A370381}" type="datetimeFigureOut">
               <a:rPr lang="en-US" smtClean="0"/>
-              <a:t>3/28/2017</a:t>
+              <a:t>4/17/2017</a:t>
             </a:fld>
             <a:endParaRPr lang="en-US"/>
           </a:p>
@@ -2338,7 +2338,7 @@
           <a:p>
             <a:fld id="{B0EC7D9C-C39F-4904-9B8C-0ED70A370381}" type="datetimeFigureOut">
               <a:rPr lang="en-US" smtClean="0"/>
-              <a:t>3/28/2017</a:t>
+              <a:t>4/17/2017</a:t>
             </a:fld>
             <a:endParaRPr lang="en-US"/>
           </a:p>
@@ -2549,7 +2549,7 @@
           <a:p>
             <a:fld id="{B0EC7D9C-C39F-4904-9B8C-0ED70A370381}" type="datetimeFigureOut">
               <a:rPr lang="en-US" smtClean="0"/>
-              <a:t>3/28/2017</a:t>
+              <a:t>4/17/2017</a:t>
             </a:fld>
             <a:endParaRPr lang="en-US"/>
           </a:p>
@@ -6791,7 +6791,7 @@
                         <a:schemeClr val="tx1"/>
                       </a:solidFill>
                     </a:rPr>
-                    <a:t>Gears Scored LMR: tot_auto_gears_scored_left_1/tot_auto_gears_scored_mid_1/tot_auto_gears_scored_right_1</a:t>
+                    <a:t>Gears Scored FMB: tot_auto_gears_scored_fdr_1/tot_auto_gears_scored_mid_1/tot_auto_gears_scored_boi_1</a:t>
                   </a:r>
                 </a:p>
                 <a:p>
@@ -7610,7 +7610,7 @@
                         <a:schemeClr val="tx1"/>
                       </a:solidFill>
                     </a:rPr>
-                    <a:t>Gears Scored LMR: tot_auto_gears_scored_left_2/tot_auto_gears_scored_mid_2/tot_auto_gears_scored_right_2</a:t>
+                    <a:t>Gears Scored FMB: tot_auto_gears_scored_fdr_2/tot_auto_gears_scored_mid_2/tot_auto_gears_scored_boi_2</a:t>
                   </a:r>
                 </a:p>
                 <a:p>
@@ -7899,7 +7899,7 @@
                         <a:schemeClr val="tx1"/>
                       </a:solidFill>
                     </a:rPr>
-                    <a:t>Gears Scored LMR: tot_auto_gears_scored_left_3/tot_auto_gears_scored_mid_3/tot_auto_gears_scored_right_3</a:t>
+                    <a:t>Gears Scored FMB: tot_auto_gears_scored_fdr_3/tot_auto_gears_scored_mid_3/tot_auto_gears_scored_boi_3</a:t>
                   </a:r>
                 </a:p>
                 <a:p>
@@ -8188,7 +8188,7 @@
                         <a:schemeClr val="tx1"/>
                       </a:solidFill>
                     </a:rPr>
-                    <a:t>Gears Scored LMR: tot_auto_gears_scored_left_4/tot_auto_gears_scored_mid_4/tot_auto_gears_scored_right_4</a:t>
+                    <a:t>Gears Scored FMB: tot_auto_gears_scored_fdr_4/tot_auto_gears_scored_mid_4/tot_auto_gears_scored_boi_4</a:t>
                   </a:r>
                 </a:p>
                 <a:p>
@@ -9012,7 +9012,7 @@
                         <a:schemeClr val="tx1"/>
                       </a:solidFill>
                     </a:rPr>
-                    <a:t>Gears Scored LMR: tot_auto_gears_scored_left_5/tot_auto_gears_scored_mid_5/tot_auto_gears_scored_right_5</a:t>
+                    <a:t>Gears Scored FMB: tot_auto_gears_scored_fdr_5/tot_auto_gears_scored_mid_5/tot_auto_gears_scored_boi_5</a:t>
                   </a:r>
                 </a:p>
                 <a:p>
@@ -9301,7 +9301,7 @@
                         <a:schemeClr val="tx1"/>
                       </a:solidFill>
                     </a:rPr>
-                    <a:t>Gears Scored LMR: tot_auto_gears_scored_left_6/tot_auto_gears_scored_mid_6/tot_auto_gears_scored_right_6</a:t>
+                    <a:t>Gears Scored FMB: tot_auto_gears_scored_fdr_6/tot_auto_gears_scored_mid_6/tot_auto_gears_scored_boi_6</a:t>
                   </a:r>
                 </a:p>
                 <a:p>
